--- a/Meeting/Presentation_0809.pptx
+++ b/Meeting/Presentation_0809.pptx
@@ -5,7 +5,7 @@
     <p:sldMasterId id="2147483648" r:id="rId1"/>
   </p:sldMasterIdLst>
   <p:notesMasterIdLst>
-    <p:notesMasterId r:id="rId18"/>
+    <p:notesMasterId r:id="rId19"/>
   </p:notesMasterIdLst>
   <p:sldIdLst>
     <p:sldId id="256" r:id="rId2"/>
@@ -15,15 +15,16 @@
     <p:sldId id="326" r:id="rId6"/>
     <p:sldId id="308" r:id="rId7"/>
     <p:sldId id="322" r:id="rId8"/>
-    <p:sldId id="324" r:id="rId9"/>
-    <p:sldId id="323" r:id="rId10"/>
-    <p:sldId id="338" r:id="rId11"/>
-    <p:sldId id="309" r:id="rId12"/>
-    <p:sldId id="311" r:id="rId13"/>
-    <p:sldId id="310" r:id="rId14"/>
-    <p:sldId id="312" r:id="rId15"/>
-    <p:sldId id="320" r:id="rId16"/>
-    <p:sldId id="339" r:id="rId17"/>
+    <p:sldId id="343" r:id="rId9"/>
+    <p:sldId id="324" r:id="rId10"/>
+    <p:sldId id="342" r:id="rId11"/>
+    <p:sldId id="344" r:id="rId12"/>
+    <p:sldId id="309" r:id="rId13"/>
+    <p:sldId id="311" r:id="rId14"/>
+    <p:sldId id="310" r:id="rId15"/>
+    <p:sldId id="312" r:id="rId16"/>
+    <p:sldId id="320" r:id="rId17"/>
+    <p:sldId id="339" r:id="rId18"/>
   </p:sldIdLst>
   <p:sldSz cx="12192000" cy="6858000"/>
   <p:notesSz cx="6858000" cy="9144000"/>
@@ -852,194 +853,6 @@
           <a:bodyPr/>
           <a:lstStyle/>
           <a:p>
-            <a:r>
-              <a:rPr lang="en-US" b="0" dirty="0" err="1">
-                <a:solidFill>
-                  <a:srgbClr val="ECC48D"/>
-                </a:solidFill>
-                <a:effectLst/>
-                <a:latin typeface="Menlo" panose="020B0609030804020204" pitchFamily="49" charset="0"/>
-              </a:rPr>
-              <a:t>attn_bias</a:t>
-            </a:r>
-            <a:r>
-              <a:rPr lang="en-US" b="0" dirty="0">
-                <a:solidFill>
-                  <a:srgbClr val="ECC48D"/>
-                </a:solidFill>
-                <a:effectLst/>
-                <a:latin typeface="Menlo" panose="020B0609030804020204" pitchFamily="49" charset="0"/>
-              </a:rPr>
-              <a:t> = </a:t>
-            </a:r>
-            <a:r>
-              <a:rPr lang="en-US" b="0" dirty="0" err="1">
-                <a:solidFill>
-                  <a:srgbClr val="ECC48D"/>
-                </a:solidFill>
-                <a:effectLst/>
-                <a:latin typeface="Menlo" panose="020B0609030804020204" pitchFamily="49" charset="0"/>
-              </a:rPr>
-              <a:t>np.zeros</a:t>
-            </a:r>
-            <a:r>
-              <a:rPr lang="en-US" b="0" dirty="0">
-                <a:solidFill>
-                  <a:srgbClr val="ECC48D"/>
-                </a:solidFill>
-                <a:effectLst/>
-                <a:latin typeface="Menlo" panose="020B0609030804020204" pitchFamily="49" charset="0"/>
-              </a:rPr>
-              <a:t>([</a:t>
-            </a:r>
-            <a:r>
-              <a:rPr lang="en-US" b="0" dirty="0" err="1">
-                <a:solidFill>
-                  <a:srgbClr val="ECC48D"/>
-                </a:solidFill>
-                <a:effectLst/>
-                <a:latin typeface="Menlo" panose="020B0609030804020204" pitchFamily="49" charset="0"/>
-              </a:rPr>
-              <a:t>num_nodes</a:t>
-            </a:r>
-            <a:r>
-              <a:rPr lang="en-US" b="0" dirty="0">
-                <a:solidFill>
-                  <a:srgbClr val="ECC48D"/>
-                </a:solidFill>
-                <a:effectLst/>
-                <a:latin typeface="Menlo" panose="020B0609030804020204" pitchFamily="49" charset="0"/>
-              </a:rPr>
-              <a:t> + 1, </a:t>
-            </a:r>
-            <a:r>
-              <a:rPr lang="en-US" b="0" dirty="0" err="1">
-                <a:solidFill>
-                  <a:srgbClr val="ECC48D"/>
-                </a:solidFill>
-                <a:effectLst/>
-                <a:latin typeface="Menlo" panose="020B0609030804020204" pitchFamily="49" charset="0"/>
-              </a:rPr>
-              <a:t>num_nodes</a:t>
-            </a:r>
-            <a:r>
-              <a:rPr lang="en-US" b="0" dirty="0">
-                <a:solidFill>
-                  <a:srgbClr val="ECC48D"/>
-                </a:solidFill>
-                <a:effectLst/>
-                <a:latin typeface="Menlo" panose="020B0609030804020204" pitchFamily="49" charset="0"/>
-              </a:rPr>
-              <a:t> + 1], </a:t>
-            </a:r>
-            <a:r>
-              <a:rPr lang="en-US" b="0" dirty="0" err="1">
-                <a:solidFill>
-                  <a:srgbClr val="ECC48D"/>
-                </a:solidFill>
-                <a:effectLst/>
-                <a:latin typeface="Menlo" panose="020B0609030804020204" pitchFamily="49" charset="0"/>
-              </a:rPr>
-              <a:t>dtype</a:t>
-            </a:r>
-            <a:r>
-              <a:rPr lang="en-US" b="0" dirty="0">
-                <a:solidFill>
-                  <a:srgbClr val="ECC48D"/>
-                </a:solidFill>
-                <a:effectLst/>
-                <a:latin typeface="Menlo" panose="020B0609030804020204" pitchFamily="49" charset="0"/>
-              </a:rPr>
-              <a:t>=</a:t>
-            </a:r>
-            <a:r>
-              <a:rPr lang="en-US" b="0" dirty="0" err="1">
-                <a:solidFill>
-                  <a:srgbClr val="ECC48D"/>
-                </a:solidFill>
-                <a:effectLst/>
-                <a:latin typeface="Menlo" panose="020B0609030804020204" pitchFamily="49" charset="0"/>
-              </a:rPr>
-              <a:t>np.single</a:t>
-            </a:r>
-            <a:r>
-              <a:rPr lang="en-US" b="0" dirty="0">
-                <a:solidFill>
-                  <a:srgbClr val="ECC48D"/>
-                </a:solidFill>
-                <a:effectLst/>
-                <a:latin typeface="Menlo" panose="020B0609030804020204" pitchFamily="49" charset="0"/>
-              </a:rPr>
-              <a:t>) # with graph token </a:t>
-            </a:r>
-            <a:endParaRPr lang="en-US" b="0" dirty="0">
-              <a:solidFill>
-                <a:srgbClr val="D6DEEB"/>
-              </a:solidFill>
-              <a:effectLst/>
-              <a:latin typeface="Menlo" panose="020B0609030804020204" pitchFamily="49" charset="0"/>
-            </a:endParaRPr>
-          </a:p>
-          <a:p>
-            <a:r>
-              <a:rPr lang="en-US" b="0" dirty="0">
-                <a:solidFill>
-                  <a:srgbClr val="ECC48D"/>
-                </a:solidFill>
-                <a:effectLst/>
-                <a:latin typeface="Menlo" panose="020B0609030804020204" pitchFamily="49" charset="0"/>
-              </a:rPr>
-              <a:t>item["</a:t>
-            </a:r>
-            <a:r>
-              <a:rPr lang="en-US" b="0" dirty="0" err="1">
-                <a:solidFill>
-                  <a:srgbClr val="ECC48D"/>
-                </a:solidFill>
-                <a:effectLst/>
-                <a:latin typeface="Menlo" panose="020B0609030804020204" pitchFamily="49" charset="0"/>
-              </a:rPr>
-              <a:t>attn_bias</a:t>
-            </a:r>
-            <a:r>
-              <a:rPr lang="en-US" b="0" dirty="0">
-                <a:solidFill>
-                  <a:srgbClr val="ECC48D"/>
-                </a:solidFill>
-                <a:effectLst/>
-                <a:latin typeface="Menlo" panose="020B0609030804020204" pitchFamily="49" charset="0"/>
-              </a:rPr>
-              <a:t>"] = </a:t>
-            </a:r>
-            <a:r>
-              <a:rPr lang="en-US" b="0" dirty="0" err="1">
-                <a:solidFill>
-                  <a:srgbClr val="ECC48D"/>
-                </a:solidFill>
-                <a:effectLst/>
-                <a:latin typeface="Menlo" panose="020B0609030804020204" pitchFamily="49" charset="0"/>
-              </a:rPr>
-              <a:t>attn_bias</a:t>
-            </a:r>
-            <a:r>
-              <a:rPr lang="en-US" b="0" dirty="0">
-                <a:solidFill>
-                  <a:srgbClr val="ECC48D"/>
-                </a:solidFill>
-                <a:effectLst/>
-                <a:latin typeface="Menlo" panose="020B0609030804020204" pitchFamily="49" charset="0"/>
-              </a:rPr>
-              <a:t> # in our case, it will be 4x4 tensor with element 0</a:t>
-            </a:r>
-            <a:endParaRPr lang="en-US" b="0" dirty="0">
-              <a:solidFill>
-                <a:srgbClr val="D6DEEB"/>
-              </a:solidFill>
-              <a:effectLst/>
-              <a:latin typeface="Menlo" panose="020B0609030804020204" pitchFamily="49" charset="0"/>
-            </a:endParaRPr>
-          </a:p>
-          <a:p>
             <a:endParaRPr lang="en-US" altLang="zh-TW" dirty="0"/>
           </a:p>
         </p:txBody>
@@ -1070,7 +883,7 @@
     </p:spTree>
     <p:extLst>
       <p:ext uri="{BB962C8B-B14F-4D97-AF65-F5344CB8AC3E}">
-        <p14:creationId xmlns:p14="http://schemas.microsoft.com/office/powerpoint/2010/main" val="341611908"/>
+        <p14:creationId xmlns:p14="http://schemas.microsoft.com/office/powerpoint/2010/main" val="2077216136"/>
       </p:ext>
     </p:extLst>
   </p:cSld>
@@ -1154,7 +967,7 @@
     </p:spTree>
     <p:extLst>
       <p:ext uri="{BB962C8B-B14F-4D97-AF65-F5344CB8AC3E}">
-        <p14:creationId xmlns:p14="http://schemas.microsoft.com/office/powerpoint/2010/main" val="778400361"/>
+        <p14:creationId xmlns:p14="http://schemas.microsoft.com/office/powerpoint/2010/main" val="341611908"/>
       </p:ext>
     </p:extLst>
   </p:cSld>
@@ -1208,6 +1021,494 @@
           <a:bodyPr/>
           <a:lstStyle/>
           <a:p>
+            <a:r>
+              <a:rPr lang="zh-TW" altLang="en-US" b="0" i="0" dirty="0">
+                <a:solidFill>
+                  <a:srgbClr val="374151"/>
+                </a:solidFill>
+                <a:effectLst/>
+                <a:latin typeface="Söhne"/>
+              </a:rPr>
+              <a:t>你定義了一個基於 </a:t>
+            </a:r>
+            <a:r>
+              <a:rPr lang="en-US" b="0" i="0" dirty="0">
+                <a:solidFill>
+                  <a:srgbClr val="374151"/>
+                </a:solidFill>
+                <a:effectLst/>
+                <a:latin typeface="Söhne"/>
+              </a:rPr>
+              <a:t>GAT (Graph Attention Network) </a:t>
+            </a:r>
+            <a:r>
+              <a:rPr lang="zh-TW" altLang="en-US" b="0" i="0" dirty="0">
+                <a:solidFill>
+                  <a:srgbClr val="374151"/>
+                </a:solidFill>
+                <a:effectLst/>
+                <a:latin typeface="Söhne"/>
+              </a:rPr>
+              <a:t>的神經網路模型。</a:t>
+            </a:r>
+            <a:r>
+              <a:rPr lang="en-US" b="0" i="0" dirty="0">
+                <a:solidFill>
+                  <a:srgbClr val="374151"/>
+                </a:solidFill>
+                <a:effectLst/>
+                <a:latin typeface="Söhne"/>
+              </a:rPr>
+              <a:t>GAT </a:t>
+            </a:r>
+            <a:r>
+              <a:rPr lang="zh-TW" altLang="en-US" b="0" i="0" dirty="0">
+                <a:solidFill>
+                  <a:srgbClr val="374151"/>
+                </a:solidFill>
+                <a:effectLst/>
+                <a:latin typeface="Söhne"/>
+              </a:rPr>
+              <a:t>是一種圖卷積神經網路，其中每個節點通過 </a:t>
+            </a:r>
+            <a:r>
+              <a:rPr lang="en-US" b="0" i="0" dirty="0">
+                <a:solidFill>
+                  <a:srgbClr val="374151"/>
+                </a:solidFill>
+                <a:effectLst/>
+                <a:latin typeface="Söhne"/>
+              </a:rPr>
+              <a:t>attention mechanism </a:t>
+            </a:r>
+            <a:r>
+              <a:rPr lang="zh-TW" altLang="en-US" b="0" i="0" dirty="0">
+                <a:solidFill>
+                  <a:srgbClr val="374151"/>
+                </a:solidFill>
+                <a:effectLst/>
+                <a:latin typeface="Söhne"/>
+              </a:rPr>
+              <a:t>而不僅僅是平均鄰居特徵來更新其特徵。</a:t>
+            </a:r>
+            <a:endParaRPr lang="en-US" altLang="zh-TW" b="0" i="0" dirty="0">
+              <a:solidFill>
+                <a:srgbClr val="374151"/>
+              </a:solidFill>
+              <a:effectLst/>
+              <a:latin typeface="Söhne"/>
+            </a:endParaRPr>
+          </a:p>
+          <a:p>
+            <a:endParaRPr lang="en-US" altLang="zh-TW" dirty="0"/>
+          </a:p>
+          <a:p>
+            <a:pPr algn="l"/>
+            <a:r>
+              <a:rPr lang="zh-TW" altLang="en-US" b="1" i="0" dirty="0">
+                <a:solidFill>
+                  <a:srgbClr val="374151"/>
+                </a:solidFill>
+                <a:effectLst/>
+                <a:latin typeface="Söhne"/>
+              </a:rPr>
+              <a:t>前向方法 </a:t>
+            </a:r>
+            <a:r>
+              <a:rPr lang="en-US" altLang="zh-TW" b="1" i="0" dirty="0">
+                <a:solidFill>
+                  <a:srgbClr val="374151"/>
+                </a:solidFill>
+                <a:effectLst/>
+                <a:latin typeface="Söhne"/>
+              </a:rPr>
+              <a:t>(</a:t>
+            </a:r>
+            <a:r>
+              <a:rPr lang="en-US" b="1" i="0" dirty="0">
+                <a:solidFill>
+                  <a:srgbClr val="374151"/>
+                </a:solidFill>
+                <a:effectLst/>
+                <a:latin typeface="Söhne"/>
+              </a:rPr>
+              <a:t>forward)</a:t>
+            </a:r>
+            <a:r>
+              <a:rPr lang="en-US" b="0" i="0" dirty="0">
+                <a:solidFill>
+                  <a:srgbClr val="374151"/>
+                </a:solidFill>
+                <a:effectLst/>
+                <a:latin typeface="Söhne"/>
+              </a:rPr>
+              <a:t>:</a:t>
+            </a:r>
+          </a:p>
+          <a:p>
+            <a:pPr algn="l">
+              <a:buFont typeface="Arial" panose="020B0604020202020204" pitchFamily="34" charset="0"/>
+              <a:buChar char="•"/>
+            </a:pPr>
+            <a:r>
+              <a:rPr lang="zh-TW" altLang="en-US" b="0" i="0" dirty="0">
+                <a:solidFill>
+                  <a:srgbClr val="374151"/>
+                </a:solidFill>
+                <a:effectLst/>
+                <a:latin typeface="Söhne"/>
+              </a:rPr>
+              <a:t>首先，它通過第一個 </a:t>
+            </a:r>
+            <a:r>
+              <a:rPr lang="en-US" b="0" i="0" dirty="0">
+                <a:solidFill>
+                  <a:srgbClr val="374151"/>
+                </a:solidFill>
+                <a:effectLst/>
+                <a:latin typeface="Söhne"/>
+              </a:rPr>
+              <a:t>GAT </a:t>
+            </a:r>
+            <a:r>
+              <a:rPr lang="zh-TW" altLang="en-US" b="0" i="0" dirty="0">
+                <a:solidFill>
+                  <a:srgbClr val="374151"/>
+                </a:solidFill>
+                <a:effectLst/>
+                <a:latin typeface="Söhne"/>
+              </a:rPr>
+              <a:t>層將輸入特徵 </a:t>
+            </a:r>
+            <a:r>
+              <a:rPr lang="en-US" b="0" i="0" dirty="0">
+                <a:solidFill>
+                  <a:srgbClr val="374151"/>
+                </a:solidFill>
+                <a:effectLst/>
+                <a:latin typeface="Söhne"/>
+              </a:rPr>
+              <a:t>h </a:t>
+            </a:r>
+            <a:r>
+              <a:rPr lang="zh-TW" altLang="en-US" b="0" i="0" dirty="0">
+                <a:solidFill>
+                  <a:srgbClr val="374151"/>
+                </a:solidFill>
+                <a:effectLst/>
+                <a:latin typeface="Söhne"/>
+              </a:rPr>
+              <a:t>轉換成新的特徵。</a:t>
+            </a:r>
+          </a:p>
+          <a:p>
+            <a:pPr algn="l">
+              <a:buFont typeface="Arial" panose="020B0604020202020204" pitchFamily="34" charset="0"/>
+              <a:buChar char="•"/>
+            </a:pPr>
+            <a:r>
+              <a:rPr lang="zh-TW" altLang="en-US" b="0" i="0" dirty="0">
+                <a:solidFill>
+                  <a:srgbClr val="374151"/>
+                </a:solidFill>
+                <a:effectLst/>
+                <a:latin typeface="Söhne"/>
+              </a:rPr>
+              <a:t>使用 </a:t>
+            </a:r>
+            <a:r>
+              <a:rPr lang="en-US" b="0" i="0" dirty="0">
+                <a:solidFill>
+                  <a:srgbClr val="374151"/>
+                </a:solidFill>
+                <a:effectLst/>
+                <a:latin typeface="Söhne"/>
+              </a:rPr>
+              <a:t>view </a:t>
+            </a:r>
+            <a:r>
+              <a:rPr lang="zh-TW" altLang="en-US" b="0" i="0" dirty="0">
+                <a:solidFill>
+                  <a:srgbClr val="374151"/>
+                </a:solidFill>
+                <a:effectLst/>
+                <a:latin typeface="Söhne"/>
+              </a:rPr>
+              <a:t>方法來重塑特徵 </a:t>
+            </a:r>
+            <a:r>
+              <a:rPr lang="en-US" b="0" i="0" dirty="0">
+                <a:solidFill>
+                  <a:srgbClr val="374151"/>
+                </a:solidFill>
+                <a:effectLst/>
+                <a:latin typeface="Söhne"/>
+              </a:rPr>
+              <a:t>tensor，</a:t>
+            </a:r>
+            <a:r>
+              <a:rPr lang="zh-TW" altLang="en-US" b="0" i="0" dirty="0">
+                <a:solidFill>
+                  <a:srgbClr val="374151"/>
+                </a:solidFill>
+                <a:effectLst/>
+                <a:latin typeface="Söhne"/>
+              </a:rPr>
+              <a:t>使其維度適應多頭注意力的輸出。</a:t>
+            </a:r>
+            <a:endParaRPr lang="en-US" altLang="zh-TW" b="0" i="0" dirty="0">
+              <a:solidFill>
+                <a:srgbClr val="374151"/>
+              </a:solidFill>
+              <a:effectLst/>
+              <a:latin typeface="Söhne"/>
+            </a:endParaRPr>
+          </a:p>
+          <a:p>
+            <a:pPr algn="l">
+              <a:buFont typeface="Arial" panose="020B0604020202020204" pitchFamily="34" charset="0"/>
+              <a:buChar char="•"/>
+            </a:pPr>
+            <a:r>
+              <a:rPr lang="zh-TW" altLang="en-US" b="0" i="0" dirty="0">
+                <a:solidFill>
+                  <a:srgbClr val="374151"/>
+                </a:solidFill>
+                <a:effectLst/>
+                <a:latin typeface="Söhne"/>
+              </a:rPr>
+              <a:t>使用 </a:t>
+            </a:r>
+            <a:r>
+              <a:rPr lang="en-US" b="0" i="0" dirty="0">
+                <a:solidFill>
+                  <a:srgbClr val="374151"/>
+                </a:solidFill>
+                <a:effectLst/>
+                <a:latin typeface="Söhne"/>
+              </a:rPr>
+              <a:t>dropout </a:t>
+            </a:r>
+            <a:r>
+              <a:rPr lang="zh-TW" altLang="en-US" b="0" i="0" dirty="0">
+                <a:solidFill>
+                  <a:srgbClr val="374151"/>
+                </a:solidFill>
+                <a:effectLst/>
+                <a:latin typeface="Söhne"/>
+              </a:rPr>
+              <a:t>進行正則化。</a:t>
+            </a:r>
+          </a:p>
+          <a:p>
+            <a:pPr algn="l">
+              <a:buFont typeface="Arial" panose="020B0604020202020204" pitchFamily="34" charset="0"/>
+              <a:buChar char="•"/>
+            </a:pPr>
+            <a:r>
+              <a:rPr lang="zh-TW" altLang="en-US" b="0" i="0" dirty="0">
+                <a:solidFill>
+                  <a:srgbClr val="374151"/>
+                </a:solidFill>
+                <a:effectLst/>
+                <a:latin typeface="Söhne"/>
+              </a:rPr>
+              <a:t>通過第二個 </a:t>
+            </a:r>
+            <a:r>
+              <a:rPr lang="en-US" b="0" i="0" dirty="0">
+                <a:solidFill>
+                  <a:srgbClr val="374151"/>
+                </a:solidFill>
+                <a:effectLst/>
+                <a:latin typeface="Söhne"/>
+              </a:rPr>
+              <a:t>GAT </a:t>
+            </a:r>
+            <a:r>
+              <a:rPr lang="zh-TW" altLang="en-US" b="0" i="0" dirty="0">
+                <a:solidFill>
+                  <a:srgbClr val="374151"/>
+                </a:solidFill>
+                <a:effectLst/>
+                <a:latin typeface="Söhne"/>
+              </a:rPr>
+              <a:t>層進行另一次特徵轉換。</a:t>
+            </a:r>
+          </a:p>
+          <a:p>
+            <a:pPr algn="l">
+              <a:buFont typeface="Arial" panose="020B0604020202020204" pitchFamily="34" charset="0"/>
+              <a:buChar char="•"/>
+            </a:pPr>
+            <a:r>
+              <a:rPr lang="zh-TW" altLang="en-US" b="0" i="0" dirty="0">
+                <a:solidFill>
+                  <a:srgbClr val="374151"/>
+                </a:solidFill>
+                <a:effectLst/>
+                <a:latin typeface="Söhne"/>
+              </a:rPr>
+              <a:t>將這些輸出特徵存儲為新的節點特徵 </a:t>
+            </a:r>
+            <a:r>
+              <a:rPr lang="en-US" b="0" i="0" dirty="0" err="1">
+                <a:solidFill>
+                  <a:srgbClr val="374151"/>
+                </a:solidFill>
+                <a:effectLst/>
+                <a:latin typeface="Söhne"/>
+              </a:rPr>
+              <a:t>h_out</a:t>
+            </a:r>
+            <a:r>
+              <a:rPr lang="en-US" b="0" i="0" dirty="0">
+                <a:solidFill>
+                  <a:srgbClr val="374151"/>
+                </a:solidFill>
+                <a:effectLst/>
+                <a:latin typeface="Söhne"/>
+              </a:rPr>
+              <a:t>。</a:t>
+            </a:r>
+          </a:p>
+          <a:p>
+            <a:pPr algn="l">
+              <a:buFont typeface="Arial" panose="020B0604020202020204" pitchFamily="34" charset="0"/>
+              <a:buChar char="•"/>
+            </a:pPr>
+            <a:r>
+              <a:rPr lang="zh-TW" altLang="en-US" b="0" i="0" dirty="0">
+                <a:solidFill>
+                  <a:srgbClr val="374151"/>
+                </a:solidFill>
+                <a:effectLst/>
+                <a:latin typeface="Söhne"/>
+              </a:rPr>
+              <a:t>最後，使用平均池化來彙總整個圖的節點特徵，得到一個圖級別的輸出特徵。</a:t>
+            </a:r>
+            <a:endParaRPr lang="en-US" altLang="zh-TW" b="0" i="0" dirty="0">
+              <a:solidFill>
+                <a:srgbClr val="374151"/>
+              </a:solidFill>
+              <a:effectLst/>
+              <a:latin typeface="Söhne"/>
+            </a:endParaRPr>
+          </a:p>
+          <a:p>
+            <a:pPr algn="l">
+              <a:buFont typeface="Arial" panose="020B0604020202020204" pitchFamily="34" charset="0"/>
+              <a:buChar char="•"/>
+            </a:pPr>
+            <a:endParaRPr lang="en-US" altLang="zh-TW" b="0" i="0" dirty="0">
+              <a:solidFill>
+                <a:srgbClr val="374151"/>
+              </a:solidFill>
+              <a:effectLst/>
+              <a:latin typeface="Söhne"/>
+            </a:endParaRPr>
+          </a:p>
+          <a:p>
+            <a:pPr algn="l">
+              <a:buFont typeface="Arial" panose="020B0604020202020204" pitchFamily="34" charset="0"/>
+              <a:buChar char="•"/>
+            </a:pPr>
+            <a:r>
+              <a:rPr lang="en-US" dirty="0"/>
+              <a:t>view</a:t>
+            </a:r>
+            <a:r>
+              <a:rPr lang="en-US" b="0" i="0" dirty="0">
+                <a:solidFill>
+                  <a:srgbClr val="374151"/>
+                </a:solidFill>
+                <a:effectLst/>
+                <a:latin typeface="Söhne"/>
+              </a:rPr>
+              <a:t> </a:t>
+            </a:r>
+            <a:r>
+              <a:rPr lang="zh-TW" altLang="en-US" b="0" i="0" dirty="0">
+                <a:solidFill>
+                  <a:srgbClr val="374151"/>
+                </a:solidFill>
+                <a:effectLst/>
+                <a:latin typeface="Söhne"/>
+              </a:rPr>
+              <a:t>是 </a:t>
+            </a:r>
+            <a:r>
+              <a:rPr lang="en-US" b="0" i="0" dirty="0" err="1">
+                <a:solidFill>
+                  <a:srgbClr val="374151"/>
+                </a:solidFill>
+                <a:effectLst/>
+                <a:latin typeface="Söhne"/>
+              </a:rPr>
+              <a:t>PyTorch</a:t>
+            </a:r>
+            <a:r>
+              <a:rPr lang="en-US" b="0" i="0" dirty="0">
+                <a:solidFill>
+                  <a:srgbClr val="374151"/>
+                </a:solidFill>
+                <a:effectLst/>
+                <a:latin typeface="Söhne"/>
+              </a:rPr>
+              <a:t> tensor </a:t>
+            </a:r>
+            <a:r>
+              <a:rPr lang="zh-TW" altLang="en-US" b="0" i="0" dirty="0">
+                <a:solidFill>
+                  <a:srgbClr val="374151"/>
+                </a:solidFill>
+                <a:effectLst/>
+                <a:latin typeface="Söhne"/>
+              </a:rPr>
+              <a:t>中的一個方法，它允許您重塑 </a:t>
+            </a:r>
+            <a:r>
+              <a:rPr lang="en-US" b="0" i="0" dirty="0">
+                <a:solidFill>
+                  <a:srgbClr val="374151"/>
+                </a:solidFill>
+                <a:effectLst/>
+                <a:latin typeface="Söhne"/>
+              </a:rPr>
+              <a:t>tensor。</a:t>
+            </a:r>
+            <a:r>
+              <a:rPr lang="zh-TW" altLang="en-US" b="0" i="0" dirty="0">
+                <a:solidFill>
+                  <a:srgbClr val="374151"/>
+                </a:solidFill>
+                <a:effectLst/>
+                <a:latin typeface="Söhne"/>
+              </a:rPr>
+              <a:t>換句話說，您可以使用它來改變 </a:t>
+            </a:r>
+            <a:r>
+              <a:rPr lang="en-US" b="0" i="0" dirty="0">
+                <a:solidFill>
+                  <a:srgbClr val="374151"/>
+                </a:solidFill>
+                <a:effectLst/>
+                <a:latin typeface="Söhne"/>
+              </a:rPr>
+              <a:t>tensor </a:t>
+            </a:r>
+            <a:r>
+              <a:rPr lang="zh-TW" altLang="en-US" b="0" i="0" dirty="0">
+                <a:solidFill>
+                  <a:srgbClr val="374151"/>
+                </a:solidFill>
+                <a:effectLst/>
+                <a:latin typeface="Söhne"/>
+              </a:rPr>
+              <a:t>的維度和大小，但是內容和數據順序保持不變。</a:t>
+            </a:r>
+          </a:p>
+          <a:p>
             <a:endParaRPr lang="en-US" altLang="zh-TW" dirty="0"/>
           </a:p>
         </p:txBody>
@@ -1238,7 +1539,7 @@
     </p:spTree>
     <p:extLst>
       <p:ext uri="{BB962C8B-B14F-4D97-AF65-F5344CB8AC3E}">
-        <p14:creationId xmlns:p14="http://schemas.microsoft.com/office/powerpoint/2010/main" val="3487004912"/>
+        <p14:creationId xmlns:p14="http://schemas.microsoft.com/office/powerpoint/2010/main" val="3259011780"/>
       </p:ext>
     </p:extLst>
   </p:cSld>
@@ -1313,7 +1614,7 @@
           <a:p>
             <a:fld id="{50B9CB7D-C514-3544-A72A-E200086B53CC}" type="slidenum">
               <a:rPr lang="en-TW" smtClean="0"/>
-              <a:t>12</a:t>
+              <a:t>11</a:t>
             </a:fld>
             <a:endParaRPr lang="en-TW"/>
           </a:p>
@@ -1322,7 +1623,7 @@
     </p:spTree>
     <p:extLst>
       <p:ext uri="{BB962C8B-B14F-4D97-AF65-F5344CB8AC3E}">
-        <p14:creationId xmlns:p14="http://schemas.microsoft.com/office/powerpoint/2010/main" val="3175678713"/>
+        <p14:creationId xmlns:p14="http://schemas.microsoft.com/office/powerpoint/2010/main" val="1778851185"/>
       </p:ext>
     </p:extLst>
   </p:cSld>
@@ -1397,7 +1698,91 @@
           <a:p>
             <a:fld id="{50B9CB7D-C514-3544-A72A-E200086B53CC}" type="slidenum">
               <a:rPr lang="en-TW" smtClean="0"/>
-              <a:t>14</a:t>
+              <a:t>13</a:t>
+            </a:fld>
+            <a:endParaRPr lang="en-TW"/>
+          </a:p>
+        </p:txBody>
+      </p:sp>
+    </p:spTree>
+    <p:extLst>
+      <p:ext uri="{BB962C8B-B14F-4D97-AF65-F5344CB8AC3E}">
+        <p14:creationId xmlns:p14="http://schemas.microsoft.com/office/powerpoint/2010/main" val="3175678713"/>
+      </p:ext>
+    </p:extLst>
+  </p:cSld>
+  <p:clrMapOvr>
+    <a:masterClrMapping/>
+  </p:clrMapOvr>
+</p:notes>
+</file>
+
+<file path=ppt/notesSlides/notesSlide8.xml><?xml version="1.0" encoding="utf-8"?>
+<p:notes xmlns:a="http://schemas.openxmlformats.org/drawingml/2006/main" xmlns:r="http://schemas.openxmlformats.org/officeDocument/2006/relationships" xmlns:p="http://schemas.openxmlformats.org/presentationml/2006/main">
+  <p:cSld>
+    <p:spTree>
+      <p:nvGrpSpPr>
+        <p:cNvPr id="1" name=""/>
+        <p:cNvGrpSpPr/>
+        <p:nvPr/>
+      </p:nvGrpSpPr>
+      <p:grpSpPr>
+        <a:xfrm>
+          <a:off x="0" y="0"/>
+          <a:ext cx="0" cy="0"/>
+          <a:chOff x="0" y="0"/>
+          <a:chExt cx="0" cy="0"/>
+        </a:xfrm>
+      </p:grpSpPr>
+      <p:sp>
+        <p:nvSpPr>
+          <p:cNvPr id="2" name="Slide Image Placeholder 1"/>
+          <p:cNvSpPr>
+            <a:spLocks noGrp="1" noRot="1" noChangeAspect="1"/>
+          </p:cNvSpPr>
+          <p:nvPr>
+            <p:ph type="sldImg"/>
+          </p:nvPr>
+        </p:nvSpPr>
+        <p:spPr/>
+      </p:sp>
+      <p:sp>
+        <p:nvSpPr>
+          <p:cNvPr id="3" name="Notes Placeholder 2"/>
+          <p:cNvSpPr>
+            <a:spLocks noGrp="1"/>
+          </p:cNvSpPr>
+          <p:nvPr>
+            <p:ph type="body" idx="1"/>
+          </p:nvPr>
+        </p:nvSpPr>
+        <p:spPr/>
+        <p:txBody>
+          <a:bodyPr/>
+          <a:lstStyle/>
+          <a:p>
+            <a:endParaRPr lang="en-US" altLang="zh-TW" dirty="0"/>
+          </a:p>
+        </p:txBody>
+      </p:sp>
+      <p:sp>
+        <p:nvSpPr>
+          <p:cNvPr id="4" name="Slide Number Placeholder 3"/>
+          <p:cNvSpPr>
+            <a:spLocks noGrp="1"/>
+          </p:cNvSpPr>
+          <p:nvPr>
+            <p:ph type="sldNum" sz="quarter" idx="5"/>
+          </p:nvPr>
+        </p:nvSpPr>
+        <p:spPr/>
+        <p:txBody>
+          <a:bodyPr/>
+          <a:lstStyle/>
+          <a:p>
+            <a:fld id="{50B9CB7D-C514-3544-A72A-E200086B53CC}" type="slidenum">
+              <a:rPr lang="en-TW" smtClean="0"/>
+              <a:t>15</a:t>
             </a:fld>
             <a:endParaRPr lang="en-TW"/>
           </a:p>
@@ -4791,7 +5176,7 @@
         </p:nvSpPr>
         <p:spPr>
           <a:xfrm>
-            <a:off x="538480" y="150828"/>
+            <a:off x="390562" y="81290"/>
             <a:ext cx="10515600" cy="1325563"/>
           </a:xfrm>
         </p:spPr>
@@ -4801,17 +5186,46 @@
           <a:p>
             <a:r>
               <a:rPr lang="en-TW" b="1" dirty="0"/>
-              <a:t>BUG</a:t>
-            </a:r>
+              <a:t>Graph Attention Network - GAT</a:t>
+            </a:r>
+          </a:p>
+        </p:txBody>
+      </p:sp>
+      <p:sp>
+        <p:nvSpPr>
+          <p:cNvPr id="4" name="Slide Number Placeholder 3">
+            <a:extLst>
+              <a:ext uri="{FF2B5EF4-FFF2-40B4-BE49-F238E27FC236}">
+                <a16:creationId xmlns:a16="http://schemas.microsoft.com/office/drawing/2014/main" id="{5CD44B9F-7DE8-0932-BD70-B0BA453E653B}"/>
+              </a:ext>
+            </a:extLst>
+          </p:cNvPr>
+          <p:cNvSpPr>
+            <a:spLocks noGrp="1"/>
+          </p:cNvSpPr>
+          <p:nvPr>
+            <p:ph type="sldNum" sz="quarter" idx="12"/>
+          </p:nvPr>
+        </p:nvSpPr>
+        <p:spPr/>
+        <p:txBody>
+          <a:bodyPr/>
+          <a:lstStyle/>
+          <a:p>
+            <a:fld id="{DB156E10-B3DB-CB42-894C-E44038C8B0C4}" type="slidenum">
+              <a:rPr lang="en-TW" smtClean="0"/>
+              <a:t>10</a:t>
+            </a:fld>
+            <a:endParaRPr lang="en-TW"/>
           </a:p>
         </p:txBody>
       </p:sp>
       <p:pic>
         <p:nvPicPr>
-          <p:cNvPr id="15" name="Content Placeholder 14">
-            <a:extLst>
-              <a:ext uri="{FF2B5EF4-FFF2-40B4-BE49-F238E27FC236}">
-                <a16:creationId xmlns:a16="http://schemas.microsoft.com/office/drawing/2014/main" id="{D9551980-BD51-8E74-10E9-C04C4DB9912A}"/>
+          <p:cNvPr id="5" name="Content Placeholder 4">
+            <a:extLst>
+              <a:ext uri="{FF2B5EF4-FFF2-40B4-BE49-F238E27FC236}">
+                <a16:creationId xmlns:a16="http://schemas.microsoft.com/office/drawing/2014/main" id="{D3F8CC4F-3388-8B07-8691-8B225726F4DC}"/>
               </a:ext>
             </a:extLst>
           </p:cNvPr>
@@ -4830,86 +5244,27 @@
         </p:blipFill>
         <p:spPr>
           <a:xfrm>
-            <a:off x="9104700" y="2651293"/>
-            <a:ext cx="1981200" cy="736600"/>
+            <a:off x="639794" y="1623980"/>
+            <a:ext cx="10515600" cy="4384734"/>
           </a:xfrm>
         </p:spPr>
       </p:pic>
       <p:sp>
         <p:nvSpPr>
-          <p:cNvPr id="4" name="Slide Number Placeholder 3">
-            <a:extLst>
-              <a:ext uri="{FF2B5EF4-FFF2-40B4-BE49-F238E27FC236}">
-                <a16:creationId xmlns:a16="http://schemas.microsoft.com/office/drawing/2014/main" id="{5CD44B9F-7DE8-0932-BD70-B0BA453E653B}"/>
-              </a:ext>
-            </a:extLst>
-          </p:cNvPr>
-          <p:cNvSpPr>
-            <a:spLocks noGrp="1"/>
-          </p:cNvSpPr>
-          <p:nvPr>
-            <p:ph type="sldNum" sz="quarter" idx="12"/>
-          </p:nvPr>
-        </p:nvSpPr>
-        <p:spPr/>
-        <p:txBody>
-          <a:bodyPr/>
-          <a:lstStyle/>
-          <a:p>
-            <a:fld id="{DB156E10-B3DB-CB42-894C-E44038C8B0C4}" type="slidenum">
-              <a:rPr lang="en-TW" smtClean="0"/>
-              <a:t>10</a:t>
-            </a:fld>
-            <a:endParaRPr lang="en-TW" dirty="0"/>
-          </a:p>
-        </p:txBody>
-      </p:sp>
-      <p:pic>
-        <p:nvPicPr>
-          <p:cNvPr id="13" name="Picture 12">
-            <a:extLst>
-              <a:ext uri="{FF2B5EF4-FFF2-40B4-BE49-F238E27FC236}">
-                <a16:creationId xmlns:a16="http://schemas.microsoft.com/office/drawing/2014/main" id="{185F3CB8-4A0C-A323-ED3F-DEB29467B7D2}"/>
-              </a:ext>
-            </a:extLst>
-          </p:cNvPr>
-          <p:cNvPicPr>
-            <a:picLocks noChangeAspect="1"/>
-          </p:cNvPicPr>
+          <p:cNvPr id="7" name="TextBox 6">
+            <a:extLst>
+              <a:ext uri="{FF2B5EF4-FFF2-40B4-BE49-F238E27FC236}">
+                <a16:creationId xmlns:a16="http://schemas.microsoft.com/office/drawing/2014/main" id="{91487A96-0596-0249-45A4-AD77B667878A}"/>
+              </a:ext>
+            </a:extLst>
+          </p:cNvPr>
+          <p:cNvSpPr txBox="1"/>
           <p:nvPr/>
-        </p:nvPicPr>
-        <p:blipFill>
-          <a:blip r:embed="rId4"/>
-          <a:stretch>
-            <a:fillRect/>
-          </a:stretch>
-        </p:blipFill>
+        </p:nvSpPr>
         <p:spPr>
           <a:xfrm>
-            <a:off x="538480" y="1417418"/>
-            <a:ext cx="11411783" cy="1174902"/>
-          </a:xfrm>
-          <a:prstGeom prst="rect">
-            <a:avLst/>
-          </a:prstGeom>
-        </p:spPr>
-      </p:pic>
-      <p:sp>
-        <p:nvSpPr>
-          <p:cNvPr id="16" name="TextBox 15">
-            <a:extLst>
-              <a:ext uri="{FF2B5EF4-FFF2-40B4-BE49-F238E27FC236}">
-                <a16:creationId xmlns:a16="http://schemas.microsoft.com/office/drawing/2014/main" id="{B17C8E6A-1BFC-F9C4-68C7-C63C09273ABC}"/>
-              </a:ext>
-            </a:extLst>
-          </p:cNvPr>
-          <p:cNvSpPr txBox="1"/>
-          <p:nvPr/>
-        </p:nvSpPr>
-        <p:spPr>
-          <a:xfrm>
-            <a:off x="9104700" y="3529460"/>
-            <a:ext cx="2637558" cy="1631216"/>
+            <a:off x="639794" y="5987018"/>
+            <a:ext cx="3745000" cy="369332"/>
           </a:xfrm>
           <a:prstGeom prst="rect">
             <a:avLst/>
@@ -4917,7 +5272,7 @@
           <a:noFill/>
         </p:spPr>
         <p:txBody>
-          <a:bodyPr wrap="square" rtlCol="0">
+          <a:bodyPr wrap="none" rtlCol="0">
             <a:spAutoFit/>
           </a:bodyPr>
           <a:lstStyle/>
@@ -4927,56 +5282,111 @@
               <a:buChar char="•"/>
             </a:pPr>
             <a:r>
-              <a:rPr lang="en-TW" sz="2000" dirty="0"/>
-              <a:t>Still can’t start the training on my customized dataset</a:t>
-            </a:r>
-          </a:p>
-          <a:p>
-            <a:pPr marL="285750" indent="-285750">
-              <a:buFont typeface="Arial" panose="020B0604020202020204" pitchFamily="34" charset="0"/>
-              <a:buChar char="•"/>
-            </a:pPr>
-            <a:r>
-              <a:rPr lang="en-TW" sz="2000" dirty="0"/>
-              <a:t>Write the training code be myself</a:t>
-            </a:r>
-          </a:p>
-        </p:txBody>
-      </p:sp>
-      <p:pic>
-        <p:nvPicPr>
-          <p:cNvPr id="18" name="Picture 17">
-            <a:extLst>
-              <a:ext uri="{FF2B5EF4-FFF2-40B4-BE49-F238E27FC236}">
-                <a16:creationId xmlns:a16="http://schemas.microsoft.com/office/drawing/2014/main" id="{C5E0C1AC-7805-6DD6-C04C-76A10D3699A5}"/>
-              </a:ext>
-            </a:extLst>
-          </p:cNvPr>
-          <p:cNvPicPr>
-            <a:picLocks noChangeAspect="1"/>
-          </p:cNvPicPr>
+              <a:rPr lang="en-TW" dirty="0"/>
+              <a:t>Use the </a:t>
+            </a:r>
+            <a:r>
+              <a:rPr lang="en-TW" b="1" dirty="0"/>
+              <a:t>new</a:t>
+            </a:r>
+            <a:r>
+              <a:rPr lang="en-TW" dirty="0"/>
+              <a:t> verison of the dataset</a:t>
+            </a:r>
+          </a:p>
+        </p:txBody>
+      </p:sp>
+      <p:sp>
+        <p:nvSpPr>
+          <p:cNvPr id="8" name="Oval 7">
+            <a:extLst>
+              <a:ext uri="{FF2B5EF4-FFF2-40B4-BE49-F238E27FC236}">
+                <a16:creationId xmlns:a16="http://schemas.microsoft.com/office/drawing/2014/main" id="{3B461B62-884D-678E-13E5-C0C0952D7135}"/>
+              </a:ext>
+            </a:extLst>
+          </p:cNvPr>
+          <p:cNvSpPr/>
           <p:nvPr/>
-        </p:nvPicPr>
-        <p:blipFill>
-          <a:blip r:embed="rId5"/>
-          <a:stretch>
-            <a:fillRect/>
-          </a:stretch>
-        </p:blipFill>
+        </p:nvSpPr>
         <p:spPr>
           <a:xfrm>
-            <a:off x="538480" y="2651293"/>
-            <a:ext cx="8566220" cy="4070182"/>
+            <a:off x="1348953" y="1995821"/>
+            <a:ext cx="2656406" cy="208979"/>
+          </a:xfrm>
+          <a:prstGeom prst="ellipse">
+            <a:avLst/>
+          </a:prstGeom>
+          <a:solidFill>
+            <a:schemeClr val="accent5">
+              <a:alpha val="50000"/>
+            </a:schemeClr>
+          </a:solidFill>
+          <a:ln>
+            <a:noFill/>
+          </a:ln>
+        </p:spPr>
+        <p:style>
+          <a:lnRef idx="0">
+            <a:scrgbClr r="0" g="0" b="0"/>
+          </a:lnRef>
+          <a:fillRef idx="0">
+            <a:scrgbClr r="0" g="0" b="0"/>
+          </a:fillRef>
+          <a:effectRef idx="0">
+            <a:scrgbClr r="0" g="0" b="0"/>
+          </a:effectRef>
+          <a:fontRef idx="minor">
+            <a:schemeClr val="lt1"/>
+          </a:fontRef>
+        </p:style>
+        <p:txBody>
+          <a:bodyPr rtlCol="0" anchor="ctr"/>
+          <a:lstStyle/>
+          <a:p>
+            <a:pPr algn="ctr"/>
+            <a:endParaRPr lang="en-TW"/>
+          </a:p>
+        </p:txBody>
+      </p:sp>
+      <p:sp>
+        <p:nvSpPr>
+          <p:cNvPr id="9" name="TextBox 8">
+            <a:extLst>
+              <a:ext uri="{FF2B5EF4-FFF2-40B4-BE49-F238E27FC236}">
+                <a16:creationId xmlns:a16="http://schemas.microsoft.com/office/drawing/2014/main" id="{AC896111-A6D4-C2DC-2B2F-31F0BD174885}"/>
+              </a:ext>
+            </a:extLst>
+          </p:cNvPr>
+          <p:cNvSpPr txBox="1"/>
+          <p:nvPr/>
+        </p:nvSpPr>
+        <p:spPr>
+          <a:xfrm>
+            <a:off x="492628" y="1254648"/>
+            <a:ext cx="856325" cy="369332"/>
           </a:xfrm>
           <a:prstGeom prst="rect">
             <a:avLst/>
           </a:prstGeom>
+          <a:noFill/>
         </p:spPr>
-      </p:pic>
+        <p:txBody>
+          <a:bodyPr wrap="none" rtlCol="0">
+            <a:spAutoFit/>
+          </a:bodyPr>
+          <a:lstStyle/>
+          <a:p>
+            <a:r>
+              <a:rPr lang="en-TW" dirty="0"/>
+              <a:t>Model:</a:t>
+            </a:r>
+          </a:p>
+        </p:txBody>
+      </p:sp>
     </p:spTree>
     <p:extLst>
       <p:ext uri="{BB962C8B-B14F-4D97-AF65-F5344CB8AC3E}">
-        <p14:creationId xmlns:p14="http://schemas.microsoft.com/office/powerpoint/2010/main" val="145649708"/>
+        <p14:creationId xmlns:p14="http://schemas.microsoft.com/office/powerpoint/2010/main" val="721994101"/>
       </p:ext>
     </p:extLst>
   </p:cSld>
@@ -5008,35 +5418,30 @@
           <p:cNvPr id="2" name="Title 1">
             <a:extLst>
               <a:ext uri="{FF2B5EF4-FFF2-40B4-BE49-F238E27FC236}">
-                <a16:creationId xmlns:a16="http://schemas.microsoft.com/office/drawing/2014/main" id="{2D1F1D5D-BC21-FE6C-199A-114DD8A93B70}"/>
-              </a:ext>
-            </a:extLst>
-          </p:cNvPr>
-          <p:cNvSpPr>
-            <a:spLocks noGrp="1"/>
-          </p:cNvSpPr>
-          <p:nvPr>
-            <p:ph type="ctrTitle"/>
+                <a16:creationId xmlns:a16="http://schemas.microsoft.com/office/drawing/2014/main" id="{2B533BED-E48C-5E7F-2273-C55CCE98516B}"/>
+              </a:ext>
+            </a:extLst>
+          </p:cNvPr>
+          <p:cNvSpPr>
+            <a:spLocks noGrp="1"/>
+          </p:cNvSpPr>
+          <p:nvPr>
+            <p:ph type="title"/>
           </p:nvPr>
         </p:nvSpPr>
         <p:spPr>
           <a:xfrm>
-            <a:off x="1524000" y="1566037"/>
-            <a:ext cx="9144000" cy="2387600"/>
+            <a:off x="390562" y="81290"/>
+            <a:ext cx="10515600" cy="1325563"/>
           </a:xfrm>
         </p:spPr>
         <p:txBody>
           <a:bodyPr/>
           <a:lstStyle/>
           <a:p>
-            <a:pPr>
-              <a:lnSpc>
-                <a:spcPct val="110000"/>
-              </a:lnSpc>
-            </a:pPr>
             <a:r>
               <a:rPr lang="en-TW" b="1" dirty="0"/>
-              <a:t>TRAM</a:t>
+              <a:t>Graph Attention Network - GAT</a:t>
             </a:r>
           </a:p>
         </p:txBody>
@@ -5046,7 +5451,7 @@
           <p:cNvPr id="4" name="Slide Number Placeholder 3">
             <a:extLst>
               <a:ext uri="{FF2B5EF4-FFF2-40B4-BE49-F238E27FC236}">
-                <a16:creationId xmlns:a16="http://schemas.microsoft.com/office/drawing/2014/main" id="{2BC4D631-FD05-0882-9331-7401BF92027E}"/>
+                <a16:creationId xmlns:a16="http://schemas.microsoft.com/office/drawing/2014/main" id="{5CD44B9F-7DE8-0932-BD70-B0BA453E653B}"/>
               </a:ext>
             </a:extLst>
           </p:cNvPr>
@@ -5070,10 +5475,263 @@
           </a:p>
         </p:txBody>
       </p:sp>
+      <p:pic>
+        <p:nvPicPr>
+          <p:cNvPr id="12" name="Picture 11">
+            <a:extLst>
+              <a:ext uri="{FF2B5EF4-FFF2-40B4-BE49-F238E27FC236}">
+                <a16:creationId xmlns:a16="http://schemas.microsoft.com/office/drawing/2014/main" id="{E9997F1F-458C-A4A0-25ED-88B6D1776EBE}"/>
+              </a:ext>
+            </a:extLst>
+          </p:cNvPr>
+          <p:cNvPicPr>
+            <a:picLocks noChangeAspect="1"/>
+          </p:cNvPicPr>
+          <p:nvPr/>
+        </p:nvPicPr>
+        <p:blipFill>
+          <a:blip r:embed="rId3"/>
+          <a:stretch>
+            <a:fillRect/>
+          </a:stretch>
+        </p:blipFill>
+        <p:spPr>
+          <a:xfrm>
+            <a:off x="838200" y="1297447"/>
+            <a:ext cx="8159496" cy="1303253"/>
+          </a:xfrm>
+          <a:prstGeom prst="rect">
+            <a:avLst/>
+          </a:prstGeom>
+        </p:spPr>
+      </p:pic>
+      <p:pic>
+        <p:nvPicPr>
+          <p:cNvPr id="20" name="Content Placeholder 19">
+            <a:extLst>
+              <a:ext uri="{FF2B5EF4-FFF2-40B4-BE49-F238E27FC236}">
+                <a16:creationId xmlns:a16="http://schemas.microsoft.com/office/drawing/2014/main" id="{3B345103-8A62-9CD1-55F8-78FCFBE94261}"/>
+              </a:ext>
+            </a:extLst>
+          </p:cNvPr>
+          <p:cNvPicPr>
+            <a:picLocks noGrp="1" noChangeAspect="1"/>
+          </p:cNvPicPr>
+          <p:nvPr>
+            <p:ph idx="1"/>
+          </p:nvPr>
+        </p:nvPicPr>
+        <p:blipFill>
+          <a:blip r:embed="rId4"/>
+          <a:stretch>
+            <a:fillRect/>
+          </a:stretch>
+        </p:blipFill>
+        <p:spPr>
+          <a:xfrm>
+            <a:off x="6047863" y="2877058"/>
+            <a:ext cx="4858299" cy="1548638"/>
+          </a:xfrm>
+        </p:spPr>
+      </p:pic>
+      <p:pic>
+        <p:nvPicPr>
+          <p:cNvPr id="22" name="Picture 21">
+            <a:extLst>
+              <a:ext uri="{FF2B5EF4-FFF2-40B4-BE49-F238E27FC236}">
+                <a16:creationId xmlns:a16="http://schemas.microsoft.com/office/drawing/2014/main" id="{BC1D2B5E-7961-E4E2-255A-C0AA37DF60DA}"/>
+              </a:ext>
+            </a:extLst>
+          </p:cNvPr>
+          <p:cNvPicPr>
+            <a:picLocks noChangeAspect="1"/>
+          </p:cNvPicPr>
+          <p:nvPr/>
+        </p:nvPicPr>
+        <p:blipFill>
+          <a:blip r:embed="rId5"/>
+          <a:stretch>
+            <a:fillRect/>
+          </a:stretch>
+        </p:blipFill>
+        <p:spPr>
+          <a:xfrm>
+            <a:off x="838200" y="4678970"/>
+            <a:ext cx="4691732" cy="1560886"/>
+          </a:xfrm>
+          <a:prstGeom prst="rect">
+            <a:avLst/>
+          </a:prstGeom>
+        </p:spPr>
+      </p:pic>
+      <p:pic>
+        <p:nvPicPr>
+          <p:cNvPr id="24" name="Picture 23">
+            <a:extLst>
+              <a:ext uri="{FF2B5EF4-FFF2-40B4-BE49-F238E27FC236}">
+                <a16:creationId xmlns:a16="http://schemas.microsoft.com/office/drawing/2014/main" id="{7D5F4688-B639-C3E9-8202-569830807ED3}"/>
+              </a:ext>
+            </a:extLst>
+          </p:cNvPr>
+          <p:cNvPicPr>
+            <a:picLocks noChangeAspect="1"/>
+          </p:cNvPicPr>
+          <p:nvPr/>
+        </p:nvPicPr>
+        <p:blipFill>
+          <a:blip r:embed="rId6"/>
+          <a:stretch>
+            <a:fillRect/>
+          </a:stretch>
+        </p:blipFill>
+        <p:spPr>
+          <a:xfrm>
+            <a:off x="838200" y="2877058"/>
+            <a:ext cx="4691732" cy="1548638"/>
+          </a:xfrm>
+          <a:prstGeom prst="rect">
+            <a:avLst/>
+          </a:prstGeom>
+        </p:spPr>
+      </p:pic>
+      <p:cxnSp>
+        <p:nvCxnSpPr>
+          <p:cNvPr id="26" name="Straight Arrow Connector 25">
+            <a:extLst>
+              <a:ext uri="{FF2B5EF4-FFF2-40B4-BE49-F238E27FC236}">
+                <a16:creationId xmlns:a16="http://schemas.microsoft.com/office/drawing/2014/main" id="{FC2EB75E-88CD-0638-569A-7A1673222B82}"/>
+              </a:ext>
+            </a:extLst>
+          </p:cNvPr>
+          <p:cNvCxnSpPr>
+            <a:cxnSpLocks/>
+            <a:stCxn id="24" idx="2"/>
+            <a:endCxn id="22" idx="0"/>
+          </p:cNvCxnSpPr>
+          <p:nvPr/>
+        </p:nvCxnSpPr>
+        <p:spPr>
+          <a:xfrm>
+            <a:off x="3184066" y="4425696"/>
+            <a:ext cx="0" cy="253274"/>
+          </a:xfrm>
+          <a:prstGeom prst="straightConnector1">
+            <a:avLst/>
+          </a:prstGeom>
+          <a:ln>
+            <a:tailEnd type="triangle"/>
+          </a:ln>
+        </p:spPr>
+        <p:style>
+          <a:lnRef idx="2">
+            <a:schemeClr val="dk1"/>
+          </a:lnRef>
+          <a:fillRef idx="0">
+            <a:schemeClr val="dk1"/>
+          </a:fillRef>
+          <a:effectRef idx="1">
+            <a:schemeClr val="dk1"/>
+          </a:effectRef>
+          <a:fontRef idx="minor">
+            <a:schemeClr val="tx1"/>
+          </a:fontRef>
+        </p:style>
+      </p:cxnSp>
+      <p:cxnSp>
+        <p:nvCxnSpPr>
+          <p:cNvPr id="29" name="Straight Arrow Connector 28">
+            <a:extLst>
+              <a:ext uri="{FF2B5EF4-FFF2-40B4-BE49-F238E27FC236}">
+                <a16:creationId xmlns:a16="http://schemas.microsoft.com/office/drawing/2014/main" id="{1B2FB6A3-D510-CEBA-4B95-740161ACCFB0}"/>
+              </a:ext>
+            </a:extLst>
+          </p:cNvPr>
+          <p:cNvCxnSpPr>
+            <a:cxnSpLocks/>
+            <a:endCxn id="20" idx="1"/>
+          </p:cNvCxnSpPr>
+          <p:nvPr/>
+        </p:nvCxnSpPr>
+        <p:spPr>
+          <a:xfrm flipV="1">
+            <a:off x="5529932" y="3651377"/>
+            <a:ext cx="517931" cy="1027593"/>
+          </a:xfrm>
+          <a:prstGeom prst="straightConnector1">
+            <a:avLst/>
+          </a:prstGeom>
+          <a:ln>
+            <a:tailEnd type="triangle"/>
+          </a:ln>
+        </p:spPr>
+        <p:style>
+          <a:lnRef idx="2">
+            <a:schemeClr val="dk1"/>
+          </a:lnRef>
+          <a:fillRef idx="0">
+            <a:schemeClr val="dk1"/>
+          </a:fillRef>
+          <a:effectRef idx="1">
+            <a:schemeClr val="dk1"/>
+          </a:effectRef>
+          <a:fontRef idx="minor">
+            <a:schemeClr val="tx1"/>
+          </a:fontRef>
+        </p:style>
+      </p:cxnSp>
+      <p:sp>
+        <p:nvSpPr>
+          <p:cNvPr id="34" name="TextBox 33">
+            <a:extLst>
+              <a:ext uri="{FF2B5EF4-FFF2-40B4-BE49-F238E27FC236}">
+                <a16:creationId xmlns:a16="http://schemas.microsoft.com/office/drawing/2014/main" id="{B8BF230E-99AC-905C-7E03-4371B16F6759}"/>
+              </a:ext>
+            </a:extLst>
+          </p:cNvPr>
+          <p:cNvSpPr txBox="1"/>
+          <p:nvPr/>
+        </p:nvSpPr>
+        <p:spPr>
+          <a:xfrm>
+            <a:off x="6047863" y="4876507"/>
+            <a:ext cx="5122556" cy="646331"/>
+          </a:xfrm>
+          <a:prstGeom prst="rect">
+            <a:avLst/>
+          </a:prstGeom>
+          <a:noFill/>
+        </p:spPr>
+        <p:txBody>
+          <a:bodyPr wrap="none" rtlCol="0">
+            <a:spAutoFit/>
+          </a:bodyPr>
+          <a:lstStyle/>
+          <a:p>
+            <a:pPr marL="285750" indent="-285750">
+              <a:buFont typeface="Arial" panose="020B0604020202020204" pitchFamily="34" charset="0"/>
+              <a:buChar char="•"/>
+            </a:pPr>
+            <a:r>
+              <a:rPr lang="en-TW" dirty="0"/>
+              <a:t>Validation accuracy stop at 0.4796 since epoch 92</a:t>
+            </a:r>
+          </a:p>
+          <a:p>
+            <a:pPr marL="285750" indent="-285750">
+              <a:buFont typeface="Arial" panose="020B0604020202020204" pitchFamily="34" charset="0"/>
+              <a:buChar char="•"/>
+            </a:pPr>
+            <a:r>
+              <a:rPr lang="en-TW" dirty="0"/>
+              <a:t>Model? Dataset? Preprocessing? Training steps?</a:t>
+            </a:r>
+          </a:p>
+        </p:txBody>
+      </p:sp>
     </p:spTree>
     <p:extLst>
       <p:ext uri="{BB962C8B-B14F-4D97-AF65-F5344CB8AC3E}">
-        <p14:creationId xmlns:p14="http://schemas.microsoft.com/office/powerpoint/2010/main" val="4138059411"/>
+        <p14:creationId xmlns:p14="http://schemas.microsoft.com/office/powerpoint/2010/main" val="3549132367"/>
       </p:ext>
     </p:extLst>
   </p:cSld>
@@ -5105,6 +5763,103 @@
           <p:cNvPr id="2" name="Title 1">
             <a:extLst>
               <a:ext uri="{FF2B5EF4-FFF2-40B4-BE49-F238E27FC236}">
+                <a16:creationId xmlns:a16="http://schemas.microsoft.com/office/drawing/2014/main" id="{2D1F1D5D-BC21-FE6C-199A-114DD8A93B70}"/>
+              </a:ext>
+            </a:extLst>
+          </p:cNvPr>
+          <p:cNvSpPr>
+            <a:spLocks noGrp="1"/>
+          </p:cNvSpPr>
+          <p:nvPr>
+            <p:ph type="ctrTitle"/>
+          </p:nvPr>
+        </p:nvSpPr>
+        <p:spPr>
+          <a:xfrm>
+            <a:off x="1524000" y="1566037"/>
+            <a:ext cx="9144000" cy="2387600"/>
+          </a:xfrm>
+        </p:spPr>
+        <p:txBody>
+          <a:bodyPr/>
+          <a:lstStyle/>
+          <a:p>
+            <a:pPr>
+              <a:lnSpc>
+                <a:spcPct val="110000"/>
+              </a:lnSpc>
+            </a:pPr>
+            <a:r>
+              <a:rPr lang="en-TW" b="1" dirty="0"/>
+              <a:t>TRAM</a:t>
+            </a:r>
+          </a:p>
+        </p:txBody>
+      </p:sp>
+      <p:sp>
+        <p:nvSpPr>
+          <p:cNvPr id="4" name="Slide Number Placeholder 3">
+            <a:extLst>
+              <a:ext uri="{FF2B5EF4-FFF2-40B4-BE49-F238E27FC236}">
+                <a16:creationId xmlns:a16="http://schemas.microsoft.com/office/drawing/2014/main" id="{2BC4D631-FD05-0882-9331-7401BF92027E}"/>
+              </a:ext>
+            </a:extLst>
+          </p:cNvPr>
+          <p:cNvSpPr>
+            <a:spLocks noGrp="1"/>
+          </p:cNvSpPr>
+          <p:nvPr>
+            <p:ph type="sldNum" sz="quarter" idx="12"/>
+          </p:nvPr>
+        </p:nvSpPr>
+        <p:spPr/>
+        <p:txBody>
+          <a:bodyPr/>
+          <a:lstStyle/>
+          <a:p>
+            <a:fld id="{DB156E10-B3DB-CB42-894C-E44038C8B0C4}" type="slidenum">
+              <a:rPr lang="en-TW" smtClean="0"/>
+              <a:t>12</a:t>
+            </a:fld>
+            <a:endParaRPr lang="en-TW"/>
+          </a:p>
+        </p:txBody>
+      </p:sp>
+    </p:spTree>
+    <p:extLst>
+      <p:ext uri="{BB962C8B-B14F-4D97-AF65-F5344CB8AC3E}">
+        <p14:creationId xmlns:p14="http://schemas.microsoft.com/office/powerpoint/2010/main" val="4138059411"/>
+      </p:ext>
+    </p:extLst>
+  </p:cSld>
+  <p:clrMapOvr>
+    <a:masterClrMapping/>
+  </p:clrMapOvr>
+</p:sld>
+</file>
+
+<file path=ppt/slides/slide13.xml><?xml version="1.0" encoding="utf-8"?>
+<p:sld xmlns:a="http://schemas.openxmlformats.org/drawingml/2006/main" xmlns:r="http://schemas.openxmlformats.org/officeDocument/2006/relationships" xmlns:p="http://schemas.openxmlformats.org/presentationml/2006/main">
+  <p:cSld>
+    <p:spTree>
+      <p:nvGrpSpPr>
+        <p:cNvPr id="1" name=""/>
+        <p:cNvGrpSpPr/>
+        <p:nvPr/>
+      </p:nvGrpSpPr>
+      <p:grpSpPr>
+        <a:xfrm>
+          <a:off x="0" y="0"/>
+          <a:ext cx="0" cy="0"/>
+          <a:chOff x="0" y="0"/>
+          <a:chExt cx="0" cy="0"/>
+        </a:xfrm>
+      </p:grpSpPr>
+      <p:sp>
+        <p:nvSpPr>
+          <p:cNvPr id="2" name="Title 1">
+            <a:extLst>
+              <a:ext uri="{FF2B5EF4-FFF2-40B4-BE49-F238E27FC236}">
                 <a16:creationId xmlns:a16="http://schemas.microsoft.com/office/drawing/2014/main" id="{2B533BED-E48C-5E7F-2273-C55CCE98516B}"/>
               </a:ext>
             </a:extLst>
@@ -5164,7 +5919,15 @@
             <a:pPr lvl="1"/>
             <a:r>
               <a:rPr lang="en-TW" sz="2800" dirty="0"/>
-              <a:t>Successfully upload the pdf files</a:t>
+              <a:t>Successfully </a:t>
+            </a:r>
+            <a:r>
+              <a:rPr lang="en-TW" sz="2800" b="1" dirty="0"/>
+              <a:t>upload</a:t>
+            </a:r>
+            <a:r>
+              <a:rPr lang="en-TW" sz="2800" dirty="0"/>
+              <a:t> the pdf files</a:t>
             </a:r>
           </a:p>
           <a:p>
@@ -5174,8 +5937,12 @@
               <a:t>Successfully </a:t>
             </a:r>
             <a:r>
+              <a:rPr lang="en-US" sz="2800" b="1" dirty="0"/>
+              <a:t>export</a:t>
+            </a:r>
+            <a:r>
               <a:rPr lang="en-US" sz="2800" dirty="0"/>
-              <a:t>export the pdf files</a:t>
+              <a:t> the pdf files</a:t>
             </a:r>
           </a:p>
           <a:p>
@@ -5211,7 +5978,7 @@
           <a:p>
             <a:fld id="{DB156E10-B3DB-CB42-894C-E44038C8B0C4}" type="slidenum">
               <a:rPr lang="en-TW" smtClean="0"/>
-              <a:t>12</a:t>
+              <a:t>13</a:t>
             </a:fld>
             <a:endParaRPr lang="en-TW"/>
           </a:p>
@@ -5290,103 +6057,6 @@
 </p:sld>
 </file>
 
-<file path=ppt/slides/slide13.xml><?xml version="1.0" encoding="utf-8"?>
-<p:sld xmlns:a="http://schemas.openxmlformats.org/drawingml/2006/main" xmlns:r="http://schemas.openxmlformats.org/officeDocument/2006/relationships" xmlns:p="http://schemas.openxmlformats.org/presentationml/2006/main">
-  <p:cSld>
-    <p:spTree>
-      <p:nvGrpSpPr>
-        <p:cNvPr id="1" name=""/>
-        <p:cNvGrpSpPr/>
-        <p:nvPr/>
-      </p:nvGrpSpPr>
-      <p:grpSpPr>
-        <a:xfrm>
-          <a:off x="0" y="0"/>
-          <a:ext cx="0" cy="0"/>
-          <a:chOff x="0" y="0"/>
-          <a:chExt cx="0" cy="0"/>
-        </a:xfrm>
-      </p:grpSpPr>
-      <p:sp>
-        <p:nvSpPr>
-          <p:cNvPr id="2" name="Title 1">
-            <a:extLst>
-              <a:ext uri="{FF2B5EF4-FFF2-40B4-BE49-F238E27FC236}">
-                <a16:creationId xmlns:a16="http://schemas.microsoft.com/office/drawing/2014/main" id="{2D1F1D5D-BC21-FE6C-199A-114DD8A93B70}"/>
-              </a:ext>
-            </a:extLst>
-          </p:cNvPr>
-          <p:cNvSpPr>
-            <a:spLocks noGrp="1"/>
-          </p:cNvSpPr>
-          <p:nvPr>
-            <p:ph type="ctrTitle"/>
-          </p:nvPr>
-        </p:nvSpPr>
-        <p:spPr>
-          <a:xfrm>
-            <a:off x="1524000" y="1566037"/>
-            <a:ext cx="9144000" cy="2387600"/>
-          </a:xfrm>
-        </p:spPr>
-        <p:txBody>
-          <a:bodyPr/>
-          <a:lstStyle/>
-          <a:p>
-            <a:pPr>
-              <a:lnSpc>
-                <a:spcPct val="110000"/>
-              </a:lnSpc>
-            </a:pPr>
-            <a:r>
-              <a:rPr lang="en-TW" b="1" dirty="0"/>
-              <a:t>Future Work</a:t>
-            </a:r>
-          </a:p>
-        </p:txBody>
-      </p:sp>
-      <p:sp>
-        <p:nvSpPr>
-          <p:cNvPr id="4" name="Slide Number Placeholder 3">
-            <a:extLst>
-              <a:ext uri="{FF2B5EF4-FFF2-40B4-BE49-F238E27FC236}">
-                <a16:creationId xmlns:a16="http://schemas.microsoft.com/office/drawing/2014/main" id="{2BC4D631-FD05-0882-9331-7401BF92027E}"/>
-              </a:ext>
-            </a:extLst>
-          </p:cNvPr>
-          <p:cNvSpPr>
-            <a:spLocks noGrp="1"/>
-          </p:cNvSpPr>
-          <p:nvPr>
-            <p:ph type="sldNum" sz="quarter" idx="12"/>
-          </p:nvPr>
-        </p:nvSpPr>
-        <p:spPr/>
-        <p:txBody>
-          <a:bodyPr/>
-          <a:lstStyle/>
-          <a:p>
-            <a:fld id="{DB156E10-B3DB-CB42-894C-E44038C8B0C4}" type="slidenum">
-              <a:rPr lang="en-TW" smtClean="0"/>
-              <a:t>13</a:t>
-            </a:fld>
-            <a:endParaRPr lang="en-TW"/>
-          </a:p>
-        </p:txBody>
-      </p:sp>
-    </p:spTree>
-    <p:extLst>
-      <p:ext uri="{BB962C8B-B14F-4D97-AF65-F5344CB8AC3E}">
-        <p14:creationId xmlns:p14="http://schemas.microsoft.com/office/powerpoint/2010/main" val="2029300953"/>
-      </p:ext>
-    </p:extLst>
-  </p:cSld>
-  <p:clrMapOvr>
-    <a:masterClrMapping/>
-  </p:clrMapOvr>
-</p:sld>
-</file>
-
 <file path=ppt/slides/slide14.xml><?xml version="1.0" encoding="utf-8"?>
 <p:sld xmlns:a="http://schemas.openxmlformats.org/drawingml/2006/main" xmlns:r="http://schemas.openxmlformats.org/officeDocument/2006/relationships" xmlns:p="http://schemas.openxmlformats.org/presentationml/2006/main">
   <p:cSld>
@@ -5409,60 +6079,25 @@
           <p:cNvPr id="2" name="Title 1">
             <a:extLst>
               <a:ext uri="{FF2B5EF4-FFF2-40B4-BE49-F238E27FC236}">
-                <a16:creationId xmlns:a16="http://schemas.microsoft.com/office/drawing/2014/main" id="{2B533BED-E48C-5E7F-2273-C55CCE98516B}"/>
-              </a:ext>
-            </a:extLst>
-          </p:cNvPr>
-          <p:cNvSpPr>
-            <a:spLocks noGrp="1"/>
-          </p:cNvSpPr>
-          <p:nvPr>
-            <p:ph type="title"/>
+                <a16:creationId xmlns:a16="http://schemas.microsoft.com/office/drawing/2014/main" id="{2D1F1D5D-BC21-FE6C-199A-114DD8A93B70}"/>
+              </a:ext>
+            </a:extLst>
+          </p:cNvPr>
+          <p:cNvSpPr>
+            <a:spLocks noGrp="1"/>
+          </p:cNvSpPr>
+          <p:nvPr>
+            <p:ph type="ctrTitle"/>
           </p:nvPr>
         </p:nvSpPr>
         <p:spPr>
           <a:xfrm>
-            <a:off x="838200" y="230188"/>
-            <a:ext cx="10515600" cy="1325563"/>
+            <a:off x="1524000" y="1566037"/>
+            <a:ext cx="9144000" cy="2387600"/>
           </a:xfrm>
         </p:spPr>
         <p:txBody>
           <a:bodyPr/>
-          <a:lstStyle/>
-          <a:p>
-            <a:r>
-              <a:rPr lang="en-TW" b="1" dirty="0"/>
-              <a:t>Future Work</a:t>
-            </a:r>
-          </a:p>
-        </p:txBody>
-      </p:sp>
-      <p:sp>
-        <p:nvSpPr>
-          <p:cNvPr id="3" name="Content Placeholder 2">
-            <a:extLst>
-              <a:ext uri="{FF2B5EF4-FFF2-40B4-BE49-F238E27FC236}">
-                <a16:creationId xmlns:a16="http://schemas.microsoft.com/office/drawing/2014/main" id="{25B0A74B-6281-327F-44E6-1E41A778AF7E}"/>
-              </a:ext>
-            </a:extLst>
-          </p:cNvPr>
-          <p:cNvSpPr>
-            <a:spLocks noGrp="1"/>
-          </p:cNvSpPr>
-          <p:nvPr>
-            <p:ph idx="1"/>
-          </p:nvPr>
-        </p:nvSpPr>
-        <p:spPr>
-          <a:xfrm>
-            <a:off x="838200" y="1706032"/>
-            <a:ext cx="10800644" cy="4832880"/>
-          </a:xfrm>
-        </p:spPr>
-        <p:txBody>
-          <a:bodyPr>
-            <a:normAutofit/>
-          </a:bodyPr>
           <a:lstStyle/>
           <a:p>
             <a:pPr>
@@ -5472,90 +6107,8 @@
             </a:pPr>
             <a:r>
               <a:rPr lang="en-TW" b="1" dirty="0"/>
-              <a:t>GNN</a:t>
-            </a:r>
-          </a:p>
-          <a:p>
-            <a:pPr lvl="1">
-              <a:lnSpc>
-                <a:spcPct val="110000"/>
-              </a:lnSpc>
-            </a:pPr>
-            <a:r>
-              <a:rPr lang="en-TW" b="1" dirty="0"/>
-              <a:t>Successfully train the GAT, GCN</a:t>
-            </a:r>
-          </a:p>
-          <a:p>
-            <a:pPr>
-              <a:lnSpc>
-                <a:spcPct val="110000"/>
-              </a:lnSpc>
-            </a:pPr>
-            <a:r>
-              <a:rPr lang="en-TW" b="1" dirty="0"/>
-              <a:t>Graphormer</a:t>
-            </a:r>
-          </a:p>
-          <a:p>
-            <a:pPr lvl="1">
-              <a:lnSpc>
-                <a:spcPct val="110000"/>
-              </a:lnSpc>
-            </a:pPr>
-            <a:r>
-              <a:rPr lang="en-TW" dirty="0"/>
-              <a:t>Write the trainer(training part) </a:t>
-            </a:r>
-          </a:p>
-          <a:p>
-            <a:pPr>
-              <a:lnSpc>
-                <a:spcPct val="110000"/>
-              </a:lnSpc>
-            </a:pPr>
-            <a:r>
-              <a:rPr lang="en-TW" b="1" dirty="0"/>
-              <a:t>TRAM</a:t>
-            </a:r>
-          </a:p>
-          <a:p>
-            <a:pPr lvl="1">
-              <a:lnSpc>
-                <a:spcPct val="110000"/>
-              </a:lnSpc>
-            </a:pPr>
-            <a:r>
-              <a:rPr lang="en-TW" dirty="0"/>
-              <a:t>Try to upload and export HTML files</a:t>
-            </a:r>
-          </a:p>
-          <a:p>
-            <a:pPr lvl="1">
-              <a:lnSpc>
-                <a:spcPct val="110000"/>
-              </a:lnSpc>
-            </a:pPr>
-            <a:r>
-              <a:rPr lang="en-TW" dirty="0"/>
-              <a:t>Transfer them into labeled data</a:t>
-            </a:r>
-          </a:p>
-          <a:p>
-            <a:pPr>
-              <a:lnSpc>
-                <a:spcPct val="110000"/>
-              </a:lnSpc>
-            </a:pPr>
-            <a:endParaRPr lang="en-TW" dirty="0"/>
-          </a:p>
-          <a:p>
-            <a:pPr>
-              <a:lnSpc>
-                <a:spcPct val="110000"/>
-              </a:lnSpc>
-            </a:pPr>
-            <a:endParaRPr lang="en-TW" dirty="0"/>
+              <a:t>Future Work</a:t>
+            </a:r>
           </a:p>
         </p:txBody>
       </p:sp>
@@ -5564,7 +6117,7 @@
           <p:cNvPr id="4" name="Slide Number Placeholder 3">
             <a:extLst>
               <a:ext uri="{FF2B5EF4-FFF2-40B4-BE49-F238E27FC236}">
-                <a16:creationId xmlns:a16="http://schemas.microsoft.com/office/drawing/2014/main" id="{5CD44B9F-7DE8-0932-BD70-B0BA453E653B}"/>
+                <a16:creationId xmlns:a16="http://schemas.microsoft.com/office/drawing/2014/main" id="{2BC4D631-FD05-0882-9331-7401BF92027E}"/>
               </a:ext>
             </a:extLst>
           </p:cNvPr>
@@ -5591,7 +6144,7 @@
     </p:spTree>
     <p:extLst>
       <p:ext uri="{BB962C8B-B14F-4D97-AF65-F5344CB8AC3E}">
-        <p14:creationId xmlns:p14="http://schemas.microsoft.com/office/powerpoint/2010/main" val="2421199054"/>
+        <p14:creationId xmlns:p14="http://schemas.microsoft.com/office/powerpoint/2010/main" val="2029300953"/>
       </p:ext>
     </p:extLst>
   </p:cSld>
@@ -5620,10 +6173,191 @@
       </p:grpSpPr>
       <p:sp>
         <p:nvSpPr>
+          <p:cNvPr id="2" name="Title 1">
+            <a:extLst>
+              <a:ext uri="{FF2B5EF4-FFF2-40B4-BE49-F238E27FC236}">
+                <a16:creationId xmlns:a16="http://schemas.microsoft.com/office/drawing/2014/main" id="{2B533BED-E48C-5E7F-2273-C55CCE98516B}"/>
+              </a:ext>
+            </a:extLst>
+          </p:cNvPr>
+          <p:cNvSpPr>
+            <a:spLocks noGrp="1"/>
+          </p:cNvSpPr>
+          <p:nvPr>
+            <p:ph type="title"/>
+          </p:nvPr>
+        </p:nvSpPr>
+        <p:spPr>
+          <a:xfrm>
+            <a:off x="374904" y="197907"/>
+            <a:ext cx="10515600" cy="1325563"/>
+          </a:xfrm>
+        </p:spPr>
+        <p:txBody>
+          <a:bodyPr/>
+          <a:lstStyle/>
+          <a:p>
+            <a:r>
+              <a:rPr lang="en-TW" b="1" dirty="0"/>
+              <a:t>Future Work</a:t>
+            </a:r>
+          </a:p>
+        </p:txBody>
+      </p:sp>
+      <p:sp>
+        <p:nvSpPr>
+          <p:cNvPr id="3" name="Content Placeholder 2">
+            <a:extLst>
+              <a:ext uri="{FF2B5EF4-FFF2-40B4-BE49-F238E27FC236}">
+                <a16:creationId xmlns:a16="http://schemas.microsoft.com/office/drawing/2014/main" id="{25B0A74B-6281-327F-44E6-1E41A778AF7E}"/>
+              </a:ext>
+            </a:extLst>
+          </p:cNvPr>
+          <p:cNvSpPr>
+            <a:spLocks noGrp="1"/>
+          </p:cNvSpPr>
+          <p:nvPr>
+            <p:ph idx="1"/>
+          </p:nvPr>
+        </p:nvSpPr>
+        <p:spPr>
+          <a:xfrm>
+            <a:off x="789432" y="1389358"/>
+            <a:ext cx="10800644" cy="4832880"/>
+          </a:xfrm>
+        </p:spPr>
+        <p:txBody>
+          <a:bodyPr>
+            <a:normAutofit/>
+          </a:bodyPr>
+          <a:lstStyle/>
+          <a:p>
+            <a:pPr>
+              <a:lnSpc>
+                <a:spcPct val="110000"/>
+              </a:lnSpc>
+            </a:pPr>
+            <a:r>
+              <a:rPr lang="en-TW" b="1" dirty="0"/>
+              <a:t>GNN</a:t>
+            </a:r>
+          </a:p>
+          <a:p>
+            <a:pPr lvl="1">
+              <a:lnSpc>
+                <a:spcPct val="110000"/>
+              </a:lnSpc>
+            </a:pPr>
+            <a:r>
+              <a:rPr lang="en-TW" dirty="0"/>
+              <a:t>Figure out the reason causing the currently bad performance on both GCN, GAT</a:t>
+            </a:r>
+          </a:p>
+          <a:p>
+            <a:pPr lvl="1">
+              <a:lnSpc>
+                <a:spcPct val="110000"/>
+              </a:lnSpc>
+            </a:pPr>
+            <a:r>
+              <a:rPr lang="en-TW" dirty="0"/>
+              <a:t>Read some paper about these GNN models</a:t>
+            </a:r>
+          </a:p>
+          <a:p>
+            <a:pPr lvl="1">
+              <a:lnSpc>
+                <a:spcPct val="110000"/>
+              </a:lnSpc>
+            </a:pPr>
+            <a:r>
+              <a:rPr lang="en-TW" dirty="0"/>
+              <a:t>Try the GraphSAGE</a:t>
+            </a:r>
+          </a:p>
+          <a:p>
+            <a:pPr>
+              <a:lnSpc>
+                <a:spcPct val="110000"/>
+              </a:lnSpc>
+            </a:pPr>
+            <a:r>
+              <a:rPr lang="en-TW" b="1" dirty="0"/>
+              <a:t>TRAM</a:t>
+            </a:r>
+          </a:p>
+          <a:p>
+            <a:pPr lvl="1">
+              <a:lnSpc>
+                <a:spcPct val="110000"/>
+              </a:lnSpc>
+            </a:pPr>
+            <a:r>
+              <a:rPr lang="en-TW" dirty="0"/>
+              <a:t>Try to upload and export HTML files</a:t>
+            </a:r>
+          </a:p>
+          <a:p>
+            <a:pPr lvl="1">
+              <a:lnSpc>
+                <a:spcPct val="110000"/>
+              </a:lnSpc>
+            </a:pPr>
+            <a:r>
+              <a:rPr lang="en-TW" dirty="0"/>
+              <a:t>Transfer them into labeled data</a:t>
+            </a:r>
+          </a:p>
+          <a:p>
+            <a:pPr>
+              <a:lnSpc>
+                <a:spcPct val="110000"/>
+              </a:lnSpc>
+            </a:pPr>
+            <a:r>
+              <a:rPr lang="en-TW" b="1" dirty="0"/>
+              <a:t>Graphormer </a:t>
+            </a:r>
+            <a:r>
+              <a:rPr lang="en-TW" dirty="0"/>
+              <a:t>(if available)</a:t>
+            </a:r>
+          </a:p>
+          <a:p>
+            <a:pPr lvl="1">
+              <a:lnSpc>
+                <a:spcPct val="110000"/>
+              </a:lnSpc>
+            </a:pPr>
+            <a:r>
+              <a:rPr lang="en-TW" dirty="0"/>
+              <a:t>Write the trainer (training part) </a:t>
+            </a:r>
+          </a:p>
+          <a:p>
+            <a:pPr>
+              <a:lnSpc>
+                <a:spcPct val="110000"/>
+              </a:lnSpc>
+            </a:pPr>
+            <a:endParaRPr lang="en-TW" dirty="0"/>
+          </a:p>
+          <a:p>
+            <a:pPr>
+              <a:lnSpc>
+                <a:spcPct val="110000"/>
+              </a:lnSpc>
+            </a:pPr>
+            <a:endParaRPr lang="en-TW" dirty="0"/>
+          </a:p>
+        </p:txBody>
+      </p:sp>
+      <p:sp>
+        <p:nvSpPr>
           <p:cNvPr id="4" name="Slide Number Placeholder 3">
             <a:extLst>
               <a:ext uri="{FF2B5EF4-FFF2-40B4-BE49-F238E27FC236}">
-                <a16:creationId xmlns:a16="http://schemas.microsoft.com/office/drawing/2014/main" id="{2BC4D631-FD05-0882-9331-7401BF92027E}"/>
+                <a16:creationId xmlns:a16="http://schemas.microsoft.com/office/drawing/2014/main" id="{5CD44B9F-7DE8-0932-BD70-B0BA453E653B}"/>
               </a:ext>
             </a:extLst>
           </p:cNvPr>
@@ -5647,43 +6381,10 @@
           </a:p>
         </p:txBody>
       </p:sp>
-      <p:sp>
-        <p:nvSpPr>
-          <p:cNvPr id="5" name="Title 4">
-            <a:extLst>
-              <a:ext uri="{FF2B5EF4-FFF2-40B4-BE49-F238E27FC236}">
-                <a16:creationId xmlns:a16="http://schemas.microsoft.com/office/drawing/2014/main" id="{FD89D94C-6796-FFAC-888D-5EC2B2407BC6}"/>
-              </a:ext>
-            </a:extLst>
-          </p:cNvPr>
-          <p:cNvSpPr>
-            <a:spLocks noGrp="1"/>
-          </p:cNvSpPr>
-          <p:nvPr>
-            <p:ph type="ctrTitle"/>
-          </p:nvPr>
-        </p:nvSpPr>
-        <p:spPr>
-          <a:xfrm>
-            <a:off x="1524000" y="1484970"/>
-            <a:ext cx="9144000" cy="2387600"/>
-          </a:xfrm>
-        </p:spPr>
-        <p:txBody>
-          <a:bodyPr/>
-          <a:lstStyle/>
-          <a:p>
-            <a:r>
-              <a:rPr lang="en-TW" b="1" dirty="0"/>
-              <a:t>Thanks!!</a:t>
-            </a:r>
-          </a:p>
-        </p:txBody>
-      </p:sp>
     </p:spTree>
     <p:extLst>
       <p:ext uri="{BB962C8B-B14F-4D97-AF65-F5344CB8AC3E}">
-        <p14:creationId xmlns:p14="http://schemas.microsoft.com/office/powerpoint/2010/main" val="2872018066"/>
+        <p14:creationId xmlns:p14="http://schemas.microsoft.com/office/powerpoint/2010/main" val="2421199054"/>
       </p:ext>
     </p:extLst>
   </p:cSld>
@@ -5734,6 +6435,98 @@
             <a:fld id="{DB156E10-B3DB-CB42-894C-E44038C8B0C4}" type="slidenum">
               <a:rPr lang="en-TW" smtClean="0"/>
               <a:t>16</a:t>
+            </a:fld>
+            <a:endParaRPr lang="en-TW"/>
+          </a:p>
+        </p:txBody>
+      </p:sp>
+      <p:sp>
+        <p:nvSpPr>
+          <p:cNvPr id="5" name="Title 4">
+            <a:extLst>
+              <a:ext uri="{FF2B5EF4-FFF2-40B4-BE49-F238E27FC236}">
+                <a16:creationId xmlns:a16="http://schemas.microsoft.com/office/drawing/2014/main" id="{FD89D94C-6796-FFAC-888D-5EC2B2407BC6}"/>
+              </a:ext>
+            </a:extLst>
+          </p:cNvPr>
+          <p:cNvSpPr>
+            <a:spLocks noGrp="1"/>
+          </p:cNvSpPr>
+          <p:nvPr>
+            <p:ph type="ctrTitle"/>
+          </p:nvPr>
+        </p:nvSpPr>
+        <p:spPr>
+          <a:xfrm>
+            <a:off x="1524000" y="1484970"/>
+            <a:ext cx="9144000" cy="2387600"/>
+          </a:xfrm>
+        </p:spPr>
+        <p:txBody>
+          <a:bodyPr/>
+          <a:lstStyle/>
+          <a:p>
+            <a:r>
+              <a:rPr lang="en-TW" b="1" dirty="0"/>
+              <a:t>Thanks!!</a:t>
+            </a:r>
+          </a:p>
+        </p:txBody>
+      </p:sp>
+    </p:spTree>
+    <p:extLst>
+      <p:ext uri="{BB962C8B-B14F-4D97-AF65-F5344CB8AC3E}">
+        <p14:creationId xmlns:p14="http://schemas.microsoft.com/office/powerpoint/2010/main" val="2872018066"/>
+      </p:ext>
+    </p:extLst>
+  </p:cSld>
+  <p:clrMapOvr>
+    <a:masterClrMapping/>
+  </p:clrMapOvr>
+</p:sld>
+</file>
+
+<file path=ppt/slides/slide17.xml><?xml version="1.0" encoding="utf-8"?>
+<p:sld xmlns:a="http://schemas.openxmlformats.org/drawingml/2006/main" xmlns:r="http://schemas.openxmlformats.org/officeDocument/2006/relationships" xmlns:p="http://schemas.openxmlformats.org/presentationml/2006/main">
+  <p:cSld>
+    <p:spTree>
+      <p:nvGrpSpPr>
+        <p:cNvPr id="1" name=""/>
+        <p:cNvGrpSpPr/>
+        <p:nvPr/>
+      </p:nvGrpSpPr>
+      <p:grpSpPr>
+        <a:xfrm>
+          <a:off x="0" y="0"/>
+          <a:ext cx="0" cy="0"/>
+          <a:chOff x="0" y="0"/>
+          <a:chExt cx="0" cy="0"/>
+        </a:xfrm>
+      </p:grpSpPr>
+      <p:sp>
+        <p:nvSpPr>
+          <p:cNvPr id="4" name="Slide Number Placeholder 3">
+            <a:extLst>
+              <a:ext uri="{FF2B5EF4-FFF2-40B4-BE49-F238E27FC236}">
+                <a16:creationId xmlns:a16="http://schemas.microsoft.com/office/drawing/2014/main" id="{2BC4D631-FD05-0882-9331-7401BF92027E}"/>
+              </a:ext>
+            </a:extLst>
+          </p:cNvPr>
+          <p:cNvSpPr>
+            <a:spLocks noGrp="1"/>
+          </p:cNvSpPr>
+          <p:nvPr>
+            <p:ph type="sldNum" sz="quarter" idx="12"/>
+          </p:nvPr>
+        </p:nvSpPr>
+        <p:spPr/>
+        <p:txBody>
+          <a:bodyPr/>
+          <a:lstStyle/>
+          <a:p>
+            <a:fld id="{DB156E10-B3DB-CB42-894C-E44038C8B0C4}" type="slidenum">
+              <a:rPr lang="en-TW" smtClean="0"/>
+              <a:t>17</a:t>
             </a:fld>
             <a:endParaRPr lang="en-TW"/>
           </a:p>
@@ -6568,7 +7361,7 @@
         </p:nvSpPr>
         <p:spPr>
           <a:xfrm>
-            <a:off x="443121" y="2923450"/>
+            <a:off x="381746" y="3022780"/>
             <a:ext cx="3971823" cy="2142439"/>
           </a:xfrm>
         </p:spPr>
@@ -6825,7 +7618,7 @@
         </p:nvSpPr>
         <p:spPr>
           <a:xfrm>
-            <a:off x="538480" y="86389"/>
+            <a:off x="350222" y="42396"/>
             <a:ext cx="10515600" cy="1325563"/>
           </a:xfrm>
         </p:spPr>
@@ -6836,47 +7629,6 @@
             <a:r>
               <a:rPr lang="en-TW" b="1" dirty="0"/>
               <a:t>Data Format</a:t>
-            </a:r>
-          </a:p>
-        </p:txBody>
-      </p:sp>
-      <p:sp>
-        <p:nvSpPr>
-          <p:cNvPr id="3" name="Content Placeholder 2">
-            <a:extLst>
-              <a:ext uri="{FF2B5EF4-FFF2-40B4-BE49-F238E27FC236}">
-                <a16:creationId xmlns:a16="http://schemas.microsoft.com/office/drawing/2014/main" id="{25B0A74B-6281-327F-44E6-1E41A778AF7E}"/>
-              </a:ext>
-            </a:extLst>
-          </p:cNvPr>
-          <p:cNvSpPr>
-            <a:spLocks noGrp="1"/>
-          </p:cNvSpPr>
-          <p:nvPr>
-            <p:ph idx="1"/>
-          </p:nvPr>
-        </p:nvSpPr>
-        <p:spPr>
-          <a:xfrm>
-            <a:off x="538480" y="1242835"/>
-            <a:ext cx="4459189" cy="622109"/>
-          </a:xfrm>
-        </p:spPr>
-        <p:txBody>
-          <a:bodyPr/>
-          <a:lstStyle/>
-          <a:p>
-            <a:r>
-              <a:rPr lang="en-TW" dirty="0"/>
-              <a:t>Official format</a:t>
-            </a:r>
-            <a:r>
-              <a:rPr lang="zh-TW" altLang="en-US" dirty="0"/>
-              <a:t> </a:t>
-            </a:r>
-            <a:r>
-              <a:rPr lang="en-TW" dirty="0"/>
-              <a:t>(~40k rows):</a:t>
             </a:r>
           </a:p>
         </p:txBody>
@@ -6912,10 +7664,10 @@
       </p:sp>
       <p:sp>
         <p:nvSpPr>
-          <p:cNvPr id="10" name="TextBox 9">
-            <a:extLst>
-              <a:ext uri="{FF2B5EF4-FFF2-40B4-BE49-F238E27FC236}">
-                <a16:creationId xmlns:a16="http://schemas.microsoft.com/office/drawing/2014/main" id="{414CDBE1-43DF-ACA0-C386-EC3817011F54}"/>
+          <p:cNvPr id="7" name="TextBox 6">
+            <a:extLst>
+              <a:ext uri="{FF2B5EF4-FFF2-40B4-BE49-F238E27FC236}">
+                <a16:creationId xmlns:a16="http://schemas.microsoft.com/office/drawing/2014/main" id="{49CE6027-B6B3-ACA7-BBED-2E9701F2F18E}"/>
               </a:ext>
             </a:extLst>
           </p:cNvPr>
@@ -6924,8 +7676,8 @@
         </p:nvSpPr>
         <p:spPr>
           <a:xfrm>
-            <a:off x="538480" y="4347082"/>
-            <a:ext cx="3903248" cy="523220"/>
+            <a:off x="996126" y="5843454"/>
+            <a:ext cx="4774902" cy="646331"/>
           </a:xfrm>
           <a:prstGeom prst="rect">
             <a:avLst/>
@@ -6933,7 +7685,7 @@
           <a:noFill/>
         </p:spPr>
         <p:txBody>
-          <a:bodyPr wrap="none" rtlCol="0">
+          <a:bodyPr wrap="square" rtlCol="0">
             <a:spAutoFit/>
           </a:bodyPr>
           <a:lstStyle/>
@@ -6943,64 +7695,85 @@
               <a:buChar char="•"/>
             </a:pPr>
             <a:r>
-              <a:rPr lang="en-TW" sz="2800" dirty="0"/>
-              <a:t>My format</a:t>
-            </a:r>
-            <a:r>
-              <a:rPr lang="zh-TW" altLang="en-US" sz="2800" dirty="0"/>
-              <a:t> </a:t>
-            </a:r>
-            <a:r>
-              <a:rPr lang="en-TW" sz="2800" dirty="0"/>
-              <a:t>(~50k rows):</a:t>
-            </a:r>
-          </a:p>
-        </p:txBody>
-      </p:sp>
-      <p:sp>
-        <p:nvSpPr>
-          <p:cNvPr id="7" name="TextBox 6">
-            <a:extLst>
-              <a:ext uri="{FF2B5EF4-FFF2-40B4-BE49-F238E27FC236}">
-                <a16:creationId xmlns:a16="http://schemas.microsoft.com/office/drawing/2014/main" id="{49CE6027-B6B3-ACA7-BBED-2E9701F2F18E}"/>
-              </a:ext>
-            </a:extLst>
-          </p:cNvPr>
-          <p:cNvSpPr txBox="1"/>
-          <p:nvPr/>
+              <a:rPr lang="en-TW" dirty="0"/>
+              <a:t>165 A</a:t>
+            </a:r>
+            <a:r>
+              <a:rPr lang="en-US" dirty="0"/>
+              <a:t>Ps + 35 benign (connected subgraph)</a:t>
+            </a:r>
+          </a:p>
+          <a:p>
+            <a:pPr marL="285750" indent="-285750">
+              <a:buFont typeface="Arial" panose="020B0604020202020204" pitchFamily="34" charset="0"/>
+              <a:buChar char="•"/>
+            </a:pPr>
+            <a:r>
+              <a:rPr lang="en-US" dirty="0"/>
+              <a:t>Label is come from the </a:t>
+            </a:r>
+            <a:r>
+              <a:rPr lang="en-US" b="1" dirty="0" err="1"/>
+              <a:t>LabelEncoder</a:t>
+            </a:r>
+            <a:endParaRPr lang="en-US" b="1" dirty="0"/>
+          </a:p>
+        </p:txBody>
+      </p:sp>
+      <p:sp>
+        <p:nvSpPr>
+          <p:cNvPr id="6" name="Content Placeholder 5">
+            <a:extLst>
+              <a:ext uri="{FF2B5EF4-FFF2-40B4-BE49-F238E27FC236}">
+                <a16:creationId xmlns:a16="http://schemas.microsoft.com/office/drawing/2014/main" id="{A3EAF80F-C3B6-B3B2-0641-CE0120C7D2EF}"/>
+              </a:ext>
+            </a:extLst>
+          </p:cNvPr>
+          <p:cNvSpPr>
+            <a:spLocks noGrp="1"/>
+          </p:cNvSpPr>
+          <p:nvPr>
+            <p:ph idx="1"/>
+          </p:nvPr>
         </p:nvSpPr>
         <p:spPr>
           <a:xfrm>
-            <a:off x="7921992" y="6356350"/>
-            <a:ext cx="2996036" cy="646331"/>
+            <a:off x="538480" y="1309359"/>
+            <a:ext cx="10515600" cy="4351338"/>
           </a:xfrm>
-          <a:prstGeom prst="rect">
-            <a:avLst/>
-          </a:prstGeom>
-          <a:noFill/>
         </p:spPr>
         <p:txBody>
-          <a:bodyPr wrap="square" rtlCol="0">
-            <a:spAutoFit/>
-          </a:bodyPr>
+          <a:bodyPr/>
           <a:lstStyle/>
           <a:p>
             <a:r>
               <a:rPr lang="en-TW" dirty="0"/>
-              <a:t>Train:Validation:Test = 3:1:1</a:t>
+              <a:t>Old Version:</a:t>
             </a:r>
           </a:p>
           <a:p>
             <a:endParaRPr lang="en-TW" dirty="0"/>
+          </a:p>
+          <a:p>
+            <a:endParaRPr lang="en-TW" dirty="0"/>
+          </a:p>
+          <a:p>
+            <a:endParaRPr lang="en-TW" dirty="0"/>
+          </a:p>
+          <a:p>
+            <a:r>
+              <a:rPr lang="en-TW" dirty="0"/>
+              <a:t>New Version:</a:t>
+            </a:r>
           </a:p>
         </p:txBody>
       </p:sp>
       <p:pic>
         <p:nvPicPr>
-          <p:cNvPr id="14" name="Picture 13">
-            <a:extLst>
-              <a:ext uri="{FF2B5EF4-FFF2-40B4-BE49-F238E27FC236}">
-                <a16:creationId xmlns:a16="http://schemas.microsoft.com/office/drawing/2014/main" id="{48FF0628-72C4-C4EF-FD6F-BCACCA7E732E}"/>
+          <p:cNvPr id="9" name="Picture 8">
+            <a:extLst>
+              <a:ext uri="{FF2B5EF4-FFF2-40B4-BE49-F238E27FC236}">
+                <a16:creationId xmlns:a16="http://schemas.microsoft.com/office/drawing/2014/main" id="{935E7652-DD5D-63A7-1CF5-14D008E5686C}"/>
               </a:ext>
             </a:extLst>
           </p:cNvPr>
@@ -7017,8 +7790,8 @@
         </p:blipFill>
         <p:spPr>
           <a:xfrm>
-            <a:off x="765038" y="4846596"/>
-            <a:ext cx="10867461" cy="1537138"/>
+            <a:off x="838200" y="1833972"/>
+            <a:ext cx="11075695" cy="1056374"/>
           </a:xfrm>
           <a:prstGeom prst="rect">
             <a:avLst/>
@@ -7027,10 +7800,10 @@
       </p:pic>
       <p:pic>
         <p:nvPicPr>
-          <p:cNvPr id="18" name="Picture 17">
-            <a:extLst>
-              <a:ext uri="{FF2B5EF4-FFF2-40B4-BE49-F238E27FC236}">
-                <a16:creationId xmlns:a16="http://schemas.microsoft.com/office/drawing/2014/main" id="{A2B26F5D-EC9F-C12F-E43D-9F4B5E7714DE}"/>
+          <p:cNvPr id="15" name="Picture 14">
+            <a:extLst>
+              <a:ext uri="{FF2B5EF4-FFF2-40B4-BE49-F238E27FC236}">
+                <a16:creationId xmlns:a16="http://schemas.microsoft.com/office/drawing/2014/main" id="{978D2A5C-B586-4B4F-FFBA-BBDD65CA375D}"/>
               </a:ext>
             </a:extLst>
           </p:cNvPr>
@@ -7047,8 +7820,8 @@
         </p:blipFill>
         <p:spPr>
           <a:xfrm>
-            <a:off x="718552" y="1749081"/>
-            <a:ext cx="7772400" cy="1296943"/>
+            <a:off x="838200" y="3967654"/>
+            <a:ext cx="11165546" cy="1155056"/>
           </a:xfrm>
           <a:prstGeom prst="rect">
             <a:avLst/>
@@ -7057,10 +7830,10 @@
       </p:pic>
       <p:pic>
         <p:nvPicPr>
-          <p:cNvPr id="20" name="Picture 19">
-            <a:extLst>
-              <a:ext uri="{FF2B5EF4-FFF2-40B4-BE49-F238E27FC236}">
-                <a16:creationId xmlns:a16="http://schemas.microsoft.com/office/drawing/2014/main" id="{94AFB4DF-2BEB-D477-5E35-0E9D5B383D43}"/>
+          <p:cNvPr id="17" name="Picture 16">
+            <a:extLst>
+              <a:ext uri="{FF2B5EF4-FFF2-40B4-BE49-F238E27FC236}">
+                <a16:creationId xmlns:a16="http://schemas.microsoft.com/office/drawing/2014/main" id="{D1B2616A-C3BA-5F1B-6353-7641BB60775C}"/>
               </a:ext>
             </a:extLst>
           </p:cNvPr>
@@ -7077,20 +7850,200 @@
         </p:blipFill>
         <p:spPr>
           <a:xfrm>
-            <a:off x="4710024" y="2952192"/>
-            <a:ext cx="6882236" cy="1441412"/>
+            <a:off x="838200" y="5112339"/>
+            <a:ext cx="11165546" cy="626943"/>
           </a:xfrm>
           <a:prstGeom prst="rect">
             <a:avLst/>
           </a:prstGeom>
         </p:spPr>
       </p:pic>
+      <p:sp>
+        <p:nvSpPr>
+          <p:cNvPr id="19" name="TextBox 18">
+            <a:extLst>
+              <a:ext uri="{FF2B5EF4-FFF2-40B4-BE49-F238E27FC236}">
+                <a16:creationId xmlns:a16="http://schemas.microsoft.com/office/drawing/2014/main" id="{972F1BE1-1ACB-53E0-AEE8-DFD143457FD6}"/>
+              </a:ext>
+            </a:extLst>
+          </p:cNvPr>
+          <p:cNvSpPr txBox="1"/>
+          <p:nvPr/>
+        </p:nvSpPr>
+        <p:spPr>
+          <a:xfrm>
+            <a:off x="6420973" y="5843454"/>
+            <a:ext cx="4540624" cy="646331"/>
+          </a:xfrm>
+          <a:prstGeom prst="rect">
+            <a:avLst/>
+          </a:prstGeom>
+          <a:noFill/>
+        </p:spPr>
+        <p:txBody>
+          <a:bodyPr wrap="square" rtlCol="0">
+            <a:spAutoFit/>
+          </a:bodyPr>
+          <a:lstStyle/>
+          <a:p>
+            <a:pPr marL="285750" indent="-285750">
+              <a:buFont typeface="Arial" panose="020B0604020202020204" pitchFamily="34" charset="0"/>
+              <a:buChar char="•"/>
+            </a:pPr>
+            <a:r>
+              <a:rPr lang="en-US" dirty="0"/>
+              <a:t>Multiply 200 times</a:t>
+            </a:r>
+          </a:p>
+          <a:p>
+            <a:pPr marL="285750" indent="-285750">
+              <a:buFont typeface="Arial" panose="020B0604020202020204" pitchFamily="34" charset="0"/>
+              <a:buChar char="•"/>
+            </a:pPr>
+            <a:r>
+              <a:rPr lang="en-TW" dirty="0"/>
+              <a:t>Train:Validation:Test = 3:1:1</a:t>
+            </a:r>
+          </a:p>
+        </p:txBody>
+      </p:sp>
+    </p:spTree>
+    <p:extLst>
+      <p:ext uri="{BB962C8B-B14F-4D97-AF65-F5344CB8AC3E}">
+        <p14:creationId xmlns:p14="http://schemas.microsoft.com/office/powerpoint/2010/main" val="3476769970"/>
+      </p:ext>
+    </p:extLst>
+  </p:cSld>
+  <p:clrMapOvr>
+    <a:masterClrMapping/>
+  </p:clrMapOvr>
+</p:sld>
+</file>
+
+<file path=ppt/slides/slide8.xml><?xml version="1.0" encoding="utf-8"?>
+<p:sld xmlns:a="http://schemas.openxmlformats.org/drawingml/2006/main" xmlns:r="http://schemas.openxmlformats.org/officeDocument/2006/relationships" xmlns:p="http://schemas.openxmlformats.org/presentationml/2006/main">
+  <p:cSld>
+    <p:spTree>
+      <p:nvGrpSpPr>
+        <p:cNvPr id="1" name=""/>
+        <p:cNvGrpSpPr/>
+        <p:nvPr/>
+      </p:nvGrpSpPr>
+      <p:grpSpPr>
+        <a:xfrm>
+          <a:off x="0" y="0"/>
+          <a:ext cx="0" cy="0"/>
+          <a:chOff x="0" y="0"/>
+          <a:chExt cx="0" cy="0"/>
+        </a:xfrm>
+      </p:grpSpPr>
+      <p:sp>
+        <p:nvSpPr>
+          <p:cNvPr id="2" name="Title 1">
+            <a:extLst>
+              <a:ext uri="{FF2B5EF4-FFF2-40B4-BE49-F238E27FC236}">
+                <a16:creationId xmlns:a16="http://schemas.microsoft.com/office/drawing/2014/main" id="{2B533BED-E48C-5E7F-2273-C55CCE98516B}"/>
+              </a:ext>
+            </a:extLst>
+          </p:cNvPr>
+          <p:cNvSpPr>
+            <a:spLocks noGrp="1"/>
+          </p:cNvSpPr>
+          <p:nvPr>
+            <p:ph type="title"/>
+          </p:nvPr>
+        </p:nvSpPr>
+        <p:spPr>
+          <a:xfrm>
+            <a:off x="213419" y="70553"/>
+            <a:ext cx="10515600" cy="1325563"/>
+          </a:xfrm>
+        </p:spPr>
+        <p:txBody>
+          <a:bodyPr/>
+          <a:lstStyle/>
+          <a:p>
+            <a:r>
+              <a:rPr lang="en-TW" b="1" dirty="0"/>
+              <a:t>Data Format</a:t>
+            </a:r>
+          </a:p>
+        </p:txBody>
+      </p:sp>
+      <p:sp>
+        <p:nvSpPr>
+          <p:cNvPr id="4" name="Slide Number Placeholder 3">
+            <a:extLst>
+              <a:ext uri="{FF2B5EF4-FFF2-40B4-BE49-F238E27FC236}">
+                <a16:creationId xmlns:a16="http://schemas.microsoft.com/office/drawing/2014/main" id="{5CD44B9F-7DE8-0932-BD70-B0BA453E653B}"/>
+              </a:ext>
+            </a:extLst>
+          </p:cNvPr>
+          <p:cNvSpPr>
+            <a:spLocks noGrp="1"/>
+          </p:cNvSpPr>
+          <p:nvPr>
+            <p:ph type="sldNum" sz="quarter" idx="12"/>
+          </p:nvPr>
+        </p:nvSpPr>
+        <p:spPr/>
+        <p:txBody>
+          <a:bodyPr/>
+          <a:lstStyle/>
+          <a:p>
+            <a:fld id="{DB156E10-B3DB-CB42-894C-E44038C8B0C4}" type="slidenum">
+              <a:rPr lang="en-TW" smtClean="0"/>
+              <a:t>8</a:t>
+            </a:fld>
+            <a:endParaRPr lang="en-TW"/>
+          </a:p>
+        </p:txBody>
+      </p:sp>
+      <p:sp>
+        <p:nvSpPr>
+          <p:cNvPr id="6" name="Content Placeholder 5">
+            <a:extLst>
+              <a:ext uri="{FF2B5EF4-FFF2-40B4-BE49-F238E27FC236}">
+                <a16:creationId xmlns:a16="http://schemas.microsoft.com/office/drawing/2014/main" id="{A3EAF80F-C3B6-B3B2-0641-CE0120C7D2EF}"/>
+              </a:ext>
+            </a:extLst>
+          </p:cNvPr>
+          <p:cNvSpPr>
+            <a:spLocks noGrp="1"/>
+          </p:cNvSpPr>
+          <p:nvPr>
+            <p:ph idx="1"/>
+          </p:nvPr>
+        </p:nvSpPr>
+        <p:spPr>
+          <a:xfrm>
+            <a:off x="468913" y="1253331"/>
+            <a:ext cx="10260106" cy="683045"/>
+          </a:xfrm>
+        </p:spPr>
+        <p:txBody>
+          <a:bodyPr/>
+          <a:lstStyle/>
+          <a:p>
+            <a:r>
+              <a:rPr lang="en-TW" dirty="0"/>
+              <a:t>New Version:</a:t>
+            </a:r>
+          </a:p>
+          <a:p>
+            <a:pPr marL="0" indent="0">
+              <a:buNone/>
+            </a:pPr>
+            <a:endParaRPr lang="en-TW" dirty="0"/>
+          </a:p>
+        </p:txBody>
+      </p:sp>
       <p:pic>
         <p:nvPicPr>
-          <p:cNvPr id="22" name="Picture 21">
-            <a:extLst>
-              <a:ext uri="{FF2B5EF4-FFF2-40B4-BE49-F238E27FC236}">
-                <a16:creationId xmlns:a16="http://schemas.microsoft.com/office/drawing/2014/main" id="{6EB00D04-A816-4CD2-5A20-00278FC34939}"/>
+          <p:cNvPr id="15" name="Picture 14">
+            <a:extLst>
+              <a:ext uri="{FF2B5EF4-FFF2-40B4-BE49-F238E27FC236}">
+                <a16:creationId xmlns:a16="http://schemas.microsoft.com/office/drawing/2014/main" id="{978D2A5C-B586-4B4F-FFBA-BBDD65CA375D}"/>
               </a:ext>
             </a:extLst>
           </p:cNvPr>
@@ -7100,68 +8053,281 @@
           <p:nvPr/>
         </p:nvPicPr>
         <p:blipFill>
-          <a:blip r:embed="rId6"/>
+          <a:blip r:embed="rId3"/>
           <a:stretch>
             <a:fillRect/>
           </a:stretch>
         </p:blipFill>
         <p:spPr>
           <a:xfrm>
-            <a:off x="863600" y="6479511"/>
-            <a:ext cx="5232400" cy="292100"/>
+            <a:off x="806220" y="1771957"/>
+            <a:ext cx="11165546" cy="1155056"/>
           </a:xfrm>
           <a:prstGeom prst="rect">
             <a:avLst/>
           </a:prstGeom>
         </p:spPr>
       </p:pic>
-      <p:cxnSp>
-        <p:nvCxnSpPr>
-          <p:cNvPr id="24" name="Curved Connector 23">
-            <a:extLst>
-              <a:ext uri="{FF2B5EF4-FFF2-40B4-BE49-F238E27FC236}">
-                <a16:creationId xmlns:a16="http://schemas.microsoft.com/office/drawing/2014/main" id="{B8844087-2A57-AA31-E13A-602E9DC9F089}"/>
-              </a:ext>
-            </a:extLst>
-          </p:cNvPr>
-          <p:cNvCxnSpPr>
-            <a:cxnSpLocks/>
-          </p:cNvCxnSpPr>
+      <p:sp>
+        <p:nvSpPr>
+          <p:cNvPr id="3" name="TextBox 2">
+            <a:extLst>
+              <a:ext uri="{FF2B5EF4-FFF2-40B4-BE49-F238E27FC236}">
+                <a16:creationId xmlns:a16="http://schemas.microsoft.com/office/drawing/2014/main" id="{ED474512-C61D-47D4-AE20-A16BE72BD29E}"/>
+              </a:ext>
+            </a:extLst>
+          </p:cNvPr>
+          <p:cNvSpPr txBox="1"/>
           <p:nvPr/>
-        </p:nvCxnSpPr>
+        </p:nvSpPr>
         <p:spPr>
-          <a:xfrm rot="16200000" flipH="1">
-            <a:off x="1477771" y="5532355"/>
-            <a:ext cx="828188" cy="819806"/>
+          <a:xfrm>
+            <a:off x="468913" y="3678694"/>
+            <a:ext cx="11758347" cy="2677656"/>
           </a:xfrm>
-          <a:prstGeom prst="curvedConnector3">
-            <a:avLst>
-              <a:gd name="adj1" fmla="val 50000"/>
-            </a:avLst>
+          <a:prstGeom prst="rect">
+            <a:avLst/>
           </a:prstGeom>
-          <a:ln>
-            <a:tailEnd type="triangle"/>
-          </a:ln>
+          <a:noFill/>
+        </p:spPr>
+        <p:txBody>
+          <a:bodyPr wrap="none" rtlCol="0">
+            <a:spAutoFit/>
+          </a:bodyPr>
+          <a:lstStyle/>
+          <a:p>
+            <a:pPr marL="285750" indent="-285750">
+              <a:buFont typeface="Arial" panose="020B0604020202020204" pitchFamily="34" charset="0"/>
+              <a:buChar char="•"/>
+            </a:pPr>
+            <a:r>
+              <a:rPr lang="en-US" sz="2400" dirty="0"/>
+              <a:t>Since assigning the node id as the node feature is a little bit weird</a:t>
+            </a:r>
+          </a:p>
+          <a:p>
+            <a:pPr marL="742950" lvl="1" indent="-285750">
+              <a:buFont typeface="Arial" panose="020B0604020202020204" pitchFamily="34" charset="0"/>
+              <a:buChar char="•"/>
+            </a:pPr>
+            <a:r>
+              <a:rPr lang="en-US" dirty="0"/>
+              <a:t>Map the </a:t>
+            </a:r>
+            <a:r>
+              <a:rPr lang="en-US" b="1" dirty="0"/>
+              <a:t>n</a:t>
+            </a:r>
+            <a:r>
+              <a:rPr lang="en-TW" b="1" dirty="0"/>
+              <a:t>ode_feat </a:t>
+            </a:r>
+            <a:r>
+              <a:rPr lang="en-TW" dirty="0"/>
+              <a:t>to its </a:t>
+            </a:r>
+            <a:r>
+              <a:rPr lang="en-TW" b="1" dirty="0"/>
+              <a:t>embedding</a:t>
+            </a:r>
+            <a:r>
+              <a:rPr lang="en-TW" dirty="0"/>
+              <a:t> based on the </a:t>
+            </a:r>
+            <a:r>
+              <a:rPr lang="en-US" b="1" dirty="0"/>
+              <a:t>transR_50.vec.json </a:t>
+            </a:r>
+            <a:r>
+              <a:rPr lang="en-US" dirty="0">
+                <a:sym typeface="Wingdings" pitchFamily="2" charset="2"/>
+              </a:rPr>
+              <a:t></a:t>
+            </a:r>
+            <a:r>
+              <a:rPr lang="en-US" b="1" dirty="0">
+                <a:sym typeface="Wingdings" pitchFamily="2" charset="2"/>
+              </a:rPr>
+              <a:t> </a:t>
+            </a:r>
+            <a:r>
+              <a:rPr lang="en-US" dirty="0">
+                <a:sym typeface="Wingdings" pitchFamily="2" charset="2"/>
+              </a:rPr>
+              <a:t>node id correspond to a vector of </a:t>
+            </a:r>
+            <a:r>
+              <a:rPr lang="en-US" b="1" dirty="0">
+                <a:sym typeface="Wingdings" pitchFamily="2" charset="2"/>
+              </a:rPr>
+              <a:t>50-dim</a:t>
+            </a:r>
+            <a:endParaRPr lang="en-US" sz="2400" b="1" dirty="0">
+              <a:sym typeface="Wingdings" pitchFamily="2" charset="2"/>
+            </a:endParaRPr>
+          </a:p>
+          <a:p>
+            <a:pPr marL="285750" indent="-285750">
+              <a:buFont typeface="Arial" panose="020B0604020202020204" pitchFamily="34" charset="0"/>
+              <a:buChar char="•"/>
+            </a:pPr>
+            <a:endParaRPr lang="en-US" sz="2400" dirty="0"/>
+          </a:p>
+          <a:p>
+            <a:pPr marL="285750" indent="-285750">
+              <a:buFont typeface="Arial" panose="020B0604020202020204" pitchFamily="34" charset="0"/>
+              <a:buChar char="•"/>
+            </a:pPr>
+            <a:r>
+              <a:rPr lang="en-US" sz="2400" dirty="0"/>
+              <a:t>We have the maps record the:</a:t>
+            </a:r>
+          </a:p>
+          <a:p>
+            <a:pPr marL="914400" lvl="1" indent="-457200">
+              <a:buAutoNum type="arabicPeriod"/>
+            </a:pPr>
+            <a:r>
+              <a:rPr lang="en-US" b="1" dirty="0"/>
+              <a:t>label</a:t>
+            </a:r>
+            <a:r>
+              <a:rPr lang="en-US" dirty="0"/>
+              <a:t> to original </a:t>
+            </a:r>
+            <a:r>
+              <a:rPr lang="en-US" b="1" dirty="0"/>
+              <a:t>name</a:t>
+            </a:r>
+            <a:r>
+              <a:rPr lang="en-US" dirty="0"/>
+              <a:t> of AP</a:t>
+            </a:r>
+          </a:p>
+          <a:p>
+            <a:pPr marL="914400" lvl="1" indent="-457200">
+              <a:buAutoNum type="arabicPeriod"/>
+            </a:pPr>
+            <a:r>
+              <a:rPr lang="en-US" b="1" dirty="0"/>
+              <a:t>Real node</a:t>
+            </a:r>
+            <a:r>
+              <a:rPr lang="en-US" dirty="0"/>
+              <a:t> </a:t>
+            </a:r>
+            <a:r>
+              <a:rPr lang="en-US" b="1" dirty="0"/>
+              <a:t>id</a:t>
+            </a:r>
+            <a:r>
+              <a:rPr lang="en-US" dirty="0"/>
+              <a:t> to the </a:t>
+            </a:r>
+            <a:r>
+              <a:rPr lang="en-US" b="1" dirty="0"/>
+              <a:t>DGL</a:t>
+            </a:r>
+            <a:r>
+              <a:rPr lang="en-US" dirty="0"/>
+              <a:t> (Deep Graph Library) node id</a:t>
+            </a:r>
+          </a:p>
+          <a:p>
+            <a:pPr lvl="1"/>
+            <a:endParaRPr lang="en-US" dirty="0"/>
+          </a:p>
+          <a:p>
+            <a:pPr marL="742950" lvl="1" indent="-285750">
+              <a:buFont typeface="Arial" panose="020B0604020202020204" pitchFamily="34" charset="0"/>
+              <a:buChar char="•"/>
+            </a:pPr>
+            <a:endParaRPr lang="en-US" sz="2400" dirty="0">
+              <a:sym typeface="Wingdings" pitchFamily="2" charset="2"/>
+            </a:endParaRPr>
+          </a:p>
+        </p:txBody>
+      </p:sp>
+      <p:pic>
+        <p:nvPicPr>
+          <p:cNvPr id="5" name="Content Placeholder 15">
+            <a:extLst>
+              <a:ext uri="{FF2B5EF4-FFF2-40B4-BE49-F238E27FC236}">
+                <a16:creationId xmlns:a16="http://schemas.microsoft.com/office/drawing/2014/main" id="{0DDAD47B-8858-3345-48AC-298C2D284182}"/>
+              </a:ext>
+            </a:extLst>
+          </p:cNvPr>
+          <p:cNvPicPr>
+            <a:picLocks noChangeAspect="1"/>
+          </p:cNvPicPr>
+          <p:nvPr/>
+        </p:nvPicPr>
+        <p:blipFill>
+          <a:blip r:embed="rId4"/>
+          <a:stretch>
+            <a:fillRect/>
+          </a:stretch>
+        </p:blipFill>
+        <p:spPr>
+          <a:xfrm>
+            <a:off x="7372524" y="5017522"/>
+            <a:ext cx="4599242" cy="925135"/>
+          </a:xfrm>
+          <a:prstGeom prst="rect">
+            <a:avLst/>
+          </a:prstGeom>
+        </p:spPr>
+      </p:pic>
+      <p:sp>
+        <p:nvSpPr>
+          <p:cNvPr id="10" name="Down Arrow 9">
+            <a:extLst>
+              <a:ext uri="{FF2B5EF4-FFF2-40B4-BE49-F238E27FC236}">
+                <a16:creationId xmlns:a16="http://schemas.microsoft.com/office/drawing/2014/main" id="{6B42BFCC-067E-EC71-DC09-F2B602487D40}"/>
+              </a:ext>
+            </a:extLst>
+          </p:cNvPr>
+          <p:cNvSpPr/>
+          <p:nvPr/>
+        </p:nvSpPr>
+        <p:spPr>
+          <a:xfrm>
+            <a:off x="9672145" y="4443001"/>
+            <a:ext cx="508175" cy="452660"/>
+          </a:xfrm>
+          <a:prstGeom prst="downArrow">
+            <a:avLst/>
+          </a:prstGeom>
         </p:spPr>
         <p:style>
           <a:lnRef idx="2">
-            <a:schemeClr val="dk1"/>
+            <a:schemeClr val="dk1">
+              <a:shade val="15000"/>
+            </a:schemeClr>
           </a:lnRef>
-          <a:fillRef idx="0">
+          <a:fillRef idx="1">
             <a:schemeClr val="dk1"/>
           </a:fillRef>
-          <a:effectRef idx="1">
+          <a:effectRef idx="0">
             <a:schemeClr val="dk1"/>
           </a:effectRef>
           <a:fontRef idx="minor">
-            <a:schemeClr val="tx1"/>
+            <a:schemeClr val="lt1"/>
           </a:fontRef>
         </p:style>
-      </p:cxnSp>
+        <p:txBody>
+          <a:bodyPr rtlCol="0" anchor="ctr"/>
+          <a:lstStyle/>
+          <a:p>
+            <a:pPr algn="ctr"/>
+            <a:endParaRPr lang="en-TW"/>
+          </a:p>
+        </p:txBody>
+      </p:sp>
     </p:spTree>
     <p:extLst>
       <p:ext uri="{BB962C8B-B14F-4D97-AF65-F5344CB8AC3E}">
-        <p14:creationId xmlns:p14="http://schemas.microsoft.com/office/powerpoint/2010/main" val="3476769970"/>
+        <p14:creationId xmlns:p14="http://schemas.microsoft.com/office/powerpoint/2010/main" val="2509397797"/>
       </p:ext>
     </p:extLst>
   </p:cSld>
@@ -7189,7 +8355,7 @@
                             </p:stCondLst>
                             <p:childTnLst>
                               <p:par>
-                                <p:cTn id="5" presetID="1" presetClass="entr" presetSubtype="0" fill="hold" nodeType="clickEffect">
+                                <p:cTn id="5" presetID="1" presetClass="entr" presetSubtype="0" fill="hold" grpId="0" nodeType="clickEffect">
                                   <p:stCondLst>
                                     <p:cond delay="0"/>
                                   </p:stCondLst>
@@ -7202,7 +8368,7 @@
                                           </p:stCondLst>
                                         </p:cTn>
                                         <p:tgtEl>
-                                          <p:spTgt spid="24"/>
+                                          <p:spTgt spid="10"/>
                                         </p:tgtEl>
                                         <p:attrNameLst>
                                           <p:attrName>style.visibility</p:attrName>
@@ -7247,7 +8413,7 @@
                                           </p:stCondLst>
                                         </p:cTn>
                                         <p:tgtEl>
-                                          <p:spTgt spid="22"/>
+                                          <p:spTgt spid="5"/>
                                         </p:tgtEl>
                                         <p:attrNameLst>
                                           <p:attrName>style.visibility</p:attrName>
@@ -7287,500 +8453,10 @@
         </p:cTn>
       </p:par>
     </p:tnLst>
+    <p:bldLst>
+      <p:bldP spid="10" grpId="0" animBg="1"/>
+    </p:bldLst>
   </p:timing>
-</p:sld>
-</file>
-
-<file path=ppt/slides/slide8.xml><?xml version="1.0" encoding="utf-8"?>
-<p:sld xmlns:a="http://schemas.openxmlformats.org/drawingml/2006/main" xmlns:r="http://schemas.openxmlformats.org/officeDocument/2006/relationships" xmlns:p="http://schemas.openxmlformats.org/presentationml/2006/main">
-  <p:cSld>
-    <p:spTree>
-      <p:nvGrpSpPr>
-        <p:cNvPr id="1" name=""/>
-        <p:cNvGrpSpPr/>
-        <p:nvPr/>
-      </p:nvGrpSpPr>
-      <p:grpSpPr>
-        <a:xfrm>
-          <a:off x="0" y="0"/>
-          <a:ext cx="0" cy="0"/>
-          <a:chOff x="0" y="0"/>
-          <a:chExt cx="0" cy="0"/>
-        </a:xfrm>
-      </p:grpSpPr>
-      <p:sp>
-        <p:nvSpPr>
-          <p:cNvPr id="2" name="Title 1">
-            <a:extLst>
-              <a:ext uri="{FF2B5EF4-FFF2-40B4-BE49-F238E27FC236}">
-                <a16:creationId xmlns:a16="http://schemas.microsoft.com/office/drawing/2014/main" id="{2B533BED-E48C-5E7F-2273-C55CCE98516B}"/>
-              </a:ext>
-            </a:extLst>
-          </p:cNvPr>
-          <p:cNvSpPr>
-            <a:spLocks noGrp="1"/>
-          </p:cNvSpPr>
-          <p:nvPr>
-            <p:ph type="title"/>
-          </p:nvPr>
-        </p:nvSpPr>
-        <p:spPr>
-          <a:xfrm>
-            <a:off x="538480" y="81290"/>
-            <a:ext cx="10515600" cy="1325563"/>
-          </a:xfrm>
-        </p:spPr>
-        <p:txBody>
-          <a:bodyPr/>
-          <a:lstStyle/>
-          <a:p>
-            <a:r>
-              <a:rPr lang="en-TW" b="1" dirty="0"/>
-              <a:t>Data Format</a:t>
-            </a:r>
-          </a:p>
-        </p:txBody>
-      </p:sp>
-      <p:sp>
-        <p:nvSpPr>
-          <p:cNvPr id="3" name="Content Placeholder 2">
-            <a:extLst>
-              <a:ext uri="{FF2B5EF4-FFF2-40B4-BE49-F238E27FC236}">
-                <a16:creationId xmlns:a16="http://schemas.microsoft.com/office/drawing/2014/main" id="{25B0A74B-6281-327F-44E6-1E41A778AF7E}"/>
-              </a:ext>
-            </a:extLst>
-          </p:cNvPr>
-          <p:cNvSpPr>
-            <a:spLocks noGrp="1"/>
-          </p:cNvSpPr>
-          <p:nvPr>
-            <p:ph idx="1"/>
-          </p:nvPr>
-        </p:nvSpPr>
-        <p:spPr>
-          <a:xfrm>
-            <a:off x="514369" y="1406853"/>
-            <a:ext cx="3494258" cy="2555442"/>
-          </a:xfrm>
-        </p:spPr>
-        <p:txBody>
-          <a:bodyPr>
-            <a:normAutofit/>
-          </a:bodyPr>
-          <a:lstStyle/>
-          <a:p>
-            <a:r>
-              <a:rPr lang="en-TW" dirty="0"/>
-              <a:t>My data after preprocessing:</a:t>
-            </a:r>
-          </a:p>
-        </p:txBody>
-      </p:sp>
-      <p:sp>
-        <p:nvSpPr>
-          <p:cNvPr id="4" name="Slide Number Placeholder 3">
-            <a:extLst>
-              <a:ext uri="{FF2B5EF4-FFF2-40B4-BE49-F238E27FC236}">
-                <a16:creationId xmlns:a16="http://schemas.microsoft.com/office/drawing/2014/main" id="{5CD44B9F-7DE8-0932-BD70-B0BA453E653B}"/>
-              </a:ext>
-            </a:extLst>
-          </p:cNvPr>
-          <p:cNvSpPr>
-            <a:spLocks noGrp="1"/>
-          </p:cNvSpPr>
-          <p:nvPr>
-            <p:ph type="sldNum" sz="quarter" idx="12"/>
-          </p:nvPr>
-        </p:nvSpPr>
-        <p:spPr/>
-        <p:txBody>
-          <a:bodyPr/>
-          <a:lstStyle/>
-          <a:p>
-            <a:fld id="{DB156E10-B3DB-CB42-894C-E44038C8B0C4}" type="slidenum">
-              <a:rPr lang="en-TW" smtClean="0"/>
-              <a:t>8</a:t>
-            </a:fld>
-            <a:endParaRPr lang="en-TW"/>
-          </a:p>
-        </p:txBody>
-      </p:sp>
-      <p:pic>
-        <p:nvPicPr>
-          <p:cNvPr id="7" name="Picture 6">
-            <a:extLst>
-              <a:ext uri="{FF2B5EF4-FFF2-40B4-BE49-F238E27FC236}">
-                <a16:creationId xmlns:a16="http://schemas.microsoft.com/office/drawing/2014/main" id="{C239E374-F459-92D9-A0B2-3EDAD3EC7A67}"/>
-              </a:ext>
-            </a:extLst>
-          </p:cNvPr>
-          <p:cNvPicPr>
-            <a:picLocks noChangeAspect="1"/>
-          </p:cNvPicPr>
-          <p:nvPr/>
-        </p:nvPicPr>
-        <p:blipFill rotWithShape="1">
-          <a:blip r:embed="rId3"/>
-          <a:srcRect l="48218" b="1283"/>
-          <a:stretch/>
-        </p:blipFill>
-        <p:spPr>
-          <a:xfrm>
-            <a:off x="4163642" y="3221681"/>
-            <a:ext cx="7527355" cy="2768260"/>
-          </a:xfrm>
-          <a:prstGeom prst="rect">
-            <a:avLst/>
-          </a:prstGeom>
-        </p:spPr>
-      </p:pic>
-      <p:pic>
-        <p:nvPicPr>
-          <p:cNvPr id="9" name="Picture 8">
-            <a:extLst>
-              <a:ext uri="{FF2B5EF4-FFF2-40B4-BE49-F238E27FC236}">
-                <a16:creationId xmlns:a16="http://schemas.microsoft.com/office/drawing/2014/main" id="{9D8B60DB-0F8E-607F-701F-B5AB94F96BA2}"/>
-              </a:ext>
-            </a:extLst>
-          </p:cNvPr>
-          <p:cNvPicPr>
-            <a:picLocks noChangeAspect="1"/>
-          </p:cNvPicPr>
-          <p:nvPr/>
-        </p:nvPicPr>
-        <p:blipFill rotWithShape="1">
-          <a:blip r:embed="rId3"/>
-          <a:srcRect r="51782" b="1283"/>
-          <a:stretch/>
-        </p:blipFill>
-        <p:spPr>
-          <a:xfrm>
-            <a:off x="4163642" y="254129"/>
-            <a:ext cx="7513989" cy="2967552"/>
-          </a:xfrm>
-          <a:prstGeom prst="rect">
-            <a:avLst/>
-          </a:prstGeom>
-        </p:spPr>
-      </p:pic>
-      <p:sp>
-        <p:nvSpPr>
-          <p:cNvPr id="12" name="TextBox 11">
-            <a:extLst>
-              <a:ext uri="{FF2B5EF4-FFF2-40B4-BE49-F238E27FC236}">
-                <a16:creationId xmlns:a16="http://schemas.microsoft.com/office/drawing/2014/main" id="{17C24645-3F3A-0594-A6DD-B86F3AEEA8BA}"/>
-              </a:ext>
-            </a:extLst>
-          </p:cNvPr>
-          <p:cNvSpPr txBox="1"/>
-          <p:nvPr/>
-        </p:nvSpPr>
-        <p:spPr>
-          <a:xfrm>
-            <a:off x="641181" y="5998762"/>
-            <a:ext cx="10836116" cy="861774"/>
-          </a:xfrm>
-          <a:prstGeom prst="rect">
-            <a:avLst/>
-          </a:prstGeom>
-          <a:noFill/>
-        </p:spPr>
-        <p:txBody>
-          <a:bodyPr wrap="square" rtlCol="0">
-            <a:spAutoFit/>
-          </a:bodyPr>
-          <a:lstStyle/>
-          <a:p>
-            <a:r>
-              <a:rPr lang="en-US" sz="1000" b="0" i="0" dirty="0">
-                <a:solidFill>
-                  <a:srgbClr val="FF0000"/>
-                </a:solidFill>
-                <a:effectLst/>
-                <a:latin typeface="Menlo" panose="020B0609030804020204" pitchFamily="49" charset="0"/>
-              </a:rPr>
-              <a:t>File "/</a:t>
-            </a:r>
-            <a:r>
-              <a:rPr lang="en-US" sz="1000" b="0" i="0" dirty="0" err="1">
-                <a:solidFill>
-                  <a:srgbClr val="FF0000"/>
-                </a:solidFill>
-                <a:effectLst/>
-                <a:latin typeface="Menlo" panose="020B0609030804020204" pitchFamily="49" charset="0"/>
-              </a:rPr>
-              <a:t>workdir</a:t>
-            </a:r>
-            <a:r>
-              <a:rPr lang="en-US" sz="1000" b="0" i="0" dirty="0">
-                <a:solidFill>
-                  <a:srgbClr val="FF0000"/>
-                </a:solidFill>
-                <a:effectLst/>
-                <a:latin typeface="Menlo" panose="020B0609030804020204" pitchFamily="49" charset="0"/>
-              </a:rPr>
-              <a:t>/home/</a:t>
-            </a:r>
-            <a:r>
-              <a:rPr lang="en-US" sz="1000" b="0" i="0" dirty="0" err="1">
-                <a:solidFill>
-                  <a:srgbClr val="FF0000"/>
-                </a:solidFill>
-                <a:effectLst/>
-                <a:latin typeface="Menlo" panose="020B0609030804020204" pitchFamily="49" charset="0"/>
-              </a:rPr>
-              <a:t>euni</a:t>
-            </a:r>
-            <a:r>
-              <a:rPr lang="en-US" sz="1000" b="0" i="0" dirty="0">
-                <a:solidFill>
-                  <a:srgbClr val="FF0000"/>
-                </a:solidFill>
-                <a:effectLst/>
-                <a:latin typeface="Menlo" panose="020B0609030804020204" pitchFamily="49" charset="0"/>
-              </a:rPr>
-              <a:t>/anaconda3/lib/python3.9/site-packages/transformers/models/</a:t>
-            </a:r>
-            <a:r>
-              <a:rPr lang="en-US" sz="1000" b="0" i="0" dirty="0" err="1">
-                <a:solidFill>
-                  <a:srgbClr val="FF0000"/>
-                </a:solidFill>
-                <a:effectLst/>
-                <a:latin typeface="Menlo" panose="020B0609030804020204" pitchFamily="49" charset="0"/>
-              </a:rPr>
-              <a:t>graphormer</a:t>
-            </a:r>
-            <a:r>
-              <a:rPr lang="en-US" sz="1000" b="0" i="0" dirty="0">
-                <a:solidFill>
-                  <a:srgbClr val="FF0000"/>
-                </a:solidFill>
-                <a:effectLst/>
-                <a:latin typeface="Menlo" panose="020B0609030804020204" pitchFamily="49" charset="0"/>
-              </a:rPr>
-              <a:t>/</a:t>
-            </a:r>
-            <a:r>
-              <a:rPr lang="en-US" sz="1000" b="0" i="0" dirty="0" err="1">
-                <a:solidFill>
-                  <a:srgbClr val="FF0000"/>
-                </a:solidFill>
-                <a:effectLst/>
-                <a:latin typeface="Menlo" panose="020B0609030804020204" pitchFamily="49" charset="0"/>
-              </a:rPr>
-              <a:t>collating_graphormer.py</a:t>
-            </a:r>
-            <a:r>
-              <a:rPr lang="en-US" sz="1000" b="0" i="0" dirty="0">
-                <a:solidFill>
-                  <a:srgbClr val="FF0000"/>
-                </a:solidFill>
-                <a:effectLst/>
-                <a:latin typeface="Menlo" panose="020B0609030804020204" pitchFamily="49" charset="0"/>
-              </a:rPr>
-              <a:t>",</a:t>
-            </a:r>
-          </a:p>
-          <a:p>
-            <a:r>
-              <a:rPr lang="en-US" sz="1000" b="0" i="0" dirty="0">
-                <a:solidFill>
-                  <a:srgbClr val="FF0000"/>
-                </a:solidFill>
-                <a:effectLst/>
-                <a:latin typeface="Menlo" panose="020B0609030804020204" pitchFamily="49" charset="0"/>
-              </a:rPr>
-              <a:t>line 112, in __call__ batch["</a:t>
-            </a:r>
-            <a:r>
-              <a:rPr lang="en-US" sz="1000" b="0" i="0" dirty="0" err="1">
-                <a:solidFill>
-                  <a:srgbClr val="FF0000"/>
-                </a:solidFill>
-                <a:effectLst/>
-                <a:latin typeface="Menlo" panose="020B0609030804020204" pitchFamily="49" charset="0"/>
-              </a:rPr>
-              <a:t>attn_bias</a:t>
-            </a:r>
-            <a:r>
-              <a:rPr lang="en-US" sz="1000" b="0" i="0" dirty="0">
-                <a:solidFill>
-                  <a:srgbClr val="FF0000"/>
-                </a:solidFill>
-                <a:effectLst/>
-                <a:latin typeface="Menlo" panose="020B0609030804020204" pitchFamily="49" charset="0"/>
-              </a:rPr>
-              <a:t>"][ix, : f["</a:t>
-            </a:r>
-            <a:r>
-              <a:rPr lang="en-US" sz="1000" b="0" i="0" dirty="0" err="1">
-                <a:solidFill>
-                  <a:srgbClr val="FF0000"/>
-                </a:solidFill>
-                <a:effectLst/>
-                <a:latin typeface="Menlo" panose="020B0609030804020204" pitchFamily="49" charset="0"/>
-              </a:rPr>
-              <a:t>attn_bias</a:t>
-            </a:r>
-            <a:r>
-              <a:rPr lang="en-US" sz="1000" b="0" i="0" dirty="0">
-                <a:solidFill>
-                  <a:srgbClr val="FF0000"/>
-                </a:solidFill>
-                <a:effectLst/>
-                <a:latin typeface="Menlo" panose="020B0609030804020204" pitchFamily="49" charset="0"/>
-              </a:rPr>
-              <a:t>"].shape[0], : f["</a:t>
-            </a:r>
-            <a:r>
-              <a:rPr lang="en-US" sz="1000" b="0" i="0" dirty="0" err="1">
-                <a:solidFill>
-                  <a:srgbClr val="FF0000"/>
-                </a:solidFill>
-                <a:effectLst/>
-                <a:latin typeface="Menlo" panose="020B0609030804020204" pitchFamily="49" charset="0"/>
-              </a:rPr>
-              <a:t>attn_bias</a:t>
-            </a:r>
-            <a:r>
-              <a:rPr lang="en-US" sz="1000" b="0" i="0" dirty="0">
-                <a:solidFill>
-                  <a:srgbClr val="FF0000"/>
-                </a:solidFill>
-                <a:effectLst/>
-                <a:latin typeface="Menlo" panose="020B0609030804020204" pitchFamily="49" charset="0"/>
-              </a:rPr>
-              <a:t>"].shape[1]] = f["</a:t>
-            </a:r>
-            <a:r>
-              <a:rPr lang="en-US" sz="1000" b="0" i="0" dirty="0" err="1">
-                <a:solidFill>
-                  <a:srgbClr val="FF0000"/>
-                </a:solidFill>
-                <a:effectLst/>
-                <a:latin typeface="Menlo" panose="020B0609030804020204" pitchFamily="49" charset="0"/>
-              </a:rPr>
-              <a:t>attn_bias</a:t>
-            </a:r>
-            <a:r>
-              <a:rPr lang="en-US" sz="1000" b="0" i="0" dirty="0">
-                <a:solidFill>
-                  <a:srgbClr val="FF0000"/>
-                </a:solidFill>
-                <a:effectLst/>
-                <a:latin typeface="Menlo" panose="020B0609030804020204" pitchFamily="49" charset="0"/>
-              </a:rPr>
-              <a:t>"] </a:t>
-            </a:r>
-          </a:p>
-          <a:p>
-            <a:r>
-              <a:rPr lang="en-US" sz="1000" b="0" i="0" dirty="0" err="1">
-                <a:solidFill>
-                  <a:srgbClr val="FF0000"/>
-                </a:solidFill>
-                <a:effectLst/>
-                <a:latin typeface="Menlo" panose="020B0609030804020204" pitchFamily="49" charset="0"/>
-              </a:rPr>
-              <a:t>RuntimeError</a:t>
-            </a:r>
-            <a:r>
-              <a:rPr lang="en-US" sz="1000" b="0" i="0" dirty="0">
-                <a:solidFill>
-                  <a:srgbClr val="FF0000"/>
-                </a:solidFill>
-                <a:effectLst/>
-                <a:latin typeface="Menlo" panose="020B0609030804020204" pitchFamily="49" charset="0"/>
-              </a:rPr>
-              <a:t>: The expanded size of the tensor (2) must match the existing size (4) at non-singleton dimension 1.</a:t>
-            </a:r>
-          </a:p>
-          <a:p>
-            <a:r>
-              <a:rPr lang="en-US" sz="1000" b="1" i="0" dirty="0">
-                <a:solidFill>
-                  <a:srgbClr val="FF0000"/>
-                </a:solidFill>
-                <a:effectLst/>
-                <a:latin typeface="Menlo" panose="020B0609030804020204" pitchFamily="49" charset="0"/>
-              </a:rPr>
-              <a:t>Target sizes: [2, 2]. Tensor sizes: [4, 4]</a:t>
-            </a:r>
-            <a:r>
-              <a:rPr lang="en-US" sz="1000" b="0" i="0" dirty="0">
-                <a:solidFill>
-                  <a:srgbClr val="FF0000"/>
-                </a:solidFill>
-                <a:effectLst/>
-                <a:latin typeface="Menlo" panose="020B0609030804020204" pitchFamily="49" charset="0"/>
-              </a:rPr>
-              <a:t> </a:t>
-            </a:r>
-            <a:br>
-              <a:rPr lang="en-US" sz="1000" dirty="0">
-                <a:solidFill>
-                  <a:srgbClr val="FF0000"/>
-                </a:solidFill>
-              </a:rPr>
-            </a:br>
-            <a:endParaRPr lang="en-TW" sz="1000" dirty="0">
-              <a:solidFill>
-                <a:srgbClr val="FF0000"/>
-              </a:solidFill>
-            </a:endParaRPr>
-          </a:p>
-        </p:txBody>
-      </p:sp>
-      <p:sp>
-        <p:nvSpPr>
-          <p:cNvPr id="13" name="TextBox 12">
-            <a:extLst>
-              <a:ext uri="{FF2B5EF4-FFF2-40B4-BE49-F238E27FC236}">
-                <a16:creationId xmlns:a16="http://schemas.microsoft.com/office/drawing/2014/main" id="{80757BF6-108A-2AC7-16E6-4F39E91C30B3}"/>
-              </a:ext>
-            </a:extLst>
-          </p:cNvPr>
-          <p:cNvSpPr txBox="1"/>
-          <p:nvPr/>
-        </p:nvSpPr>
-        <p:spPr>
-          <a:xfrm>
-            <a:off x="641181" y="5615165"/>
-            <a:ext cx="2166170" cy="369332"/>
-          </a:xfrm>
-          <a:prstGeom prst="rect">
-            <a:avLst/>
-          </a:prstGeom>
-          <a:noFill/>
-        </p:spPr>
-        <p:txBody>
-          <a:bodyPr wrap="none" rtlCol="0">
-            <a:spAutoFit/>
-          </a:bodyPr>
-          <a:lstStyle/>
-          <a:p>
-            <a:r>
-              <a:rPr lang="en-TW" dirty="0">
-                <a:solidFill>
-                  <a:srgbClr val="FF0000"/>
-                </a:solidFill>
-              </a:rPr>
-              <a:t>There’s no error here</a:t>
-            </a:r>
-          </a:p>
-        </p:txBody>
-      </p:sp>
-    </p:spTree>
-    <p:extLst>
-      <p:ext uri="{BB962C8B-B14F-4D97-AF65-F5344CB8AC3E}">
-        <p14:creationId xmlns:p14="http://schemas.microsoft.com/office/powerpoint/2010/main" val="1736761719"/>
-      </p:ext>
-    </p:extLst>
-  </p:cSld>
-  <p:clrMapOvr>
-    <a:masterClrMapping/>
-  </p:clrMapOvr>
 </p:sld>
 </file>
 
@@ -7819,7 +8495,7 @@
         </p:nvSpPr>
         <p:spPr>
           <a:xfrm>
-            <a:off x="418925" y="62284"/>
+            <a:off x="363668" y="89416"/>
             <a:ext cx="10515600" cy="1325563"/>
           </a:xfrm>
         </p:spPr>
@@ -7829,7 +8505,7 @@
           <a:p>
             <a:r>
               <a:rPr lang="en-TW" b="1" dirty="0"/>
-              <a:t>Training Code</a:t>
+              <a:t>Graph Convolutional Network - GCN</a:t>
             </a:r>
           </a:p>
         </p:txBody>
@@ -7865,40 +8541,187 @@
       </p:sp>
       <p:pic>
         <p:nvPicPr>
-          <p:cNvPr id="10" name="Picture 9">
-            <a:extLst>
-              <a:ext uri="{FF2B5EF4-FFF2-40B4-BE49-F238E27FC236}">
-                <a16:creationId xmlns:a16="http://schemas.microsoft.com/office/drawing/2014/main" id="{C6F43FE8-74AC-A689-DE60-CBA1C5CE2E9B}"/>
+          <p:cNvPr id="10" name="Content Placeholder 9">
+            <a:extLst>
+              <a:ext uri="{FF2B5EF4-FFF2-40B4-BE49-F238E27FC236}">
+                <a16:creationId xmlns:a16="http://schemas.microsoft.com/office/drawing/2014/main" id="{2E075D65-603F-E7BD-FF0A-E28275FB4462}"/>
               </a:ext>
             </a:extLst>
           </p:cNvPr>
           <p:cNvPicPr>
-            <a:picLocks noChangeAspect="1"/>
+            <a:picLocks noGrp="1" noChangeAspect="1"/>
           </p:cNvPicPr>
-          <p:nvPr/>
+          <p:nvPr>
+            <p:ph idx="1"/>
+          </p:nvPr>
         </p:nvPicPr>
-        <p:blipFill>
+        <p:blipFill rotWithShape="1">
           <a:blip r:embed="rId3"/>
-          <a:stretch>
-            <a:fillRect/>
-          </a:stretch>
+          <a:srcRect t="28717" r="-802"/>
+          <a:stretch/>
         </p:blipFill>
         <p:spPr>
           <a:xfrm>
-            <a:off x="418925" y="1262516"/>
-            <a:ext cx="6413500" cy="393700"/>
+            <a:off x="6390975" y="2904613"/>
+            <a:ext cx="4642785" cy="1812843"/>
+          </a:xfrm>
+        </p:spPr>
+      </p:pic>
+      <p:sp>
+        <p:nvSpPr>
+          <p:cNvPr id="15" name="TextBox 14">
+            <a:extLst>
+              <a:ext uri="{FF2B5EF4-FFF2-40B4-BE49-F238E27FC236}">
+                <a16:creationId xmlns:a16="http://schemas.microsoft.com/office/drawing/2014/main" id="{6FD493DF-B104-2035-8CD7-9859B3500D0C}"/>
+              </a:ext>
+            </a:extLst>
+          </p:cNvPr>
+          <p:cNvSpPr txBox="1"/>
+          <p:nvPr/>
+        </p:nvSpPr>
+        <p:spPr>
+          <a:xfrm>
+            <a:off x="709757" y="1377750"/>
+            <a:ext cx="856325" cy="369332"/>
           </a:xfrm>
           <a:prstGeom prst="rect">
             <a:avLst/>
           </a:prstGeom>
+          <a:noFill/>
         </p:spPr>
-      </p:pic>
+        <p:txBody>
+          <a:bodyPr wrap="none" rtlCol="0">
+            <a:spAutoFit/>
+          </a:bodyPr>
+          <a:lstStyle/>
+          <a:p>
+            <a:r>
+              <a:rPr lang="en-TW" dirty="0"/>
+              <a:t>Model:</a:t>
+            </a:r>
+          </a:p>
+        </p:txBody>
+      </p:sp>
+      <p:sp>
+        <p:nvSpPr>
+          <p:cNvPr id="16" name="TextBox 15">
+            <a:extLst>
+              <a:ext uri="{FF2B5EF4-FFF2-40B4-BE49-F238E27FC236}">
+                <a16:creationId xmlns:a16="http://schemas.microsoft.com/office/drawing/2014/main" id="{CC1A12C0-2602-E5B4-8576-C720FB9E8447}"/>
+              </a:ext>
+            </a:extLst>
+          </p:cNvPr>
+          <p:cNvSpPr txBox="1"/>
+          <p:nvPr/>
+        </p:nvSpPr>
+        <p:spPr>
+          <a:xfrm>
+            <a:off x="6283399" y="1342175"/>
+            <a:ext cx="825034" cy="369332"/>
+          </a:xfrm>
+          <a:prstGeom prst="rect">
+            <a:avLst/>
+          </a:prstGeom>
+          <a:noFill/>
+        </p:spPr>
+        <p:txBody>
+          <a:bodyPr wrap="none" rtlCol="0">
+            <a:spAutoFit/>
+          </a:bodyPr>
+          <a:lstStyle/>
+          <a:p>
+            <a:r>
+              <a:rPr lang="en-TW" dirty="0"/>
+              <a:t>Result:</a:t>
+            </a:r>
+          </a:p>
+        </p:txBody>
+      </p:sp>
+      <p:sp>
+        <p:nvSpPr>
+          <p:cNvPr id="17" name="TextBox 16">
+            <a:extLst>
+              <a:ext uri="{FF2B5EF4-FFF2-40B4-BE49-F238E27FC236}">
+                <a16:creationId xmlns:a16="http://schemas.microsoft.com/office/drawing/2014/main" id="{70D95ADF-1DB1-CF1A-7B38-B4DED6AA3FE2}"/>
+              </a:ext>
+            </a:extLst>
+          </p:cNvPr>
+          <p:cNvSpPr txBox="1"/>
+          <p:nvPr/>
+        </p:nvSpPr>
+        <p:spPr>
+          <a:xfrm>
+            <a:off x="787680" y="4481862"/>
+            <a:ext cx="3646768" cy="923330"/>
+          </a:xfrm>
+          <a:prstGeom prst="rect">
+            <a:avLst/>
+          </a:prstGeom>
+          <a:noFill/>
+        </p:spPr>
+        <p:txBody>
+          <a:bodyPr wrap="none" rtlCol="0">
+            <a:spAutoFit/>
+          </a:bodyPr>
+          <a:lstStyle/>
+          <a:p>
+            <a:pPr marL="285750" indent="-285750">
+              <a:buFont typeface="Arial" panose="020B0604020202020204" pitchFamily="34" charset="0"/>
+              <a:buChar char="•"/>
+            </a:pPr>
+            <a:r>
+              <a:rPr lang="en-TW" dirty="0"/>
+              <a:t>Use the </a:t>
+            </a:r>
+            <a:r>
+              <a:rPr lang="en-TW" b="1" dirty="0"/>
+              <a:t>old</a:t>
+            </a:r>
+            <a:r>
+              <a:rPr lang="en-TW" dirty="0"/>
+              <a:t> verison of the dataset</a:t>
+            </a:r>
+          </a:p>
+          <a:p>
+            <a:pPr marL="285750" indent="-285750">
+              <a:buFont typeface="Arial" panose="020B0604020202020204" pitchFamily="34" charset="0"/>
+              <a:buChar char="•"/>
+            </a:pPr>
+            <a:r>
+              <a:rPr lang="en-TW" dirty="0"/>
+              <a:t>Use </a:t>
+            </a:r>
+            <a:r>
+              <a:rPr lang="en-TW" b="1" dirty="0"/>
+              <a:t>DGL</a:t>
+            </a:r>
+            <a:r>
+              <a:rPr lang="en-TW" dirty="0"/>
+              <a:t> to be our library</a:t>
+            </a:r>
+          </a:p>
+          <a:p>
+            <a:pPr marL="285750" indent="-285750">
+              <a:buFont typeface="Arial" panose="020B0604020202020204" pitchFamily="34" charset="0"/>
+              <a:buChar char="•"/>
+            </a:pPr>
+            <a:r>
+              <a:rPr lang="en-US" dirty="0"/>
+              <a:t>DGL d</a:t>
+            </a:r>
+            <a:r>
+              <a:rPr lang="en-TW" dirty="0"/>
+              <a:t>ata format:</a:t>
+            </a:r>
+          </a:p>
+        </p:txBody>
+      </p:sp>
       <p:pic>
         <p:nvPicPr>
-          <p:cNvPr id="12" name="Picture 11">
-            <a:extLst>
-              <a:ext uri="{FF2B5EF4-FFF2-40B4-BE49-F238E27FC236}">
-                <a16:creationId xmlns:a16="http://schemas.microsoft.com/office/drawing/2014/main" id="{F869E122-B108-1383-CBCE-32CA1C8BB910}"/>
+          <p:cNvPr id="19" name="Picture 18">
+            <a:extLst>
+              <a:ext uri="{FF2B5EF4-FFF2-40B4-BE49-F238E27FC236}">
+                <a16:creationId xmlns:a16="http://schemas.microsoft.com/office/drawing/2014/main" id="{C357EE74-8DFB-BD2B-AEEC-4E638001D509}"/>
               </a:ext>
             </a:extLst>
           </p:cNvPr>
@@ -7915,20 +8738,72 @@
         </p:blipFill>
         <p:spPr>
           <a:xfrm>
-            <a:off x="418925" y="3965575"/>
-            <a:ext cx="4838700" cy="2755900"/>
+            <a:off x="787680" y="1828699"/>
+            <a:ext cx="5340360" cy="2578105"/>
           </a:xfrm>
           <a:prstGeom prst="rect">
             <a:avLst/>
           </a:prstGeom>
         </p:spPr>
       </p:pic>
+      <p:sp>
+        <p:nvSpPr>
+          <p:cNvPr id="20" name="Oval 19">
+            <a:extLst>
+              <a:ext uri="{FF2B5EF4-FFF2-40B4-BE49-F238E27FC236}">
+                <a16:creationId xmlns:a16="http://schemas.microsoft.com/office/drawing/2014/main" id="{3C01F5AC-DBC1-6FBD-403E-69E9F481E06E}"/>
+              </a:ext>
+            </a:extLst>
+          </p:cNvPr>
+          <p:cNvSpPr/>
+          <p:nvPr/>
+        </p:nvSpPr>
+        <p:spPr>
+          <a:xfrm>
+            <a:off x="1379032" y="2208928"/>
+            <a:ext cx="2756647" cy="219327"/>
+          </a:xfrm>
+          <a:prstGeom prst="ellipse">
+            <a:avLst/>
+          </a:prstGeom>
+          <a:solidFill>
+            <a:schemeClr val="accent5">
+              <a:alpha val="50000"/>
+            </a:schemeClr>
+          </a:solidFill>
+          <a:ln>
+            <a:noFill/>
+          </a:ln>
+        </p:spPr>
+        <p:style>
+          <a:lnRef idx="0">
+            <a:scrgbClr r="0" g="0" b="0"/>
+          </a:lnRef>
+          <a:fillRef idx="0">
+            <a:scrgbClr r="0" g="0" b="0"/>
+          </a:fillRef>
+          <a:effectRef idx="0">
+            <a:scrgbClr r="0" g="0" b="0"/>
+          </a:effectRef>
+          <a:fontRef idx="minor">
+            <a:schemeClr val="lt1"/>
+          </a:fontRef>
+        </p:style>
+        <p:txBody>
+          <a:bodyPr rtlCol="0" anchor="ctr"/>
+          <a:lstStyle/>
+          <a:p>
+            <a:pPr algn="ctr"/>
+            <a:endParaRPr lang="en-TW"/>
+          </a:p>
+        </p:txBody>
+      </p:sp>
       <p:pic>
         <p:nvPicPr>
           <p:cNvPr id="22" name="Picture 21">
             <a:extLst>
               <a:ext uri="{FF2B5EF4-FFF2-40B4-BE49-F238E27FC236}">
-                <a16:creationId xmlns:a16="http://schemas.microsoft.com/office/drawing/2014/main" id="{190F54EB-9178-9704-603D-A95264FB65B2}"/>
+                <a16:creationId xmlns:a16="http://schemas.microsoft.com/office/drawing/2014/main" id="{2D69830F-596E-1291-E501-39B14D8B03FB}"/>
               </a:ext>
             </a:extLst>
           </p:cNvPr>
@@ -7945,20 +8820,59 @@
         </p:blipFill>
         <p:spPr>
           <a:xfrm>
-            <a:off x="418925" y="1656216"/>
-            <a:ext cx="6413500" cy="2209375"/>
+            <a:off x="1137919" y="5435622"/>
+            <a:ext cx="9670835" cy="1220151"/>
           </a:xfrm>
           <a:prstGeom prst="rect">
             <a:avLst/>
           </a:prstGeom>
         </p:spPr>
       </p:pic>
+      <p:sp>
+        <p:nvSpPr>
+          <p:cNvPr id="23" name="TextBox 22">
+            <a:extLst>
+              <a:ext uri="{FF2B5EF4-FFF2-40B4-BE49-F238E27FC236}">
+                <a16:creationId xmlns:a16="http://schemas.microsoft.com/office/drawing/2014/main" id="{50806CC1-35A7-5B5B-031D-6D78F04D5AEF}"/>
+              </a:ext>
+            </a:extLst>
+          </p:cNvPr>
+          <p:cNvSpPr txBox="1"/>
+          <p:nvPr/>
+        </p:nvSpPr>
+        <p:spPr>
+          <a:xfrm>
+            <a:off x="6390975" y="4710462"/>
+            <a:ext cx="5083123" cy="369332"/>
+          </a:xfrm>
+          <a:prstGeom prst="rect">
+            <a:avLst/>
+          </a:prstGeom>
+          <a:noFill/>
+        </p:spPr>
+        <p:txBody>
+          <a:bodyPr wrap="none" rtlCol="0">
+            <a:spAutoFit/>
+          </a:bodyPr>
+          <a:lstStyle/>
+          <a:p>
+            <a:pPr marL="285750" indent="-285750">
+              <a:buFont typeface="Arial" panose="020B0604020202020204" pitchFamily="34" charset="0"/>
+              <a:buChar char="•"/>
+            </a:pPr>
+            <a:r>
+              <a:rPr lang="en-TW" dirty="0"/>
+              <a:t>GAT applied on the old data has the similar result</a:t>
+            </a:r>
+          </a:p>
+        </p:txBody>
+      </p:sp>
       <p:pic>
         <p:nvPicPr>
-          <p:cNvPr id="24" name="Picture 23">
-            <a:extLst>
-              <a:ext uri="{FF2B5EF4-FFF2-40B4-BE49-F238E27FC236}">
-                <a16:creationId xmlns:a16="http://schemas.microsoft.com/office/drawing/2014/main" id="{01202EBC-94B9-2AD9-4B08-ED0614CD39DA}"/>
+          <p:cNvPr id="25" name="Picture 24">
+            <a:extLst>
+              <a:ext uri="{FF2B5EF4-FFF2-40B4-BE49-F238E27FC236}">
+                <a16:creationId xmlns:a16="http://schemas.microsoft.com/office/drawing/2014/main" id="{E0EAF99B-3460-2F10-E1F6-BF9E8D3FE5EE}"/>
               </a:ext>
             </a:extLst>
           </p:cNvPr>
@@ -7975,24 +8889,156 @@
         </p:blipFill>
         <p:spPr>
           <a:xfrm>
-            <a:off x="7091932" y="1262516"/>
-            <a:ext cx="4969384" cy="4081994"/>
+            <a:off x="6390974" y="1763376"/>
+            <a:ext cx="4642785" cy="1089368"/>
           </a:xfrm>
           <a:prstGeom prst="rect">
             <a:avLst/>
           </a:prstGeom>
         </p:spPr>
       </p:pic>
+      <p:sp>
+        <p:nvSpPr>
+          <p:cNvPr id="27" name="Oval 26">
+            <a:extLst>
+              <a:ext uri="{FF2B5EF4-FFF2-40B4-BE49-F238E27FC236}">
+                <a16:creationId xmlns:a16="http://schemas.microsoft.com/office/drawing/2014/main" id="{C6C6D121-95AE-DC20-F0B8-386109DBACAE}"/>
+              </a:ext>
+            </a:extLst>
+          </p:cNvPr>
+          <p:cNvSpPr/>
+          <p:nvPr/>
+        </p:nvSpPr>
+        <p:spPr>
+          <a:xfrm>
+            <a:off x="6390974" y="2318591"/>
+            <a:ext cx="607234" cy="985441"/>
+          </a:xfrm>
+          <a:prstGeom prst="ellipse">
+            <a:avLst/>
+          </a:prstGeom>
+          <a:noFill/>
+          <a:ln w="9525" cap="flat" cmpd="sng" algn="ctr">
+            <a:solidFill>
+              <a:schemeClr val="accent2"/>
+            </a:solidFill>
+            <a:prstDash val="solid"/>
+            <a:round/>
+            <a:headEnd type="none" w="med" len="med"/>
+            <a:tailEnd type="none" w="med" len="med"/>
+          </a:ln>
+        </p:spPr>
+        <p:style>
+          <a:lnRef idx="0">
+            <a:scrgbClr r="0" g="0" b="0"/>
+          </a:lnRef>
+          <a:fillRef idx="0">
+            <a:scrgbClr r="0" g="0" b="0"/>
+          </a:fillRef>
+          <a:effectRef idx="0">
+            <a:scrgbClr r="0" g="0" b="0"/>
+          </a:effectRef>
+          <a:fontRef idx="minor">
+            <a:schemeClr val="accent2"/>
+          </a:fontRef>
+        </p:style>
+        <p:txBody>
+          <a:bodyPr rtlCol="0" anchor="ctr"/>
+          <a:lstStyle/>
+          <a:p>
+            <a:pPr algn="ctr"/>
+            <a:endParaRPr lang="en-TW"/>
+          </a:p>
+        </p:txBody>
+      </p:sp>
     </p:spTree>
     <p:extLst>
       <p:ext uri="{BB962C8B-B14F-4D97-AF65-F5344CB8AC3E}">
-        <p14:creationId xmlns:p14="http://schemas.microsoft.com/office/powerpoint/2010/main" val="301762575"/>
+        <p14:creationId xmlns:p14="http://schemas.microsoft.com/office/powerpoint/2010/main" val="1736761719"/>
       </p:ext>
     </p:extLst>
   </p:cSld>
   <p:clrMapOvr>
     <a:masterClrMapping/>
   </p:clrMapOvr>
+  <p:timing>
+    <p:tnLst>
+      <p:par>
+        <p:cTn id="1" dur="indefinite" restart="never" nodeType="tmRoot">
+          <p:childTnLst>
+            <p:seq concurrent="1" nextAc="seek">
+              <p:cTn id="2" dur="indefinite" nodeType="mainSeq">
+                <p:childTnLst>
+                  <p:par>
+                    <p:cTn id="3" fill="hold">
+                      <p:stCondLst>
+                        <p:cond delay="indefinite"/>
+                      </p:stCondLst>
+                      <p:childTnLst>
+                        <p:par>
+                          <p:cTn id="4" fill="hold">
+                            <p:stCondLst>
+                              <p:cond delay="0"/>
+                            </p:stCondLst>
+                            <p:childTnLst>
+                              <p:par>
+                                <p:cTn id="5" presetID="1" presetClass="entr" presetSubtype="0" fill="hold" grpId="0" nodeType="clickEffect">
+                                  <p:stCondLst>
+                                    <p:cond delay="0"/>
+                                  </p:stCondLst>
+                                  <p:childTnLst>
+                                    <p:set>
+                                      <p:cBhvr>
+                                        <p:cTn id="6" dur="1" fill="hold">
+                                          <p:stCondLst>
+                                            <p:cond delay="0"/>
+                                          </p:stCondLst>
+                                        </p:cTn>
+                                        <p:tgtEl>
+                                          <p:spTgt spid="27"/>
+                                        </p:tgtEl>
+                                        <p:attrNameLst>
+                                          <p:attrName>style.visibility</p:attrName>
+                                        </p:attrNameLst>
+                                      </p:cBhvr>
+                                      <p:to>
+                                        <p:strVal val="visible"/>
+                                      </p:to>
+                                    </p:set>
+                                  </p:childTnLst>
+                                </p:cTn>
+                              </p:par>
+                            </p:childTnLst>
+                          </p:cTn>
+                        </p:par>
+                      </p:childTnLst>
+                    </p:cTn>
+                  </p:par>
+                </p:childTnLst>
+              </p:cTn>
+              <p:prevCondLst>
+                <p:cond evt="onPrev" delay="0">
+                  <p:tgtEl>
+                    <p:sldTgt/>
+                  </p:tgtEl>
+                </p:cond>
+              </p:prevCondLst>
+              <p:nextCondLst>
+                <p:cond evt="onNext" delay="0">
+                  <p:tgtEl>
+                    <p:sldTgt/>
+                  </p:tgtEl>
+                </p:cond>
+              </p:nextCondLst>
+            </p:seq>
+          </p:childTnLst>
+        </p:cTn>
+      </p:par>
+    </p:tnLst>
+    <p:bldLst>
+      <p:bldP spid="27" grpId="0" animBg="1"/>
+    </p:bldLst>
+  </p:timing>
 </p:sld>
 </file>
 

--- a/Meeting/Presentation_0809.pptx
+++ b/Meeting/Presentation_0809.pptx
@@ -5,7 +5,7 @@
     <p:sldMasterId id="2147483648" r:id="rId1"/>
   </p:sldMasterIdLst>
   <p:notesMasterIdLst>
-    <p:notesMasterId r:id="rId19"/>
+    <p:notesMasterId r:id="rId21"/>
   </p:notesMasterIdLst>
   <p:sldIdLst>
     <p:sldId id="256" r:id="rId2"/>
@@ -13,18 +13,20 @@
     <p:sldId id="258" r:id="rId4"/>
     <p:sldId id="340" r:id="rId5"/>
     <p:sldId id="326" r:id="rId6"/>
-    <p:sldId id="308" r:id="rId7"/>
-    <p:sldId id="322" r:id="rId8"/>
-    <p:sldId id="343" r:id="rId9"/>
-    <p:sldId id="324" r:id="rId10"/>
-    <p:sldId id="342" r:id="rId11"/>
-    <p:sldId id="344" r:id="rId12"/>
-    <p:sldId id="309" r:id="rId13"/>
-    <p:sldId id="311" r:id="rId14"/>
-    <p:sldId id="310" r:id="rId15"/>
-    <p:sldId id="312" r:id="rId16"/>
-    <p:sldId id="320" r:id="rId17"/>
-    <p:sldId id="339" r:id="rId18"/>
+    <p:sldId id="346" r:id="rId7"/>
+    <p:sldId id="308" r:id="rId8"/>
+    <p:sldId id="322" r:id="rId9"/>
+    <p:sldId id="343" r:id="rId10"/>
+    <p:sldId id="345" r:id="rId11"/>
+    <p:sldId id="324" r:id="rId12"/>
+    <p:sldId id="342" r:id="rId13"/>
+    <p:sldId id="344" r:id="rId14"/>
+    <p:sldId id="309" r:id="rId15"/>
+    <p:sldId id="311" r:id="rId16"/>
+    <p:sldId id="310" r:id="rId17"/>
+    <p:sldId id="312" r:id="rId18"/>
+    <p:sldId id="320" r:id="rId19"/>
+    <p:sldId id="339" r:id="rId20"/>
   </p:sldIdLst>
   <p:sldSz cx="12192000" cy="6858000"/>
   <p:notesSz cx="6858000" cy="9144000"/>
@@ -725,6 +727,90 @@
 </p:notes>
 </file>
 
+<file path=ppt/notesSlides/notesSlide10.xml><?xml version="1.0" encoding="utf-8"?>
+<p:notes xmlns:a="http://schemas.openxmlformats.org/drawingml/2006/main" xmlns:r="http://schemas.openxmlformats.org/officeDocument/2006/relationships" xmlns:p="http://schemas.openxmlformats.org/presentationml/2006/main">
+  <p:cSld>
+    <p:spTree>
+      <p:nvGrpSpPr>
+        <p:cNvPr id="1" name=""/>
+        <p:cNvGrpSpPr/>
+        <p:nvPr/>
+      </p:nvGrpSpPr>
+      <p:grpSpPr>
+        <a:xfrm>
+          <a:off x="0" y="0"/>
+          <a:ext cx="0" cy="0"/>
+          <a:chOff x="0" y="0"/>
+          <a:chExt cx="0" cy="0"/>
+        </a:xfrm>
+      </p:grpSpPr>
+      <p:sp>
+        <p:nvSpPr>
+          <p:cNvPr id="2" name="Slide Image Placeholder 1"/>
+          <p:cNvSpPr>
+            <a:spLocks noGrp="1" noRot="1" noChangeAspect="1"/>
+          </p:cNvSpPr>
+          <p:nvPr>
+            <p:ph type="sldImg"/>
+          </p:nvPr>
+        </p:nvSpPr>
+        <p:spPr/>
+      </p:sp>
+      <p:sp>
+        <p:nvSpPr>
+          <p:cNvPr id="3" name="Notes Placeholder 2"/>
+          <p:cNvSpPr>
+            <a:spLocks noGrp="1"/>
+          </p:cNvSpPr>
+          <p:nvPr>
+            <p:ph type="body" idx="1"/>
+          </p:nvPr>
+        </p:nvSpPr>
+        <p:spPr/>
+        <p:txBody>
+          <a:bodyPr/>
+          <a:lstStyle/>
+          <a:p>
+            <a:endParaRPr lang="en-US" altLang="zh-TW" dirty="0"/>
+          </a:p>
+        </p:txBody>
+      </p:sp>
+      <p:sp>
+        <p:nvSpPr>
+          <p:cNvPr id="4" name="Slide Number Placeholder 3"/>
+          <p:cNvSpPr>
+            <a:spLocks noGrp="1"/>
+          </p:cNvSpPr>
+          <p:nvPr>
+            <p:ph type="sldNum" sz="quarter" idx="5"/>
+          </p:nvPr>
+        </p:nvSpPr>
+        <p:spPr/>
+        <p:txBody>
+          <a:bodyPr/>
+          <a:lstStyle/>
+          <a:p>
+            <a:fld id="{50B9CB7D-C514-3544-A72A-E200086B53CC}" type="slidenum">
+              <a:rPr lang="en-TW" smtClean="0"/>
+              <a:t>17</a:t>
+            </a:fld>
+            <a:endParaRPr lang="en-TW"/>
+          </a:p>
+        </p:txBody>
+      </p:sp>
+    </p:spTree>
+    <p:extLst>
+      <p:ext uri="{BB962C8B-B14F-4D97-AF65-F5344CB8AC3E}">
+        <p14:creationId xmlns:p14="http://schemas.microsoft.com/office/powerpoint/2010/main" val="905481662"/>
+      </p:ext>
+    </p:extLst>
+  </p:cSld>
+  <p:clrMapOvr>
+    <a:masterClrMapping/>
+  </p:clrMapOvr>
+</p:notes>
+</file>
+
 <file path=ppt/notesSlides/notesSlide2.xml><?xml version="1.0" encoding="utf-8"?>
 <p:notes xmlns:a="http://schemas.openxmlformats.org/drawingml/2006/main" xmlns:r="http://schemas.openxmlformats.org/officeDocument/2006/relationships" xmlns:p="http://schemas.openxmlformats.org/presentationml/2006/main">
   <p:cSld>
@@ -769,7 +855,167 @@
           <a:bodyPr/>
           <a:lstStyle/>
           <a:p>
-            <a:endParaRPr lang="en-US" altLang="zh-TW" dirty="0"/>
+            <a:r>
+              <a:rPr lang="en-US" altLang="zh-TW" dirty="0"/>
+              <a:t>1. </a:t>
+            </a:r>
+            <a:r>
+              <a:rPr lang="zh-TW" altLang="en-US" dirty="0"/>
+              <a:t>用 </a:t>
+            </a:r>
+            <a:r>
+              <a:rPr lang="en-US" dirty="0" err="1"/>
+              <a:t>graph_self</a:t>
+            </a:r>
+            <a:r>
+              <a:rPr lang="en-US" dirty="0"/>
+              <a:t> </a:t>
+            </a:r>
+            <a:r>
+              <a:rPr lang="zh-TW" altLang="en-US" dirty="0"/>
+              <a:t>的圖畫</a:t>
+            </a:r>
+          </a:p>
+          <a:p>
+            <a:r>
+              <a:rPr lang="en-US" altLang="zh-TW" dirty="0"/>
+              <a:t>2. </a:t>
+            </a:r>
+            <a:r>
+              <a:rPr lang="zh-TW" altLang="en-US" dirty="0"/>
+              <a:t>之前有用 </a:t>
+            </a:r>
+            <a:r>
+              <a:rPr lang="en-US" dirty="0"/>
+              <a:t>Sigma </a:t>
+            </a:r>
+            <a:r>
+              <a:rPr lang="zh-TW" altLang="en-US" dirty="0"/>
+              <a:t>替每個 </a:t>
+            </a:r>
+            <a:r>
+              <a:rPr lang="en-US" dirty="0"/>
+              <a:t>triplet </a:t>
+            </a:r>
+            <a:r>
+              <a:rPr lang="zh-TW" altLang="en-US" dirty="0"/>
+              <a:t>標上 </a:t>
+            </a:r>
+            <a:r>
+              <a:rPr lang="en-US" dirty="0"/>
+              <a:t>TTP，</a:t>
+            </a:r>
+            <a:r>
+              <a:rPr lang="zh-TW" altLang="en-US" dirty="0"/>
+              <a:t>用 </a:t>
+            </a:r>
+            <a:r>
+              <a:rPr lang="en-US" dirty="0"/>
+              <a:t>Sigma </a:t>
+            </a:r>
+            <a:r>
+              <a:rPr lang="zh-TW" altLang="en-US" dirty="0"/>
+              <a:t>規則可能會標到一個以上的 </a:t>
+            </a:r>
+            <a:r>
+              <a:rPr lang="en-US" dirty="0"/>
+              <a:t>TTP</a:t>
+            </a:r>
+          </a:p>
+          <a:p>
+            <a:r>
+              <a:rPr lang="en-US" dirty="0"/>
+              <a:t>3. Sigma </a:t>
+            </a:r>
+            <a:r>
+              <a:rPr lang="zh-TW" altLang="en-US" dirty="0"/>
+              <a:t>標到的 </a:t>
+            </a:r>
+            <a:r>
+              <a:rPr lang="en-US" dirty="0"/>
+              <a:t>TTPs </a:t>
+            </a:r>
+            <a:r>
+              <a:rPr lang="zh-TW" altLang="en-US" dirty="0"/>
+              <a:t>中，只要有一個與 </a:t>
+            </a:r>
+            <a:r>
+              <a:rPr lang="en-US" dirty="0"/>
+              <a:t>truth label </a:t>
+            </a:r>
+            <a:r>
+              <a:rPr lang="zh-TW" altLang="en-US" dirty="0"/>
+              <a:t>的 </a:t>
+            </a:r>
+            <a:r>
+              <a:rPr lang="en-US" dirty="0"/>
+              <a:t>TTP </a:t>
+            </a:r>
+            <a:r>
+              <a:rPr lang="zh-TW" altLang="en-US" dirty="0"/>
+              <a:t>一樣，就算標對</a:t>
+            </a:r>
+          </a:p>
+          <a:p>
+            <a:r>
+              <a:rPr lang="en-US" altLang="zh-TW" dirty="0"/>
+              <a:t>4. </a:t>
+            </a:r>
+            <a:r>
+              <a:rPr lang="zh-TW" altLang="en-US" dirty="0"/>
+              <a:t>這個檔案中，</a:t>
+            </a:r>
+            <a:r>
+              <a:rPr lang="en-US" dirty="0"/>
+              <a:t>Truth Label </a:t>
+            </a:r>
+            <a:r>
+              <a:rPr lang="zh-TW" altLang="en-US" dirty="0"/>
+              <a:t>和 </a:t>
+            </a:r>
+            <a:r>
+              <a:rPr lang="en-US" dirty="0"/>
+              <a:t>Sigma Labels </a:t>
+            </a:r>
+            <a:r>
+              <a:rPr lang="zh-TW" altLang="en-US" dirty="0"/>
+              <a:t>用空格分開（</a:t>
+            </a:r>
+            <a:r>
+              <a:rPr lang="en-US" altLang="zh-TW" dirty="0"/>
+              <a:t>`</a:t>
+            </a:r>
+            <a:r>
+              <a:rPr lang="en-US" dirty="0"/>
+              <a:t>http://140.109.19.22:8888/edit/</a:t>
+            </a:r>
+            <a:r>
+              <a:rPr lang="en-US" dirty="0" err="1"/>
+              <a:t>euni_final</a:t>
+            </a:r>
+            <a:r>
+              <a:rPr lang="en-US" dirty="0"/>
+              <a:t>/Sigma/</a:t>
+            </a:r>
+            <a:r>
+              <a:rPr lang="en-US" dirty="0" err="1"/>
+              <a:t>result_metrics</a:t>
+            </a:r>
+            <a:r>
+              <a:rPr lang="en-US" dirty="0"/>
+              <a:t>/20230708_all/synthesize/v3`）</a:t>
+            </a:r>
+          </a:p>
+          <a:p>
+            <a:r>
+              <a:rPr lang="en-US" dirty="0"/>
+              <a:t>5. </a:t>
+            </a:r>
+            <a:r>
+              <a:rPr lang="zh-TW" altLang="en-US" dirty="0"/>
+              <a:t>原本的圖用虛線，標到的用實線</a:t>
+            </a:r>
+            <a:endParaRPr lang="en-TW" dirty="0"/>
           </a:p>
         </p:txBody>
       </p:sp>
@@ -788,9 +1034,9 @@
           <a:bodyPr/>
           <a:lstStyle/>
           <a:p>
-            <a:fld id="{50B9CB7D-C514-3544-A72A-E200086B53CC}" type="slidenum">
+            <a:fld id="{53C6F491-1A87-C04E-B10B-064C4551D64B}" type="slidenum">
               <a:rPr lang="en-TW" smtClean="0"/>
-              <a:t>7</a:t>
+              <a:t>6</a:t>
             </a:fld>
             <a:endParaRPr lang="en-TW"/>
           </a:p>
@@ -799,7 +1045,7 @@
     </p:spTree>
     <p:extLst>
       <p:ext uri="{BB962C8B-B14F-4D97-AF65-F5344CB8AC3E}">
-        <p14:creationId xmlns:p14="http://schemas.microsoft.com/office/powerpoint/2010/main" val="752806640"/>
+        <p14:creationId xmlns:p14="http://schemas.microsoft.com/office/powerpoint/2010/main" val="2827609734"/>
       </p:ext>
     </p:extLst>
   </p:cSld>
@@ -883,7 +1129,7 @@
     </p:spTree>
     <p:extLst>
       <p:ext uri="{BB962C8B-B14F-4D97-AF65-F5344CB8AC3E}">
-        <p14:creationId xmlns:p14="http://schemas.microsoft.com/office/powerpoint/2010/main" val="2077216136"/>
+        <p14:creationId xmlns:p14="http://schemas.microsoft.com/office/powerpoint/2010/main" val="752806640"/>
       </p:ext>
     </p:extLst>
   </p:cSld>
@@ -967,7 +1213,7 @@
     </p:spTree>
     <p:extLst>
       <p:ext uri="{BB962C8B-B14F-4D97-AF65-F5344CB8AC3E}">
-        <p14:creationId xmlns:p14="http://schemas.microsoft.com/office/powerpoint/2010/main" val="341611908"/>
+        <p14:creationId xmlns:p14="http://schemas.microsoft.com/office/powerpoint/2010/main" val="2077216136"/>
       </p:ext>
     </p:extLst>
   </p:cSld>
@@ -1021,494 +1267,6 @@
           <a:bodyPr/>
           <a:lstStyle/>
           <a:p>
-            <a:r>
-              <a:rPr lang="zh-TW" altLang="en-US" b="0" i="0" dirty="0">
-                <a:solidFill>
-                  <a:srgbClr val="374151"/>
-                </a:solidFill>
-                <a:effectLst/>
-                <a:latin typeface="Söhne"/>
-              </a:rPr>
-              <a:t>你定義了一個基於 </a:t>
-            </a:r>
-            <a:r>
-              <a:rPr lang="en-US" b="0" i="0" dirty="0">
-                <a:solidFill>
-                  <a:srgbClr val="374151"/>
-                </a:solidFill>
-                <a:effectLst/>
-                <a:latin typeface="Söhne"/>
-              </a:rPr>
-              <a:t>GAT (Graph Attention Network) </a:t>
-            </a:r>
-            <a:r>
-              <a:rPr lang="zh-TW" altLang="en-US" b="0" i="0" dirty="0">
-                <a:solidFill>
-                  <a:srgbClr val="374151"/>
-                </a:solidFill>
-                <a:effectLst/>
-                <a:latin typeface="Söhne"/>
-              </a:rPr>
-              <a:t>的神經網路模型。</a:t>
-            </a:r>
-            <a:r>
-              <a:rPr lang="en-US" b="0" i="0" dirty="0">
-                <a:solidFill>
-                  <a:srgbClr val="374151"/>
-                </a:solidFill>
-                <a:effectLst/>
-                <a:latin typeface="Söhne"/>
-              </a:rPr>
-              <a:t>GAT </a:t>
-            </a:r>
-            <a:r>
-              <a:rPr lang="zh-TW" altLang="en-US" b="0" i="0" dirty="0">
-                <a:solidFill>
-                  <a:srgbClr val="374151"/>
-                </a:solidFill>
-                <a:effectLst/>
-                <a:latin typeface="Söhne"/>
-              </a:rPr>
-              <a:t>是一種圖卷積神經網路，其中每個節點通過 </a:t>
-            </a:r>
-            <a:r>
-              <a:rPr lang="en-US" b="0" i="0" dirty="0">
-                <a:solidFill>
-                  <a:srgbClr val="374151"/>
-                </a:solidFill>
-                <a:effectLst/>
-                <a:latin typeface="Söhne"/>
-              </a:rPr>
-              <a:t>attention mechanism </a:t>
-            </a:r>
-            <a:r>
-              <a:rPr lang="zh-TW" altLang="en-US" b="0" i="0" dirty="0">
-                <a:solidFill>
-                  <a:srgbClr val="374151"/>
-                </a:solidFill>
-                <a:effectLst/>
-                <a:latin typeface="Söhne"/>
-              </a:rPr>
-              <a:t>而不僅僅是平均鄰居特徵來更新其特徵。</a:t>
-            </a:r>
-            <a:endParaRPr lang="en-US" altLang="zh-TW" b="0" i="0" dirty="0">
-              <a:solidFill>
-                <a:srgbClr val="374151"/>
-              </a:solidFill>
-              <a:effectLst/>
-              <a:latin typeface="Söhne"/>
-            </a:endParaRPr>
-          </a:p>
-          <a:p>
-            <a:endParaRPr lang="en-US" altLang="zh-TW" dirty="0"/>
-          </a:p>
-          <a:p>
-            <a:pPr algn="l"/>
-            <a:r>
-              <a:rPr lang="zh-TW" altLang="en-US" b="1" i="0" dirty="0">
-                <a:solidFill>
-                  <a:srgbClr val="374151"/>
-                </a:solidFill>
-                <a:effectLst/>
-                <a:latin typeface="Söhne"/>
-              </a:rPr>
-              <a:t>前向方法 </a:t>
-            </a:r>
-            <a:r>
-              <a:rPr lang="en-US" altLang="zh-TW" b="1" i="0" dirty="0">
-                <a:solidFill>
-                  <a:srgbClr val="374151"/>
-                </a:solidFill>
-                <a:effectLst/>
-                <a:latin typeface="Söhne"/>
-              </a:rPr>
-              <a:t>(</a:t>
-            </a:r>
-            <a:r>
-              <a:rPr lang="en-US" b="1" i="0" dirty="0">
-                <a:solidFill>
-                  <a:srgbClr val="374151"/>
-                </a:solidFill>
-                <a:effectLst/>
-                <a:latin typeface="Söhne"/>
-              </a:rPr>
-              <a:t>forward)</a:t>
-            </a:r>
-            <a:r>
-              <a:rPr lang="en-US" b="0" i="0" dirty="0">
-                <a:solidFill>
-                  <a:srgbClr val="374151"/>
-                </a:solidFill>
-                <a:effectLst/>
-                <a:latin typeface="Söhne"/>
-              </a:rPr>
-              <a:t>:</a:t>
-            </a:r>
-          </a:p>
-          <a:p>
-            <a:pPr algn="l">
-              <a:buFont typeface="Arial" panose="020B0604020202020204" pitchFamily="34" charset="0"/>
-              <a:buChar char="•"/>
-            </a:pPr>
-            <a:r>
-              <a:rPr lang="zh-TW" altLang="en-US" b="0" i="0" dirty="0">
-                <a:solidFill>
-                  <a:srgbClr val="374151"/>
-                </a:solidFill>
-                <a:effectLst/>
-                <a:latin typeface="Söhne"/>
-              </a:rPr>
-              <a:t>首先，它通過第一個 </a:t>
-            </a:r>
-            <a:r>
-              <a:rPr lang="en-US" b="0" i="0" dirty="0">
-                <a:solidFill>
-                  <a:srgbClr val="374151"/>
-                </a:solidFill>
-                <a:effectLst/>
-                <a:latin typeface="Söhne"/>
-              </a:rPr>
-              <a:t>GAT </a:t>
-            </a:r>
-            <a:r>
-              <a:rPr lang="zh-TW" altLang="en-US" b="0" i="0" dirty="0">
-                <a:solidFill>
-                  <a:srgbClr val="374151"/>
-                </a:solidFill>
-                <a:effectLst/>
-                <a:latin typeface="Söhne"/>
-              </a:rPr>
-              <a:t>層將輸入特徵 </a:t>
-            </a:r>
-            <a:r>
-              <a:rPr lang="en-US" b="0" i="0" dirty="0">
-                <a:solidFill>
-                  <a:srgbClr val="374151"/>
-                </a:solidFill>
-                <a:effectLst/>
-                <a:latin typeface="Söhne"/>
-              </a:rPr>
-              <a:t>h </a:t>
-            </a:r>
-            <a:r>
-              <a:rPr lang="zh-TW" altLang="en-US" b="0" i="0" dirty="0">
-                <a:solidFill>
-                  <a:srgbClr val="374151"/>
-                </a:solidFill>
-                <a:effectLst/>
-                <a:latin typeface="Söhne"/>
-              </a:rPr>
-              <a:t>轉換成新的特徵。</a:t>
-            </a:r>
-          </a:p>
-          <a:p>
-            <a:pPr algn="l">
-              <a:buFont typeface="Arial" panose="020B0604020202020204" pitchFamily="34" charset="0"/>
-              <a:buChar char="•"/>
-            </a:pPr>
-            <a:r>
-              <a:rPr lang="zh-TW" altLang="en-US" b="0" i="0" dirty="0">
-                <a:solidFill>
-                  <a:srgbClr val="374151"/>
-                </a:solidFill>
-                <a:effectLst/>
-                <a:latin typeface="Söhne"/>
-              </a:rPr>
-              <a:t>使用 </a:t>
-            </a:r>
-            <a:r>
-              <a:rPr lang="en-US" b="0" i="0" dirty="0">
-                <a:solidFill>
-                  <a:srgbClr val="374151"/>
-                </a:solidFill>
-                <a:effectLst/>
-                <a:latin typeface="Söhne"/>
-              </a:rPr>
-              <a:t>view </a:t>
-            </a:r>
-            <a:r>
-              <a:rPr lang="zh-TW" altLang="en-US" b="0" i="0" dirty="0">
-                <a:solidFill>
-                  <a:srgbClr val="374151"/>
-                </a:solidFill>
-                <a:effectLst/>
-                <a:latin typeface="Söhne"/>
-              </a:rPr>
-              <a:t>方法來重塑特徵 </a:t>
-            </a:r>
-            <a:r>
-              <a:rPr lang="en-US" b="0" i="0" dirty="0">
-                <a:solidFill>
-                  <a:srgbClr val="374151"/>
-                </a:solidFill>
-                <a:effectLst/>
-                <a:latin typeface="Söhne"/>
-              </a:rPr>
-              <a:t>tensor，</a:t>
-            </a:r>
-            <a:r>
-              <a:rPr lang="zh-TW" altLang="en-US" b="0" i="0" dirty="0">
-                <a:solidFill>
-                  <a:srgbClr val="374151"/>
-                </a:solidFill>
-                <a:effectLst/>
-                <a:latin typeface="Söhne"/>
-              </a:rPr>
-              <a:t>使其維度適應多頭注意力的輸出。</a:t>
-            </a:r>
-            <a:endParaRPr lang="en-US" altLang="zh-TW" b="0" i="0" dirty="0">
-              <a:solidFill>
-                <a:srgbClr val="374151"/>
-              </a:solidFill>
-              <a:effectLst/>
-              <a:latin typeface="Söhne"/>
-            </a:endParaRPr>
-          </a:p>
-          <a:p>
-            <a:pPr algn="l">
-              <a:buFont typeface="Arial" panose="020B0604020202020204" pitchFamily="34" charset="0"/>
-              <a:buChar char="•"/>
-            </a:pPr>
-            <a:r>
-              <a:rPr lang="zh-TW" altLang="en-US" b="0" i="0" dirty="0">
-                <a:solidFill>
-                  <a:srgbClr val="374151"/>
-                </a:solidFill>
-                <a:effectLst/>
-                <a:latin typeface="Söhne"/>
-              </a:rPr>
-              <a:t>使用 </a:t>
-            </a:r>
-            <a:r>
-              <a:rPr lang="en-US" b="0" i="0" dirty="0">
-                <a:solidFill>
-                  <a:srgbClr val="374151"/>
-                </a:solidFill>
-                <a:effectLst/>
-                <a:latin typeface="Söhne"/>
-              </a:rPr>
-              <a:t>dropout </a:t>
-            </a:r>
-            <a:r>
-              <a:rPr lang="zh-TW" altLang="en-US" b="0" i="0" dirty="0">
-                <a:solidFill>
-                  <a:srgbClr val="374151"/>
-                </a:solidFill>
-                <a:effectLst/>
-                <a:latin typeface="Söhne"/>
-              </a:rPr>
-              <a:t>進行正則化。</a:t>
-            </a:r>
-          </a:p>
-          <a:p>
-            <a:pPr algn="l">
-              <a:buFont typeface="Arial" panose="020B0604020202020204" pitchFamily="34" charset="0"/>
-              <a:buChar char="•"/>
-            </a:pPr>
-            <a:r>
-              <a:rPr lang="zh-TW" altLang="en-US" b="0" i="0" dirty="0">
-                <a:solidFill>
-                  <a:srgbClr val="374151"/>
-                </a:solidFill>
-                <a:effectLst/>
-                <a:latin typeface="Söhne"/>
-              </a:rPr>
-              <a:t>通過第二個 </a:t>
-            </a:r>
-            <a:r>
-              <a:rPr lang="en-US" b="0" i="0" dirty="0">
-                <a:solidFill>
-                  <a:srgbClr val="374151"/>
-                </a:solidFill>
-                <a:effectLst/>
-                <a:latin typeface="Söhne"/>
-              </a:rPr>
-              <a:t>GAT </a:t>
-            </a:r>
-            <a:r>
-              <a:rPr lang="zh-TW" altLang="en-US" b="0" i="0" dirty="0">
-                <a:solidFill>
-                  <a:srgbClr val="374151"/>
-                </a:solidFill>
-                <a:effectLst/>
-                <a:latin typeface="Söhne"/>
-              </a:rPr>
-              <a:t>層進行另一次特徵轉換。</a:t>
-            </a:r>
-          </a:p>
-          <a:p>
-            <a:pPr algn="l">
-              <a:buFont typeface="Arial" panose="020B0604020202020204" pitchFamily="34" charset="0"/>
-              <a:buChar char="•"/>
-            </a:pPr>
-            <a:r>
-              <a:rPr lang="zh-TW" altLang="en-US" b="0" i="0" dirty="0">
-                <a:solidFill>
-                  <a:srgbClr val="374151"/>
-                </a:solidFill>
-                <a:effectLst/>
-                <a:latin typeface="Söhne"/>
-              </a:rPr>
-              <a:t>將這些輸出特徵存儲為新的節點特徵 </a:t>
-            </a:r>
-            <a:r>
-              <a:rPr lang="en-US" b="0" i="0" dirty="0" err="1">
-                <a:solidFill>
-                  <a:srgbClr val="374151"/>
-                </a:solidFill>
-                <a:effectLst/>
-                <a:latin typeface="Söhne"/>
-              </a:rPr>
-              <a:t>h_out</a:t>
-            </a:r>
-            <a:r>
-              <a:rPr lang="en-US" b="0" i="0" dirty="0">
-                <a:solidFill>
-                  <a:srgbClr val="374151"/>
-                </a:solidFill>
-                <a:effectLst/>
-                <a:latin typeface="Söhne"/>
-              </a:rPr>
-              <a:t>。</a:t>
-            </a:r>
-          </a:p>
-          <a:p>
-            <a:pPr algn="l">
-              <a:buFont typeface="Arial" panose="020B0604020202020204" pitchFamily="34" charset="0"/>
-              <a:buChar char="•"/>
-            </a:pPr>
-            <a:r>
-              <a:rPr lang="zh-TW" altLang="en-US" b="0" i="0" dirty="0">
-                <a:solidFill>
-                  <a:srgbClr val="374151"/>
-                </a:solidFill>
-                <a:effectLst/>
-                <a:latin typeface="Söhne"/>
-              </a:rPr>
-              <a:t>最後，使用平均池化來彙總整個圖的節點特徵，得到一個圖級別的輸出特徵。</a:t>
-            </a:r>
-            <a:endParaRPr lang="en-US" altLang="zh-TW" b="0" i="0" dirty="0">
-              <a:solidFill>
-                <a:srgbClr val="374151"/>
-              </a:solidFill>
-              <a:effectLst/>
-              <a:latin typeface="Söhne"/>
-            </a:endParaRPr>
-          </a:p>
-          <a:p>
-            <a:pPr algn="l">
-              <a:buFont typeface="Arial" panose="020B0604020202020204" pitchFamily="34" charset="0"/>
-              <a:buChar char="•"/>
-            </a:pPr>
-            <a:endParaRPr lang="en-US" altLang="zh-TW" b="0" i="0" dirty="0">
-              <a:solidFill>
-                <a:srgbClr val="374151"/>
-              </a:solidFill>
-              <a:effectLst/>
-              <a:latin typeface="Söhne"/>
-            </a:endParaRPr>
-          </a:p>
-          <a:p>
-            <a:pPr algn="l">
-              <a:buFont typeface="Arial" panose="020B0604020202020204" pitchFamily="34" charset="0"/>
-              <a:buChar char="•"/>
-            </a:pPr>
-            <a:r>
-              <a:rPr lang="en-US" dirty="0"/>
-              <a:t>view</a:t>
-            </a:r>
-            <a:r>
-              <a:rPr lang="en-US" b="0" i="0" dirty="0">
-                <a:solidFill>
-                  <a:srgbClr val="374151"/>
-                </a:solidFill>
-                <a:effectLst/>
-                <a:latin typeface="Söhne"/>
-              </a:rPr>
-              <a:t> </a:t>
-            </a:r>
-            <a:r>
-              <a:rPr lang="zh-TW" altLang="en-US" b="0" i="0" dirty="0">
-                <a:solidFill>
-                  <a:srgbClr val="374151"/>
-                </a:solidFill>
-                <a:effectLst/>
-                <a:latin typeface="Söhne"/>
-              </a:rPr>
-              <a:t>是 </a:t>
-            </a:r>
-            <a:r>
-              <a:rPr lang="en-US" b="0" i="0" dirty="0" err="1">
-                <a:solidFill>
-                  <a:srgbClr val="374151"/>
-                </a:solidFill>
-                <a:effectLst/>
-                <a:latin typeface="Söhne"/>
-              </a:rPr>
-              <a:t>PyTorch</a:t>
-            </a:r>
-            <a:r>
-              <a:rPr lang="en-US" b="0" i="0" dirty="0">
-                <a:solidFill>
-                  <a:srgbClr val="374151"/>
-                </a:solidFill>
-                <a:effectLst/>
-                <a:latin typeface="Söhne"/>
-              </a:rPr>
-              <a:t> tensor </a:t>
-            </a:r>
-            <a:r>
-              <a:rPr lang="zh-TW" altLang="en-US" b="0" i="0" dirty="0">
-                <a:solidFill>
-                  <a:srgbClr val="374151"/>
-                </a:solidFill>
-                <a:effectLst/>
-                <a:latin typeface="Söhne"/>
-              </a:rPr>
-              <a:t>中的一個方法，它允許您重塑 </a:t>
-            </a:r>
-            <a:r>
-              <a:rPr lang="en-US" b="0" i="0" dirty="0">
-                <a:solidFill>
-                  <a:srgbClr val="374151"/>
-                </a:solidFill>
-                <a:effectLst/>
-                <a:latin typeface="Söhne"/>
-              </a:rPr>
-              <a:t>tensor。</a:t>
-            </a:r>
-            <a:r>
-              <a:rPr lang="zh-TW" altLang="en-US" b="0" i="0" dirty="0">
-                <a:solidFill>
-                  <a:srgbClr val="374151"/>
-                </a:solidFill>
-                <a:effectLst/>
-                <a:latin typeface="Söhne"/>
-              </a:rPr>
-              <a:t>換句話說，您可以使用它來改變 </a:t>
-            </a:r>
-            <a:r>
-              <a:rPr lang="en-US" b="0" i="0" dirty="0">
-                <a:solidFill>
-                  <a:srgbClr val="374151"/>
-                </a:solidFill>
-                <a:effectLst/>
-                <a:latin typeface="Söhne"/>
-              </a:rPr>
-              <a:t>tensor </a:t>
-            </a:r>
-            <a:r>
-              <a:rPr lang="zh-TW" altLang="en-US" b="0" i="0" dirty="0">
-                <a:solidFill>
-                  <a:srgbClr val="374151"/>
-                </a:solidFill>
-                <a:effectLst/>
-                <a:latin typeface="Söhne"/>
-              </a:rPr>
-              <a:t>的維度和大小，但是內容和數據順序保持不變。</a:t>
-            </a:r>
-          </a:p>
-          <a:p>
             <a:endParaRPr lang="en-US" altLang="zh-TW" dirty="0"/>
           </a:p>
         </p:txBody>
@@ -1539,7 +1297,7 @@
     </p:spTree>
     <p:extLst>
       <p:ext uri="{BB962C8B-B14F-4D97-AF65-F5344CB8AC3E}">
-        <p14:creationId xmlns:p14="http://schemas.microsoft.com/office/powerpoint/2010/main" val="3259011780"/>
+        <p14:creationId xmlns:p14="http://schemas.microsoft.com/office/powerpoint/2010/main" val="4195205114"/>
       </p:ext>
     </p:extLst>
   </p:cSld>
@@ -1623,7 +1381,7 @@
     </p:spTree>
     <p:extLst>
       <p:ext uri="{BB962C8B-B14F-4D97-AF65-F5344CB8AC3E}">
-        <p14:creationId xmlns:p14="http://schemas.microsoft.com/office/powerpoint/2010/main" val="1778851185"/>
+        <p14:creationId xmlns:p14="http://schemas.microsoft.com/office/powerpoint/2010/main" val="341611908"/>
       </p:ext>
     </p:extLst>
   </p:cSld>
@@ -1677,6 +1435,494 @@
           <a:bodyPr/>
           <a:lstStyle/>
           <a:p>
+            <a:r>
+              <a:rPr lang="zh-TW" altLang="en-US" b="0" i="0" dirty="0">
+                <a:solidFill>
+                  <a:srgbClr val="374151"/>
+                </a:solidFill>
+                <a:effectLst/>
+                <a:latin typeface="Söhne"/>
+              </a:rPr>
+              <a:t>你定義了一個基於 </a:t>
+            </a:r>
+            <a:r>
+              <a:rPr lang="en-US" b="0" i="0" dirty="0">
+                <a:solidFill>
+                  <a:srgbClr val="374151"/>
+                </a:solidFill>
+                <a:effectLst/>
+                <a:latin typeface="Söhne"/>
+              </a:rPr>
+              <a:t>GAT (Graph Attention Network) </a:t>
+            </a:r>
+            <a:r>
+              <a:rPr lang="zh-TW" altLang="en-US" b="0" i="0" dirty="0">
+                <a:solidFill>
+                  <a:srgbClr val="374151"/>
+                </a:solidFill>
+                <a:effectLst/>
+                <a:latin typeface="Söhne"/>
+              </a:rPr>
+              <a:t>的神經網路模型。</a:t>
+            </a:r>
+            <a:r>
+              <a:rPr lang="en-US" b="0" i="0" dirty="0">
+                <a:solidFill>
+                  <a:srgbClr val="374151"/>
+                </a:solidFill>
+                <a:effectLst/>
+                <a:latin typeface="Söhne"/>
+              </a:rPr>
+              <a:t>GAT </a:t>
+            </a:r>
+            <a:r>
+              <a:rPr lang="zh-TW" altLang="en-US" b="0" i="0" dirty="0">
+                <a:solidFill>
+                  <a:srgbClr val="374151"/>
+                </a:solidFill>
+                <a:effectLst/>
+                <a:latin typeface="Söhne"/>
+              </a:rPr>
+              <a:t>是一種圖卷積神經網路，其中每個節點通過 </a:t>
+            </a:r>
+            <a:r>
+              <a:rPr lang="en-US" b="0" i="0" dirty="0">
+                <a:solidFill>
+                  <a:srgbClr val="374151"/>
+                </a:solidFill>
+                <a:effectLst/>
+                <a:latin typeface="Söhne"/>
+              </a:rPr>
+              <a:t>attention mechanism </a:t>
+            </a:r>
+            <a:r>
+              <a:rPr lang="zh-TW" altLang="en-US" b="0" i="0" dirty="0">
+                <a:solidFill>
+                  <a:srgbClr val="374151"/>
+                </a:solidFill>
+                <a:effectLst/>
+                <a:latin typeface="Söhne"/>
+              </a:rPr>
+              <a:t>而不僅僅是平均鄰居特徵來更新其特徵。</a:t>
+            </a:r>
+            <a:endParaRPr lang="en-US" altLang="zh-TW" b="0" i="0" dirty="0">
+              <a:solidFill>
+                <a:srgbClr val="374151"/>
+              </a:solidFill>
+              <a:effectLst/>
+              <a:latin typeface="Söhne"/>
+            </a:endParaRPr>
+          </a:p>
+          <a:p>
+            <a:endParaRPr lang="en-US" altLang="zh-TW" dirty="0"/>
+          </a:p>
+          <a:p>
+            <a:pPr algn="l"/>
+            <a:r>
+              <a:rPr lang="zh-TW" altLang="en-US" b="1" i="0" dirty="0">
+                <a:solidFill>
+                  <a:srgbClr val="374151"/>
+                </a:solidFill>
+                <a:effectLst/>
+                <a:latin typeface="Söhne"/>
+              </a:rPr>
+              <a:t>前向方法 </a:t>
+            </a:r>
+            <a:r>
+              <a:rPr lang="en-US" altLang="zh-TW" b="1" i="0" dirty="0">
+                <a:solidFill>
+                  <a:srgbClr val="374151"/>
+                </a:solidFill>
+                <a:effectLst/>
+                <a:latin typeface="Söhne"/>
+              </a:rPr>
+              <a:t>(</a:t>
+            </a:r>
+            <a:r>
+              <a:rPr lang="en-US" b="1" i="0" dirty="0">
+                <a:solidFill>
+                  <a:srgbClr val="374151"/>
+                </a:solidFill>
+                <a:effectLst/>
+                <a:latin typeface="Söhne"/>
+              </a:rPr>
+              <a:t>forward)</a:t>
+            </a:r>
+            <a:r>
+              <a:rPr lang="en-US" b="0" i="0" dirty="0">
+                <a:solidFill>
+                  <a:srgbClr val="374151"/>
+                </a:solidFill>
+                <a:effectLst/>
+                <a:latin typeface="Söhne"/>
+              </a:rPr>
+              <a:t>:</a:t>
+            </a:r>
+          </a:p>
+          <a:p>
+            <a:pPr algn="l">
+              <a:buFont typeface="Arial" panose="020B0604020202020204" pitchFamily="34" charset="0"/>
+              <a:buChar char="•"/>
+            </a:pPr>
+            <a:r>
+              <a:rPr lang="zh-TW" altLang="en-US" b="0" i="0" dirty="0">
+                <a:solidFill>
+                  <a:srgbClr val="374151"/>
+                </a:solidFill>
+                <a:effectLst/>
+                <a:latin typeface="Söhne"/>
+              </a:rPr>
+              <a:t>首先，它通過第一個 </a:t>
+            </a:r>
+            <a:r>
+              <a:rPr lang="en-US" b="0" i="0" dirty="0">
+                <a:solidFill>
+                  <a:srgbClr val="374151"/>
+                </a:solidFill>
+                <a:effectLst/>
+                <a:latin typeface="Söhne"/>
+              </a:rPr>
+              <a:t>GAT </a:t>
+            </a:r>
+            <a:r>
+              <a:rPr lang="zh-TW" altLang="en-US" b="0" i="0" dirty="0">
+                <a:solidFill>
+                  <a:srgbClr val="374151"/>
+                </a:solidFill>
+                <a:effectLst/>
+                <a:latin typeface="Söhne"/>
+              </a:rPr>
+              <a:t>層將輸入特徵 </a:t>
+            </a:r>
+            <a:r>
+              <a:rPr lang="en-US" b="0" i="0" dirty="0">
+                <a:solidFill>
+                  <a:srgbClr val="374151"/>
+                </a:solidFill>
+                <a:effectLst/>
+                <a:latin typeface="Söhne"/>
+              </a:rPr>
+              <a:t>h </a:t>
+            </a:r>
+            <a:r>
+              <a:rPr lang="zh-TW" altLang="en-US" b="0" i="0" dirty="0">
+                <a:solidFill>
+                  <a:srgbClr val="374151"/>
+                </a:solidFill>
+                <a:effectLst/>
+                <a:latin typeface="Söhne"/>
+              </a:rPr>
+              <a:t>轉換成新的特徵。</a:t>
+            </a:r>
+          </a:p>
+          <a:p>
+            <a:pPr algn="l">
+              <a:buFont typeface="Arial" panose="020B0604020202020204" pitchFamily="34" charset="0"/>
+              <a:buChar char="•"/>
+            </a:pPr>
+            <a:r>
+              <a:rPr lang="zh-TW" altLang="en-US" b="0" i="0" dirty="0">
+                <a:solidFill>
+                  <a:srgbClr val="374151"/>
+                </a:solidFill>
+                <a:effectLst/>
+                <a:latin typeface="Söhne"/>
+              </a:rPr>
+              <a:t>使用 </a:t>
+            </a:r>
+            <a:r>
+              <a:rPr lang="en-US" b="0" i="0" dirty="0">
+                <a:solidFill>
+                  <a:srgbClr val="374151"/>
+                </a:solidFill>
+                <a:effectLst/>
+                <a:latin typeface="Söhne"/>
+              </a:rPr>
+              <a:t>view </a:t>
+            </a:r>
+            <a:r>
+              <a:rPr lang="zh-TW" altLang="en-US" b="0" i="0" dirty="0">
+                <a:solidFill>
+                  <a:srgbClr val="374151"/>
+                </a:solidFill>
+                <a:effectLst/>
+                <a:latin typeface="Söhne"/>
+              </a:rPr>
+              <a:t>方法來重塑特徵 </a:t>
+            </a:r>
+            <a:r>
+              <a:rPr lang="en-US" b="0" i="0" dirty="0">
+                <a:solidFill>
+                  <a:srgbClr val="374151"/>
+                </a:solidFill>
+                <a:effectLst/>
+                <a:latin typeface="Söhne"/>
+              </a:rPr>
+              <a:t>tensor，</a:t>
+            </a:r>
+            <a:r>
+              <a:rPr lang="zh-TW" altLang="en-US" b="0" i="0" dirty="0">
+                <a:solidFill>
+                  <a:srgbClr val="374151"/>
+                </a:solidFill>
+                <a:effectLst/>
+                <a:latin typeface="Söhne"/>
+              </a:rPr>
+              <a:t>使其維度適應多頭注意力的輸出。</a:t>
+            </a:r>
+            <a:endParaRPr lang="en-US" altLang="zh-TW" b="0" i="0" dirty="0">
+              <a:solidFill>
+                <a:srgbClr val="374151"/>
+              </a:solidFill>
+              <a:effectLst/>
+              <a:latin typeface="Söhne"/>
+            </a:endParaRPr>
+          </a:p>
+          <a:p>
+            <a:pPr algn="l">
+              <a:buFont typeface="Arial" panose="020B0604020202020204" pitchFamily="34" charset="0"/>
+              <a:buChar char="•"/>
+            </a:pPr>
+            <a:r>
+              <a:rPr lang="zh-TW" altLang="en-US" b="0" i="0" dirty="0">
+                <a:solidFill>
+                  <a:srgbClr val="374151"/>
+                </a:solidFill>
+                <a:effectLst/>
+                <a:latin typeface="Söhne"/>
+              </a:rPr>
+              <a:t>使用 </a:t>
+            </a:r>
+            <a:r>
+              <a:rPr lang="en-US" b="0" i="0" dirty="0">
+                <a:solidFill>
+                  <a:srgbClr val="374151"/>
+                </a:solidFill>
+                <a:effectLst/>
+                <a:latin typeface="Söhne"/>
+              </a:rPr>
+              <a:t>dropout </a:t>
+            </a:r>
+            <a:r>
+              <a:rPr lang="zh-TW" altLang="en-US" b="0" i="0" dirty="0">
+                <a:solidFill>
+                  <a:srgbClr val="374151"/>
+                </a:solidFill>
+                <a:effectLst/>
+                <a:latin typeface="Söhne"/>
+              </a:rPr>
+              <a:t>進行正則化。</a:t>
+            </a:r>
+          </a:p>
+          <a:p>
+            <a:pPr algn="l">
+              <a:buFont typeface="Arial" panose="020B0604020202020204" pitchFamily="34" charset="0"/>
+              <a:buChar char="•"/>
+            </a:pPr>
+            <a:r>
+              <a:rPr lang="zh-TW" altLang="en-US" b="0" i="0" dirty="0">
+                <a:solidFill>
+                  <a:srgbClr val="374151"/>
+                </a:solidFill>
+                <a:effectLst/>
+                <a:latin typeface="Söhne"/>
+              </a:rPr>
+              <a:t>通過第二個 </a:t>
+            </a:r>
+            <a:r>
+              <a:rPr lang="en-US" b="0" i="0" dirty="0">
+                <a:solidFill>
+                  <a:srgbClr val="374151"/>
+                </a:solidFill>
+                <a:effectLst/>
+                <a:latin typeface="Söhne"/>
+              </a:rPr>
+              <a:t>GAT </a:t>
+            </a:r>
+            <a:r>
+              <a:rPr lang="zh-TW" altLang="en-US" b="0" i="0" dirty="0">
+                <a:solidFill>
+                  <a:srgbClr val="374151"/>
+                </a:solidFill>
+                <a:effectLst/>
+                <a:latin typeface="Söhne"/>
+              </a:rPr>
+              <a:t>層進行另一次特徵轉換。</a:t>
+            </a:r>
+          </a:p>
+          <a:p>
+            <a:pPr algn="l">
+              <a:buFont typeface="Arial" panose="020B0604020202020204" pitchFamily="34" charset="0"/>
+              <a:buChar char="•"/>
+            </a:pPr>
+            <a:r>
+              <a:rPr lang="zh-TW" altLang="en-US" b="0" i="0" dirty="0">
+                <a:solidFill>
+                  <a:srgbClr val="374151"/>
+                </a:solidFill>
+                <a:effectLst/>
+                <a:latin typeface="Söhne"/>
+              </a:rPr>
+              <a:t>將這些輸出特徵存儲為新的節點特徵 </a:t>
+            </a:r>
+            <a:r>
+              <a:rPr lang="en-US" b="0" i="0" dirty="0" err="1">
+                <a:solidFill>
+                  <a:srgbClr val="374151"/>
+                </a:solidFill>
+                <a:effectLst/>
+                <a:latin typeface="Söhne"/>
+              </a:rPr>
+              <a:t>h_out</a:t>
+            </a:r>
+            <a:r>
+              <a:rPr lang="en-US" b="0" i="0" dirty="0">
+                <a:solidFill>
+                  <a:srgbClr val="374151"/>
+                </a:solidFill>
+                <a:effectLst/>
+                <a:latin typeface="Söhne"/>
+              </a:rPr>
+              <a:t>。</a:t>
+            </a:r>
+          </a:p>
+          <a:p>
+            <a:pPr algn="l">
+              <a:buFont typeface="Arial" panose="020B0604020202020204" pitchFamily="34" charset="0"/>
+              <a:buChar char="•"/>
+            </a:pPr>
+            <a:r>
+              <a:rPr lang="zh-TW" altLang="en-US" b="0" i="0" dirty="0">
+                <a:solidFill>
+                  <a:srgbClr val="374151"/>
+                </a:solidFill>
+                <a:effectLst/>
+                <a:latin typeface="Söhne"/>
+              </a:rPr>
+              <a:t>最後，使用平均池化來彙總整個圖的節點特徵，得到一個圖級別的輸出特徵。</a:t>
+            </a:r>
+            <a:endParaRPr lang="en-US" altLang="zh-TW" b="0" i="0" dirty="0">
+              <a:solidFill>
+                <a:srgbClr val="374151"/>
+              </a:solidFill>
+              <a:effectLst/>
+              <a:latin typeface="Söhne"/>
+            </a:endParaRPr>
+          </a:p>
+          <a:p>
+            <a:pPr algn="l">
+              <a:buFont typeface="Arial" panose="020B0604020202020204" pitchFamily="34" charset="0"/>
+              <a:buChar char="•"/>
+            </a:pPr>
+            <a:endParaRPr lang="en-US" altLang="zh-TW" b="0" i="0" dirty="0">
+              <a:solidFill>
+                <a:srgbClr val="374151"/>
+              </a:solidFill>
+              <a:effectLst/>
+              <a:latin typeface="Söhne"/>
+            </a:endParaRPr>
+          </a:p>
+          <a:p>
+            <a:pPr algn="l">
+              <a:buFont typeface="Arial" panose="020B0604020202020204" pitchFamily="34" charset="0"/>
+              <a:buChar char="•"/>
+            </a:pPr>
+            <a:r>
+              <a:rPr lang="en-US" dirty="0"/>
+              <a:t>view</a:t>
+            </a:r>
+            <a:r>
+              <a:rPr lang="en-US" b="0" i="0" dirty="0">
+                <a:solidFill>
+                  <a:srgbClr val="374151"/>
+                </a:solidFill>
+                <a:effectLst/>
+                <a:latin typeface="Söhne"/>
+              </a:rPr>
+              <a:t> </a:t>
+            </a:r>
+            <a:r>
+              <a:rPr lang="zh-TW" altLang="en-US" b="0" i="0" dirty="0">
+                <a:solidFill>
+                  <a:srgbClr val="374151"/>
+                </a:solidFill>
+                <a:effectLst/>
+                <a:latin typeface="Söhne"/>
+              </a:rPr>
+              <a:t>是 </a:t>
+            </a:r>
+            <a:r>
+              <a:rPr lang="en-US" b="0" i="0" dirty="0" err="1">
+                <a:solidFill>
+                  <a:srgbClr val="374151"/>
+                </a:solidFill>
+                <a:effectLst/>
+                <a:latin typeface="Söhne"/>
+              </a:rPr>
+              <a:t>PyTorch</a:t>
+            </a:r>
+            <a:r>
+              <a:rPr lang="en-US" b="0" i="0" dirty="0">
+                <a:solidFill>
+                  <a:srgbClr val="374151"/>
+                </a:solidFill>
+                <a:effectLst/>
+                <a:latin typeface="Söhne"/>
+              </a:rPr>
+              <a:t> tensor </a:t>
+            </a:r>
+            <a:r>
+              <a:rPr lang="zh-TW" altLang="en-US" b="0" i="0" dirty="0">
+                <a:solidFill>
+                  <a:srgbClr val="374151"/>
+                </a:solidFill>
+                <a:effectLst/>
+                <a:latin typeface="Söhne"/>
+              </a:rPr>
+              <a:t>中的一個方法，它允許您重塑 </a:t>
+            </a:r>
+            <a:r>
+              <a:rPr lang="en-US" b="0" i="0" dirty="0">
+                <a:solidFill>
+                  <a:srgbClr val="374151"/>
+                </a:solidFill>
+                <a:effectLst/>
+                <a:latin typeface="Söhne"/>
+              </a:rPr>
+              <a:t>tensor。</a:t>
+            </a:r>
+            <a:r>
+              <a:rPr lang="zh-TW" altLang="en-US" b="0" i="0" dirty="0">
+                <a:solidFill>
+                  <a:srgbClr val="374151"/>
+                </a:solidFill>
+                <a:effectLst/>
+                <a:latin typeface="Söhne"/>
+              </a:rPr>
+              <a:t>換句話說，您可以使用它來改變 </a:t>
+            </a:r>
+            <a:r>
+              <a:rPr lang="en-US" b="0" i="0" dirty="0">
+                <a:solidFill>
+                  <a:srgbClr val="374151"/>
+                </a:solidFill>
+                <a:effectLst/>
+                <a:latin typeface="Söhne"/>
+              </a:rPr>
+              <a:t>tensor </a:t>
+            </a:r>
+            <a:r>
+              <a:rPr lang="zh-TW" altLang="en-US" b="0" i="0" dirty="0">
+                <a:solidFill>
+                  <a:srgbClr val="374151"/>
+                </a:solidFill>
+                <a:effectLst/>
+                <a:latin typeface="Söhne"/>
+              </a:rPr>
+              <a:t>的維度和大小，但是內容和數據順序保持不變。</a:t>
+            </a:r>
+          </a:p>
+          <a:p>
             <a:endParaRPr lang="en-US" altLang="zh-TW" dirty="0"/>
           </a:p>
         </p:txBody>
@@ -1698,7 +1944,7 @@
           <a:p>
             <a:fld id="{50B9CB7D-C514-3544-A72A-E200086B53CC}" type="slidenum">
               <a:rPr lang="en-TW" smtClean="0"/>
-              <a:t>13</a:t>
+              <a:t>12</a:t>
             </a:fld>
             <a:endParaRPr lang="en-TW"/>
           </a:p>
@@ -1707,7 +1953,7 @@
     </p:spTree>
     <p:extLst>
       <p:ext uri="{BB962C8B-B14F-4D97-AF65-F5344CB8AC3E}">
-        <p14:creationId xmlns:p14="http://schemas.microsoft.com/office/powerpoint/2010/main" val="3175678713"/>
+        <p14:creationId xmlns:p14="http://schemas.microsoft.com/office/powerpoint/2010/main" val="3259011780"/>
       </p:ext>
     </p:extLst>
   </p:cSld>
@@ -1782,6 +2028,90 @@
           <a:p>
             <a:fld id="{50B9CB7D-C514-3544-A72A-E200086B53CC}" type="slidenum">
               <a:rPr lang="en-TW" smtClean="0"/>
+              <a:t>13</a:t>
+            </a:fld>
+            <a:endParaRPr lang="en-TW"/>
+          </a:p>
+        </p:txBody>
+      </p:sp>
+    </p:spTree>
+    <p:extLst>
+      <p:ext uri="{BB962C8B-B14F-4D97-AF65-F5344CB8AC3E}">
+        <p14:creationId xmlns:p14="http://schemas.microsoft.com/office/powerpoint/2010/main" val="1778851185"/>
+      </p:ext>
+    </p:extLst>
+  </p:cSld>
+  <p:clrMapOvr>
+    <a:masterClrMapping/>
+  </p:clrMapOvr>
+</p:notes>
+</file>
+
+<file path=ppt/notesSlides/notesSlide9.xml><?xml version="1.0" encoding="utf-8"?>
+<p:notes xmlns:a="http://schemas.openxmlformats.org/drawingml/2006/main" xmlns:r="http://schemas.openxmlformats.org/officeDocument/2006/relationships" xmlns:p="http://schemas.openxmlformats.org/presentationml/2006/main">
+  <p:cSld>
+    <p:spTree>
+      <p:nvGrpSpPr>
+        <p:cNvPr id="1" name=""/>
+        <p:cNvGrpSpPr/>
+        <p:nvPr/>
+      </p:nvGrpSpPr>
+      <p:grpSpPr>
+        <a:xfrm>
+          <a:off x="0" y="0"/>
+          <a:ext cx="0" cy="0"/>
+          <a:chOff x="0" y="0"/>
+          <a:chExt cx="0" cy="0"/>
+        </a:xfrm>
+      </p:grpSpPr>
+      <p:sp>
+        <p:nvSpPr>
+          <p:cNvPr id="2" name="Slide Image Placeholder 1"/>
+          <p:cNvSpPr>
+            <a:spLocks noGrp="1" noRot="1" noChangeAspect="1"/>
+          </p:cNvSpPr>
+          <p:nvPr>
+            <p:ph type="sldImg"/>
+          </p:nvPr>
+        </p:nvSpPr>
+        <p:spPr/>
+      </p:sp>
+      <p:sp>
+        <p:nvSpPr>
+          <p:cNvPr id="3" name="Notes Placeholder 2"/>
+          <p:cNvSpPr>
+            <a:spLocks noGrp="1"/>
+          </p:cNvSpPr>
+          <p:nvPr>
+            <p:ph type="body" idx="1"/>
+          </p:nvPr>
+        </p:nvSpPr>
+        <p:spPr/>
+        <p:txBody>
+          <a:bodyPr/>
+          <a:lstStyle/>
+          <a:p>
+            <a:endParaRPr lang="en-US" altLang="zh-TW" dirty="0"/>
+          </a:p>
+        </p:txBody>
+      </p:sp>
+      <p:sp>
+        <p:nvSpPr>
+          <p:cNvPr id="4" name="Slide Number Placeholder 3"/>
+          <p:cNvSpPr>
+            <a:spLocks noGrp="1"/>
+          </p:cNvSpPr>
+          <p:nvPr>
+            <p:ph type="sldNum" sz="quarter" idx="5"/>
+          </p:nvPr>
+        </p:nvSpPr>
+        <p:spPr/>
+        <p:txBody>
+          <a:bodyPr/>
+          <a:lstStyle/>
+          <a:p>
+            <a:fld id="{50B9CB7D-C514-3544-A72A-E200086B53CC}" type="slidenum">
+              <a:rPr lang="en-TW" smtClean="0"/>
               <a:t>15</a:t>
             </a:fld>
             <a:endParaRPr lang="en-TW"/>
@@ -1791,7 +2121,7 @@
     </p:spTree>
     <p:extLst>
       <p:ext uri="{BB962C8B-B14F-4D97-AF65-F5344CB8AC3E}">
-        <p14:creationId xmlns:p14="http://schemas.microsoft.com/office/powerpoint/2010/main" val="905481662"/>
+        <p14:creationId xmlns:p14="http://schemas.microsoft.com/office/powerpoint/2010/main" val="3175678713"/>
       </p:ext>
     </p:extLst>
   </p:cSld>
@@ -5088,7 +5418,7 @@
           <a:p>
             <a:r>
               <a:rPr lang="en-TW" dirty="0"/>
-              <a:t>Tsung-Min Pai </a:t>
+              <a:t>Tsung-Min Pai</a:t>
             </a:r>
           </a:p>
           <a:p>
@@ -5138,6 +5468,18 @@
   <p:clrMapOvr>
     <a:masterClrMapping/>
   </p:clrMapOvr>
+  <mc:AlternateContent xmlns:mc="http://schemas.openxmlformats.org/markup-compatibility/2006">
+    <mc:Choice xmlns:p159="http://schemas.microsoft.com/office/powerpoint/2015/09/main" Requires="p159">
+      <p:transition xmlns:p14="http://schemas.microsoft.com/office/powerpoint/2010/main" spd="slow" p14:dur="2000">
+        <p159:morph option="byObject"/>
+      </p:transition>
+    </mc:Choice>
+    <mc:Fallback>
+      <p:transition spd="slow">
+        <p:fade/>
+      </p:transition>
+    </mc:Fallback>
+  </mc:AlternateContent>
 </p:sld>
 </file>
 
@@ -5176,7 +5518,7 @@
         </p:nvSpPr>
         <p:spPr>
           <a:xfrm>
-            <a:off x="390562" y="81290"/>
+            <a:off x="213419" y="70553"/>
             <a:ext cx="10515600" cy="1325563"/>
           </a:xfrm>
         </p:spPr>
@@ -5186,7 +5528,7 @@
           <a:p>
             <a:r>
               <a:rPr lang="en-TW" b="1" dirty="0"/>
-              <a:t>Graph Attention Network - GAT</a:t>
+              <a:t>Data Format</a:t>
             </a:r>
           </a:p>
         </p:txBody>
@@ -5222,10 +5564,10 @@
       </p:sp>
       <p:pic>
         <p:nvPicPr>
-          <p:cNvPr id="5" name="Content Placeholder 4">
-            <a:extLst>
-              <a:ext uri="{FF2B5EF4-FFF2-40B4-BE49-F238E27FC236}">
-                <a16:creationId xmlns:a16="http://schemas.microsoft.com/office/drawing/2014/main" id="{D3F8CC4F-3388-8B07-8691-8B225726F4DC}"/>
+          <p:cNvPr id="11" name="Content Placeholder 10">
+            <a:extLst>
+              <a:ext uri="{FF2B5EF4-FFF2-40B4-BE49-F238E27FC236}">
+                <a16:creationId xmlns:a16="http://schemas.microsoft.com/office/drawing/2014/main" id="{1003C663-C527-79B3-490D-9A9C2C4E365F}"/>
               </a:ext>
             </a:extLst>
           </p:cNvPr>
@@ -5244,17 +5586,47 @@
         </p:blipFill>
         <p:spPr>
           <a:xfrm>
-            <a:off x="639794" y="1623980"/>
-            <a:ext cx="10515600" cy="4384734"/>
+            <a:off x="535889" y="1945819"/>
+            <a:ext cx="4513869" cy="3555942"/>
           </a:xfrm>
         </p:spPr>
       </p:pic>
-      <p:sp>
-        <p:nvSpPr>
-          <p:cNvPr id="7" name="TextBox 6">
-            <a:extLst>
-              <a:ext uri="{FF2B5EF4-FFF2-40B4-BE49-F238E27FC236}">
-                <a16:creationId xmlns:a16="http://schemas.microsoft.com/office/drawing/2014/main" id="{91487A96-0596-0249-45A4-AD77B667878A}"/>
+      <p:pic>
+        <p:nvPicPr>
+          <p:cNvPr id="16" name="Picture 15">
+            <a:extLst>
+              <a:ext uri="{FF2B5EF4-FFF2-40B4-BE49-F238E27FC236}">
+                <a16:creationId xmlns:a16="http://schemas.microsoft.com/office/drawing/2014/main" id="{FB861040-F47E-4AC6-4D25-1ED5C9580396}"/>
+              </a:ext>
+            </a:extLst>
+          </p:cNvPr>
+          <p:cNvPicPr>
+            <a:picLocks noChangeAspect="1"/>
+          </p:cNvPicPr>
+          <p:nvPr/>
+        </p:nvPicPr>
+        <p:blipFill>
+          <a:blip r:embed="rId4"/>
+          <a:stretch>
+            <a:fillRect/>
+          </a:stretch>
+        </p:blipFill>
+        <p:spPr>
+          <a:xfrm>
+            <a:off x="6635208" y="1945819"/>
+            <a:ext cx="4718592" cy="3684091"/>
+          </a:xfrm>
+          <a:prstGeom prst="rect">
+            <a:avLst/>
+          </a:prstGeom>
+        </p:spPr>
+      </p:pic>
+      <p:sp>
+        <p:nvSpPr>
+          <p:cNvPr id="17" name="TextBox 16">
+            <a:extLst>
+              <a:ext uri="{FF2B5EF4-FFF2-40B4-BE49-F238E27FC236}">
+                <a16:creationId xmlns:a16="http://schemas.microsoft.com/office/drawing/2014/main" id="{B9A82A71-AEAD-5C50-16A4-B9695024A0DE}"/>
               </a:ext>
             </a:extLst>
           </p:cNvPr>
@@ -5263,8 +5635,8 @@
         </p:nvSpPr>
         <p:spPr>
           <a:xfrm>
-            <a:off x="639794" y="5987018"/>
-            <a:ext cx="3745000" cy="369332"/>
+            <a:off x="535889" y="1578634"/>
+            <a:ext cx="1694566" cy="369332"/>
           </a:xfrm>
           <a:prstGeom prst="rect">
             <a:avLst/>
@@ -5277,6 +5649,332 @@
           </a:bodyPr>
           <a:lstStyle/>
           <a:p>
+            <a:r>
+              <a:rPr lang="en-US" dirty="0"/>
+              <a:t>C</a:t>
+            </a:r>
+            <a:r>
+              <a:rPr lang="en-TW" dirty="0"/>
+              <a:t>urrent version:</a:t>
+            </a:r>
+          </a:p>
+        </p:txBody>
+      </p:sp>
+      <p:sp>
+        <p:nvSpPr>
+          <p:cNvPr id="19" name="Right Arrow 18">
+            <a:extLst>
+              <a:ext uri="{FF2B5EF4-FFF2-40B4-BE49-F238E27FC236}">
+                <a16:creationId xmlns:a16="http://schemas.microsoft.com/office/drawing/2014/main" id="{163AC0AB-5D62-47B5-2B27-43D65E38B9FD}"/>
+              </a:ext>
+            </a:extLst>
+          </p:cNvPr>
+          <p:cNvSpPr/>
+          <p:nvPr/>
+        </p:nvSpPr>
+        <p:spPr>
+          <a:xfrm>
+            <a:off x="5556793" y="3546639"/>
+            <a:ext cx="707136" cy="482450"/>
+          </a:xfrm>
+          <a:prstGeom prst="rightArrow">
+            <a:avLst/>
+          </a:prstGeom>
+        </p:spPr>
+        <p:style>
+          <a:lnRef idx="2">
+            <a:schemeClr val="dk1">
+              <a:shade val="15000"/>
+            </a:schemeClr>
+          </a:lnRef>
+          <a:fillRef idx="1">
+            <a:schemeClr val="dk1"/>
+          </a:fillRef>
+          <a:effectRef idx="0">
+            <a:schemeClr val="dk1"/>
+          </a:effectRef>
+          <a:fontRef idx="minor">
+            <a:schemeClr val="lt1"/>
+          </a:fontRef>
+        </p:style>
+        <p:txBody>
+          <a:bodyPr rtlCol="0" anchor="ctr"/>
+          <a:lstStyle/>
+          <a:p>
+            <a:pPr algn="ctr"/>
+            <a:endParaRPr lang="en-TW"/>
+          </a:p>
+        </p:txBody>
+      </p:sp>
+      <p:sp>
+        <p:nvSpPr>
+          <p:cNvPr id="20" name="TextBox 19">
+            <a:extLst>
+              <a:ext uri="{FF2B5EF4-FFF2-40B4-BE49-F238E27FC236}">
+                <a16:creationId xmlns:a16="http://schemas.microsoft.com/office/drawing/2014/main" id="{E55479F7-D177-A214-EF9D-71E6A0E95164}"/>
+              </a:ext>
+            </a:extLst>
+          </p:cNvPr>
+          <p:cNvSpPr txBox="1"/>
+          <p:nvPr/>
+        </p:nvSpPr>
+        <p:spPr>
+          <a:xfrm>
+            <a:off x="9604539" y="5683750"/>
+            <a:ext cx="1398909" cy="307777"/>
+          </a:xfrm>
+          <a:prstGeom prst="rect">
+            <a:avLst/>
+          </a:prstGeom>
+          <a:noFill/>
+        </p:spPr>
+        <p:txBody>
+          <a:bodyPr wrap="none" rtlCol="0">
+            <a:spAutoFit/>
+          </a:bodyPr>
+          <a:lstStyle/>
+          <a:p>
+            <a:r>
+              <a:rPr lang="en-US" sz="1400" dirty="0"/>
+              <a:t>Q: H</a:t>
+            </a:r>
+            <a:r>
+              <a:rPr lang="en-TW" sz="1400" dirty="0"/>
+              <a:t>ow to label?</a:t>
+            </a:r>
+          </a:p>
+        </p:txBody>
+      </p:sp>
+    </p:spTree>
+    <p:extLst>
+      <p:ext uri="{BB962C8B-B14F-4D97-AF65-F5344CB8AC3E}">
+        <p14:creationId xmlns:p14="http://schemas.microsoft.com/office/powerpoint/2010/main" val="285392167"/>
+      </p:ext>
+    </p:extLst>
+  </p:cSld>
+  <p:clrMapOvr>
+    <a:masterClrMapping/>
+  </p:clrMapOvr>
+  <mc:AlternateContent xmlns:mc="http://schemas.openxmlformats.org/markup-compatibility/2006">
+    <mc:Choice xmlns:p159="http://schemas.microsoft.com/office/powerpoint/2015/09/main" Requires="p159">
+      <p:transition xmlns:p14="http://schemas.microsoft.com/office/powerpoint/2010/main" spd="slow" p14:dur="2000">
+        <p159:morph option="byObject"/>
+      </p:transition>
+    </mc:Choice>
+    <mc:Fallback>
+      <p:transition spd="slow">
+        <p:fade/>
+      </p:transition>
+    </mc:Fallback>
+  </mc:AlternateContent>
+</p:sld>
+</file>
+
+<file path=ppt/slides/slide11.xml><?xml version="1.0" encoding="utf-8"?>
+<p:sld xmlns:a="http://schemas.openxmlformats.org/drawingml/2006/main" xmlns:r="http://schemas.openxmlformats.org/officeDocument/2006/relationships" xmlns:p="http://schemas.openxmlformats.org/presentationml/2006/main">
+  <p:cSld>
+    <p:spTree>
+      <p:nvGrpSpPr>
+        <p:cNvPr id="1" name=""/>
+        <p:cNvGrpSpPr/>
+        <p:nvPr/>
+      </p:nvGrpSpPr>
+      <p:grpSpPr>
+        <a:xfrm>
+          <a:off x="0" y="0"/>
+          <a:ext cx="0" cy="0"/>
+          <a:chOff x="0" y="0"/>
+          <a:chExt cx="0" cy="0"/>
+        </a:xfrm>
+      </p:grpSpPr>
+      <p:sp>
+        <p:nvSpPr>
+          <p:cNvPr id="2" name="Title 1">
+            <a:extLst>
+              <a:ext uri="{FF2B5EF4-FFF2-40B4-BE49-F238E27FC236}">
+                <a16:creationId xmlns:a16="http://schemas.microsoft.com/office/drawing/2014/main" id="{2B533BED-E48C-5E7F-2273-C55CCE98516B}"/>
+              </a:ext>
+            </a:extLst>
+          </p:cNvPr>
+          <p:cNvSpPr>
+            <a:spLocks noGrp="1"/>
+          </p:cNvSpPr>
+          <p:nvPr>
+            <p:ph type="title"/>
+          </p:nvPr>
+        </p:nvSpPr>
+        <p:spPr>
+          <a:xfrm>
+            <a:off x="363668" y="89416"/>
+            <a:ext cx="10515600" cy="1325563"/>
+          </a:xfrm>
+        </p:spPr>
+        <p:txBody>
+          <a:bodyPr/>
+          <a:lstStyle/>
+          <a:p>
+            <a:r>
+              <a:rPr lang="en-TW" b="1" dirty="0"/>
+              <a:t>Graph Convolutional Network - GCN</a:t>
+            </a:r>
+          </a:p>
+        </p:txBody>
+      </p:sp>
+      <p:sp>
+        <p:nvSpPr>
+          <p:cNvPr id="4" name="Slide Number Placeholder 3">
+            <a:extLst>
+              <a:ext uri="{FF2B5EF4-FFF2-40B4-BE49-F238E27FC236}">
+                <a16:creationId xmlns:a16="http://schemas.microsoft.com/office/drawing/2014/main" id="{5CD44B9F-7DE8-0932-BD70-B0BA453E653B}"/>
+              </a:ext>
+            </a:extLst>
+          </p:cNvPr>
+          <p:cNvSpPr>
+            <a:spLocks noGrp="1"/>
+          </p:cNvSpPr>
+          <p:nvPr>
+            <p:ph type="sldNum" sz="quarter" idx="12"/>
+          </p:nvPr>
+        </p:nvSpPr>
+        <p:spPr/>
+        <p:txBody>
+          <a:bodyPr/>
+          <a:lstStyle/>
+          <a:p>
+            <a:fld id="{DB156E10-B3DB-CB42-894C-E44038C8B0C4}" type="slidenum">
+              <a:rPr lang="en-TW" smtClean="0"/>
+              <a:t>11</a:t>
+            </a:fld>
+            <a:endParaRPr lang="en-TW"/>
+          </a:p>
+        </p:txBody>
+      </p:sp>
+      <p:pic>
+        <p:nvPicPr>
+          <p:cNvPr id="10" name="Content Placeholder 9">
+            <a:extLst>
+              <a:ext uri="{FF2B5EF4-FFF2-40B4-BE49-F238E27FC236}">
+                <a16:creationId xmlns:a16="http://schemas.microsoft.com/office/drawing/2014/main" id="{2E075D65-603F-E7BD-FF0A-E28275FB4462}"/>
+              </a:ext>
+            </a:extLst>
+          </p:cNvPr>
+          <p:cNvPicPr>
+            <a:picLocks noGrp="1" noChangeAspect="1"/>
+          </p:cNvPicPr>
+          <p:nvPr>
+            <p:ph idx="1"/>
+          </p:nvPr>
+        </p:nvPicPr>
+        <p:blipFill rotWithShape="1">
+          <a:blip r:embed="rId3"/>
+          <a:srcRect t="28717" r="-802"/>
+          <a:stretch/>
+        </p:blipFill>
+        <p:spPr>
+          <a:xfrm>
+            <a:off x="6390975" y="2904613"/>
+            <a:ext cx="4642785" cy="1812843"/>
+          </a:xfrm>
+        </p:spPr>
+      </p:pic>
+      <p:sp>
+        <p:nvSpPr>
+          <p:cNvPr id="15" name="TextBox 14">
+            <a:extLst>
+              <a:ext uri="{FF2B5EF4-FFF2-40B4-BE49-F238E27FC236}">
+                <a16:creationId xmlns:a16="http://schemas.microsoft.com/office/drawing/2014/main" id="{6FD493DF-B104-2035-8CD7-9859B3500D0C}"/>
+              </a:ext>
+            </a:extLst>
+          </p:cNvPr>
+          <p:cNvSpPr txBox="1"/>
+          <p:nvPr/>
+        </p:nvSpPr>
+        <p:spPr>
+          <a:xfrm>
+            <a:off x="709757" y="1377750"/>
+            <a:ext cx="856325" cy="369332"/>
+          </a:xfrm>
+          <a:prstGeom prst="rect">
+            <a:avLst/>
+          </a:prstGeom>
+          <a:noFill/>
+        </p:spPr>
+        <p:txBody>
+          <a:bodyPr wrap="none" rtlCol="0">
+            <a:spAutoFit/>
+          </a:bodyPr>
+          <a:lstStyle/>
+          <a:p>
+            <a:r>
+              <a:rPr lang="en-TW" dirty="0"/>
+              <a:t>Model:</a:t>
+            </a:r>
+          </a:p>
+        </p:txBody>
+      </p:sp>
+      <p:sp>
+        <p:nvSpPr>
+          <p:cNvPr id="16" name="TextBox 15">
+            <a:extLst>
+              <a:ext uri="{FF2B5EF4-FFF2-40B4-BE49-F238E27FC236}">
+                <a16:creationId xmlns:a16="http://schemas.microsoft.com/office/drawing/2014/main" id="{CC1A12C0-2602-E5B4-8576-C720FB9E8447}"/>
+              </a:ext>
+            </a:extLst>
+          </p:cNvPr>
+          <p:cNvSpPr txBox="1"/>
+          <p:nvPr/>
+        </p:nvSpPr>
+        <p:spPr>
+          <a:xfrm>
+            <a:off x="6283399" y="1342175"/>
+            <a:ext cx="825034" cy="369332"/>
+          </a:xfrm>
+          <a:prstGeom prst="rect">
+            <a:avLst/>
+          </a:prstGeom>
+          <a:noFill/>
+        </p:spPr>
+        <p:txBody>
+          <a:bodyPr wrap="none" rtlCol="0">
+            <a:spAutoFit/>
+          </a:bodyPr>
+          <a:lstStyle/>
+          <a:p>
+            <a:r>
+              <a:rPr lang="en-TW" dirty="0"/>
+              <a:t>Result:</a:t>
+            </a:r>
+          </a:p>
+        </p:txBody>
+      </p:sp>
+      <p:sp>
+        <p:nvSpPr>
+          <p:cNvPr id="17" name="TextBox 16">
+            <a:extLst>
+              <a:ext uri="{FF2B5EF4-FFF2-40B4-BE49-F238E27FC236}">
+                <a16:creationId xmlns:a16="http://schemas.microsoft.com/office/drawing/2014/main" id="{70D95ADF-1DB1-CF1A-7B38-B4DED6AA3FE2}"/>
+              </a:ext>
+            </a:extLst>
+          </p:cNvPr>
+          <p:cNvSpPr txBox="1"/>
+          <p:nvPr/>
+        </p:nvSpPr>
+        <p:spPr>
+          <a:xfrm>
+            <a:off x="787680" y="4481862"/>
+            <a:ext cx="3646768" cy="923330"/>
+          </a:xfrm>
+          <a:prstGeom prst="rect">
+            <a:avLst/>
+          </a:prstGeom>
+          <a:noFill/>
+        </p:spPr>
+        <p:txBody>
+          <a:bodyPr wrap="none" rtlCol="0">
+            <a:spAutoFit/>
+          </a:bodyPr>
+          <a:lstStyle/>
+          <a:p>
             <a:pPr marL="285750" indent="-285750">
               <a:buFont typeface="Arial" panose="020B0604020202020204" pitchFamily="34" charset="0"/>
               <a:buChar char="•"/>
@@ -5287,21 +5985,83 @@
             </a:r>
             <a:r>
               <a:rPr lang="en-TW" b="1" dirty="0"/>
-              <a:t>new</a:t>
+              <a:t>old</a:t>
             </a:r>
             <a:r>
               <a:rPr lang="en-TW" dirty="0"/>
               <a:t> verison of the dataset</a:t>
             </a:r>
           </a:p>
-        </p:txBody>
-      </p:sp>
-      <p:sp>
-        <p:nvSpPr>
-          <p:cNvPr id="8" name="Oval 7">
-            <a:extLst>
-              <a:ext uri="{FF2B5EF4-FFF2-40B4-BE49-F238E27FC236}">
-                <a16:creationId xmlns:a16="http://schemas.microsoft.com/office/drawing/2014/main" id="{3B461B62-884D-678E-13E5-C0C0952D7135}"/>
+          <a:p>
+            <a:pPr marL="285750" indent="-285750">
+              <a:buFont typeface="Arial" panose="020B0604020202020204" pitchFamily="34" charset="0"/>
+              <a:buChar char="•"/>
+            </a:pPr>
+            <a:r>
+              <a:rPr lang="en-TW" dirty="0"/>
+              <a:t>Use </a:t>
+            </a:r>
+            <a:r>
+              <a:rPr lang="en-TW" b="1" dirty="0"/>
+              <a:t>DGL</a:t>
+            </a:r>
+            <a:r>
+              <a:rPr lang="en-TW" dirty="0"/>
+              <a:t> to be our library</a:t>
+            </a:r>
+          </a:p>
+          <a:p>
+            <a:pPr marL="285750" indent="-285750">
+              <a:buFont typeface="Arial" panose="020B0604020202020204" pitchFamily="34" charset="0"/>
+              <a:buChar char="•"/>
+            </a:pPr>
+            <a:r>
+              <a:rPr lang="en-US" dirty="0"/>
+              <a:t>DGL d</a:t>
+            </a:r>
+            <a:r>
+              <a:rPr lang="en-TW" dirty="0"/>
+              <a:t>ata format:</a:t>
+            </a:r>
+          </a:p>
+        </p:txBody>
+      </p:sp>
+      <p:pic>
+        <p:nvPicPr>
+          <p:cNvPr id="19" name="Picture 18">
+            <a:extLst>
+              <a:ext uri="{FF2B5EF4-FFF2-40B4-BE49-F238E27FC236}">
+                <a16:creationId xmlns:a16="http://schemas.microsoft.com/office/drawing/2014/main" id="{C357EE74-8DFB-BD2B-AEEC-4E638001D509}"/>
+              </a:ext>
+            </a:extLst>
+          </p:cNvPr>
+          <p:cNvPicPr>
+            <a:picLocks noChangeAspect="1"/>
+          </p:cNvPicPr>
+          <p:nvPr/>
+        </p:nvPicPr>
+        <p:blipFill>
+          <a:blip r:embed="rId4"/>
+          <a:stretch>
+            <a:fillRect/>
+          </a:stretch>
+        </p:blipFill>
+        <p:spPr>
+          <a:xfrm>
+            <a:off x="787680" y="1828699"/>
+            <a:ext cx="5340360" cy="2578105"/>
+          </a:xfrm>
+          <a:prstGeom prst="rect">
+            <a:avLst/>
+          </a:prstGeom>
+        </p:spPr>
+      </p:pic>
+      <p:sp>
+        <p:nvSpPr>
+          <p:cNvPr id="20" name="Oval 19">
+            <a:extLst>
+              <a:ext uri="{FF2B5EF4-FFF2-40B4-BE49-F238E27FC236}">
+                <a16:creationId xmlns:a16="http://schemas.microsoft.com/office/drawing/2014/main" id="{3C01F5AC-DBC1-6FBD-403E-69E9F481E06E}"/>
               </a:ext>
             </a:extLst>
           </p:cNvPr>
@@ -5310,14 +6070,14 @@
         </p:nvSpPr>
         <p:spPr>
           <a:xfrm>
-            <a:off x="1348953" y="1995821"/>
-            <a:ext cx="2656406" cy="208979"/>
+            <a:off x="1379032" y="2208928"/>
+            <a:ext cx="2756647" cy="219327"/>
           </a:xfrm>
           <a:prstGeom prst="ellipse">
             <a:avLst/>
           </a:prstGeom>
           <a:solidFill>
-            <a:schemeClr val="accent5">
+            <a:schemeClr val="accent4">
               <a:alpha val="50000"/>
             </a:schemeClr>
           </a:solidFill>
@@ -5348,12 +6108,42 @@
           </a:p>
         </p:txBody>
       </p:sp>
-      <p:sp>
-        <p:nvSpPr>
-          <p:cNvPr id="9" name="TextBox 8">
-            <a:extLst>
-              <a:ext uri="{FF2B5EF4-FFF2-40B4-BE49-F238E27FC236}">
-                <a16:creationId xmlns:a16="http://schemas.microsoft.com/office/drawing/2014/main" id="{AC896111-A6D4-C2DC-2B2F-31F0BD174885}"/>
+      <p:pic>
+        <p:nvPicPr>
+          <p:cNvPr id="22" name="Picture 21">
+            <a:extLst>
+              <a:ext uri="{FF2B5EF4-FFF2-40B4-BE49-F238E27FC236}">
+                <a16:creationId xmlns:a16="http://schemas.microsoft.com/office/drawing/2014/main" id="{2D69830F-596E-1291-E501-39B14D8B03FB}"/>
+              </a:ext>
+            </a:extLst>
+          </p:cNvPr>
+          <p:cNvPicPr>
+            <a:picLocks noChangeAspect="1"/>
+          </p:cNvPicPr>
+          <p:nvPr/>
+        </p:nvPicPr>
+        <p:blipFill>
+          <a:blip r:embed="rId5"/>
+          <a:stretch>
+            <a:fillRect/>
+          </a:stretch>
+        </p:blipFill>
+        <p:spPr>
+          <a:xfrm>
+            <a:off x="1137919" y="5435622"/>
+            <a:ext cx="9670835" cy="1220151"/>
+          </a:xfrm>
+          <a:prstGeom prst="rect">
+            <a:avLst/>
+          </a:prstGeom>
+        </p:spPr>
+      </p:pic>
+      <p:sp>
+        <p:nvSpPr>
+          <p:cNvPr id="23" name="TextBox 22">
+            <a:extLst>
+              <a:ext uri="{FF2B5EF4-FFF2-40B4-BE49-F238E27FC236}">
+                <a16:creationId xmlns:a16="http://schemas.microsoft.com/office/drawing/2014/main" id="{50806CC1-35A7-5B5B-031D-6D78F04D5AEF}"/>
               </a:ext>
             </a:extLst>
           </p:cNvPr>
@@ -5362,8 +6152,8 @@
         </p:nvSpPr>
         <p:spPr>
           <a:xfrm>
-            <a:off x="492628" y="1254648"/>
-            <a:ext cx="856325" cy="369332"/>
+            <a:off x="6390975" y="4710462"/>
+            <a:ext cx="5083123" cy="369332"/>
           </a:xfrm>
           <a:prstGeom prst="rect">
             <a:avLst/>
@@ -5376,27 +6166,205 @@
           </a:bodyPr>
           <a:lstStyle/>
           <a:p>
+            <a:pPr marL="285750" indent="-285750">
+              <a:buFont typeface="Arial" panose="020B0604020202020204" pitchFamily="34" charset="0"/>
+              <a:buChar char="•"/>
+            </a:pPr>
             <a:r>
               <a:rPr lang="en-TW" dirty="0"/>
-              <a:t>Model:</a:t>
-            </a:r>
+              <a:t>GAT applied on the old data has the similar result</a:t>
+            </a:r>
+          </a:p>
+        </p:txBody>
+      </p:sp>
+      <p:pic>
+        <p:nvPicPr>
+          <p:cNvPr id="25" name="Picture 24">
+            <a:extLst>
+              <a:ext uri="{FF2B5EF4-FFF2-40B4-BE49-F238E27FC236}">
+                <a16:creationId xmlns:a16="http://schemas.microsoft.com/office/drawing/2014/main" id="{E0EAF99B-3460-2F10-E1F6-BF9E8D3FE5EE}"/>
+              </a:ext>
+            </a:extLst>
+          </p:cNvPr>
+          <p:cNvPicPr>
+            <a:picLocks noChangeAspect="1"/>
+          </p:cNvPicPr>
+          <p:nvPr/>
+        </p:nvPicPr>
+        <p:blipFill>
+          <a:blip r:embed="rId6"/>
+          <a:stretch>
+            <a:fillRect/>
+          </a:stretch>
+        </p:blipFill>
+        <p:spPr>
+          <a:xfrm>
+            <a:off x="6390974" y="1763376"/>
+            <a:ext cx="4642785" cy="1089368"/>
+          </a:xfrm>
+          <a:prstGeom prst="rect">
+            <a:avLst/>
+          </a:prstGeom>
+        </p:spPr>
+      </p:pic>
+      <p:sp>
+        <p:nvSpPr>
+          <p:cNvPr id="27" name="Oval 26">
+            <a:extLst>
+              <a:ext uri="{FF2B5EF4-FFF2-40B4-BE49-F238E27FC236}">
+                <a16:creationId xmlns:a16="http://schemas.microsoft.com/office/drawing/2014/main" id="{C6C6D121-95AE-DC20-F0B8-386109DBACAE}"/>
+              </a:ext>
+            </a:extLst>
+          </p:cNvPr>
+          <p:cNvSpPr/>
+          <p:nvPr/>
+        </p:nvSpPr>
+        <p:spPr>
+          <a:xfrm>
+            <a:off x="6390974" y="2318591"/>
+            <a:ext cx="607234" cy="985441"/>
+          </a:xfrm>
+          <a:prstGeom prst="ellipse">
+            <a:avLst/>
+          </a:prstGeom>
+          <a:noFill/>
+          <a:ln w="9525" cap="flat" cmpd="sng" algn="ctr">
+            <a:solidFill>
+              <a:schemeClr val="accent2"/>
+            </a:solidFill>
+            <a:prstDash val="solid"/>
+            <a:round/>
+            <a:headEnd type="none" w="med" len="med"/>
+            <a:tailEnd type="none" w="med" len="med"/>
+          </a:ln>
+        </p:spPr>
+        <p:style>
+          <a:lnRef idx="0">
+            <a:scrgbClr r="0" g="0" b="0"/>
+          </a:lnRef>
+          <a:fillRef idx="0">
+            <a:scrgbClr r="0" g="0" b="0"/>
+          </a:fillRef>
+          <a:effectRef idx="0">
+            <a:scrgbClr r="0" g="0" b="0"/>
+          </a:effectRef>
+          <a:fontRef idx="minor">
+            <a:schemeClr val="accent2"/>
+          </a:fontRef>
+        </p:style>
+        <p:txBody>
+          <a:bodyPr rtlCol="0" anchor="ctr"/>
+          <a:lstStyle/>
+          <a:p>
+            <a:pPr algn="ctr"/>
+            <a:endParaRPr lang="en-TW"/>
           </a:p>
         </p:txBody>
       </p:sp>
     </p:spTree>
     <p:extLst>
       <p:ext uri="{BB962C8B-B14F-4D97-AF65-F5344CB8AC3E}">
-        <p14:creationId xmlns:p14="http://schemas.microsoft.com/office/powerpoint/2010/main" val="721994101"/>
+        <p14:creationId xmlns:p14="http://schemas.microsoft.com/office/powerpoint/2010/main" val="1736761719"/>
       </p:ext>
     </p:extLst>
   </p:cSld>
   <p:clrMapOvr>
     <a:masterClrMapping/>
   </p:clrMapOvr>
+  <mc:AlternateContent xmlns:mc="http://schemas.openxmlformats.org/markup-compatibility/2006">
+    <mc:Choice xmlns:p159="http://schemas.microsoft.com/office/powerpoint/2015/09/main" Requires="p159">
+      <p:transition xmlns:p14="http://schemas.microsoft.com/office/powerpoint/2010/main" spd="slow" p14:dur="2000">
+        <p159:morph option="byObject"/>
+      </p:transition>
+    </mc:Choice>
+    <mc:Fallback>
+      <p:transition spd="slow">
+        <p:fade/>
+      </p:transition>
+    </mc:Fallback>
+  </mc:AlternateContent>
+  <p:timing>
+    <p:tnLst>
+      <p:par>
+        <p:cTn id="1" dur="indefinite" restart="never" nodeType="tmRoot">
+          <p:childTnLst>
+            <p:seq concurrent="1" nextAc="seek">
+              <p:cTn id="2" dur="indefinite" nodeType="mainSeq">
+                <p:childTnLst>
+                  <p:par>
+                    <p:cTn id="3" fill="hold">
+                      <p:stCondLst>
+                        <p:cond delay="indefinite"/>
+                      </p:stCondLst>
+                      <p:childTnLst>
+                        <p:par>
+                          <p:cTn id="4" fill="hold">
+                            <p:stCondLst>
+                              <p:cond delay="0"/>
+                            </p:stCondLst>
+                            <p:childTnLst>
+                              <p:par>
+                                <p:cTn id="5" presetID="1" presetClass="entr" presetSubtype="0" fill="hold" grpId="0" nodeType="clickEffect">
+                                  <p:stCondLst>
+                                    <p:cond delay="0"/>
+                                  </p:stCondLst>
+                                  <p:childTnLst>
+                                    <p:set>
+                                      <p:cBhvr>
+                                        <p:cTn id="6" dur="1" fill="hold">
+                                          <p:stCondLst>
+                                            <p:cond delay="0"/>
+                                          </p:stCondLst>
+                                        </p:cTn>
+                                        <p:tgtEl>
+                                          <p:spTgt spid="27"/>
+                                        </p:tgtEl>
+                                        <p:attrNameLst>
+                                          <p:attrName>style.visibility</p:attrName>
+                                        </p:attrNameLst>
+                                      </p:cBhvr>
+                                      <p:to>
+                                        <p:strVal val="visible"/>
+                                      </p:to>
+                                    </p:set>
+                                  </p:childTnLst>
+                                </p:cTn>
+                              </p:par>
+                            </p:childTnLst>
+                          </p:cTn>
+                        </p:par>
+                      </p:childTnLst>
+                    </p:cTn>
+                  </p:par>
+                </p:childTnLst>
+              </p:cTn>
+              <p:prevCondLst>
+                <p:cond evt="onPrev" delay="0">
+                  <p:tgtEl>
+                    <p:sldTgt/>
+                  </p:tgtEl>
+                </p:cond>
+              </p:prevCondLst>
+              <p:nextCondLst>
+                <p:cond evt="onNext" delay="0">
+                  <p:tgtEl>
+                    <p:sldTgt/>
+                  </p:tgtEl>
+                </p:cond>
+              </p:nextCondLst>
+            </p:seq>
+          </p:childTnLst>
+        </p:cTn>
+      </p:par>
+    </p:tnLst>
+    <p:bldLst>
+      <p:bldP spid="27" grpId="0" animBg="1"/>
+    </p:bldLst>
+  </p:timing>
 </p:sld>
 </file>
 
-<file path=ppt/slides/slide11.xml><?xml version="1.0" encoding="utf-8"?>
+<file path=ppt/slides/slide12.xml><?xml version="1.0" encoding="utf-8"?>
 <p:sld xmlns:a="http://schemas.openxmlformats.org/drawingml/2006/main" xmlns:r="http://schemas.openxmlformats.org/officeDocument/2006/relationships" xmlns:p="http://schemas.openxmlformats.org/presentationml/2006/main">
   <p:cSld>
     <p:spTree>
@@ -5469,7 +6437,274 @@
           <a:p>
             <a:fld id="{DB156E10-B3DB-CB42-894C-E44038C8B0C4}" type="slidenum">
               <a:rPr lang="en-TW" smtClean="0"/>
-              <a:t>11</a:t>
+              <a:t>12</a:t>
+            </a:fld>
+            <a:endParaRPr lang="en-TW"/>
+          </a:p>
+        </p:txBody>
+      </p:sp>
+      <p:pic>
+        <p:nvPicPr>
+          <p:cNvPr id="5" name="Content Placeholder 4">
+            <a:extLst>
+              <a:ext uri="{FF2B5EF4-FFF2-40B4-BE49-F238E27FC236}">
+                <a16:creationId xmlns:a16="http://schemas.microsoft.com/office/drawing/2014/main" id="{D3F8CC4F-3388-8B07-8691-8B225726F4DC}"/>
+              </a:ext>
+            </a:extLst>
+          </p:cNvPr>
+          <p:cNvPicPr>
+            <a:picLocks noGrp="1" noChangeAspect="1"/>
+          </p:cNvPicPr>
+          <p:nvPr>
+            <p:ph idx="1"/>
+          </p:nvPr>
+        </p:nvPicPr>
+        <p:blipFill>
+          <a:blip r:embed="rId3"/>
+          <a:stretch>
+            <a:fillRect/>
+          </a:stretch>
+        </p:blipFill>
+        <p:spPr>
+          <a:xfrm>
+            <a:off x="639794" y="1623980"/>
+            <a:ext cx="10515600" cy="4384734"/>
+          </a:xfrm>
+        </p:spPr>
+      </p:pic>
+      <p:sp>
+        <p:nvSpPr>
+          <p:cNvPr id="7" name="TextBox 6">
+            <a:extLst>
+              <a:ext uri="{FF2B5EF4-FFF2-40B4-BE49-F238E27FC236}">
+                <a16:creationId xmlns:a16="http://schemas.microsoft.com/office/drawing/2014/main" id="{91487A96-0596-0249-45A4-AD77B667878A}"/>
+              </a:ext>
+            </a:extLst>
+          </p:cNvPr>
+          <p:cNvSpPr txBox="1"/>
+          <p:nvPr/>
+        </p:nvSpPr>
+        <p:spPr>
+          <a:xfrm>
+            <a:off x="639794" y="5987018"/>
+            <a:ext cx="3745000" cy="369332"/>
+          </a:xfrm>
+          <a:prstGeom prst="rect">
+            <a:avLst/>
+          </a:prstGeom>
+          <a:noFill/>
+        </p:spPr>
+        <p:txBody>
+          <a:bodyPr wrap="none" rtlCol="0">
+            <a:spAutoFit/>
+          </a:bodyPr>
+          <a:lstStyle/>
+          <a:p>
+            <a:pPr marL="285750" indent="-285750">
+              <a:buFont typeface="Arial" panose="020B0604020202020204" pitchFamily="34" charset="0"/>
+              <a:buChar char="•"/>
+            </a:pPr>
+            <a:r>
+              <a:rPr lang="en-TW" dirty="0"/>
+              <a:t>Use the </a:t>
+            </a:r>
+            <a:r>
+              <a:rPr lang="en-TW" b="1" dirty="0"/>
+              <a:t>new</a:t>
+            </a:r>
+            <a:r>
+              <a:rPr lang="en-TW" dirty="0"/>
+              <a:t> verison of the dataset</a:t>
+            </a:r>
+          </a:p>
+        </p:txBody>
+      </p:sp>
+      <p:sp>
+        <p:nvSpPr>
+          <p:cNvPr id="8" name="Oval 7">
+            <a:extLst>
+              <a:ext uri="{FF2B5EF4-FFF2-40B4-BE49-F238E27FC236}">
+                <a16:creationId xmlns:a16="http://schemas.microsoft.com/office/drawing/2014/main" id="{3B461B62-884D-678E-13E5-C0C0952D7135}"/>
+              </a:ext>
+            </a:extLst>
+          </p:cNvPr>
+          <p:cNvSpPr/>
+          <p:nvPr/>
+        </p:nvSpPr>
+        <p:spPr>
+          <a:xfrm>
+            <a:off x="1348953" y="1995821"/>
+            <a:ext cx="2656406" cy="208979"/>
+          </a:xfrm>
+          <a:prstGeom prst="ellipse">
+            <a:avLst/>
+          </a:prstGeom>
+          <a:solidFill>
+            <a:schemeClr val="accent4">
+              <a:alpha val="50000"/>
+            </a:schemeClr>
+          </a:solidFill>
+          <a:ln>
+            <a:noFill/>
+          </a:ln>
+        </p:spPr>
+        <p:style>
+          <a:lnRef idx="0">
+            <a:scrgbClr r="0" g="0" b="0"/>
+          </a:lnRef>
+          <a:fillRef idx="0">
+            <a:scrgbClr r="0" g="0" b="0"/>
+          </a:fillRef>
+          <a:effectRef idx="0">
+            <a:scrgbClr r="0" g="0" b="0"/>
+          </a:effectRef>
+          <a:fontRef idx="minor">
+            <a:schemeClr val="lt1"/>
+          </a:fontRef>
+        </p:style>
+        <p:txBody>
+          <a:bodyPr rtlCol="0" anchor="ctr"/>
+          <a:lstStyle/>
+          <a:p>
+            <a:pPr algn="ctr"/>
+            <a:endParaRPr lang="en-TW"/>
+          </a:p>
+        </p:txBody>
+      </p:sp>
+      <p:sp>
+        <p:nvSpPr>
+          <p:cNvPr id="9" name="TextBox 8">
+            <a:extLst>
+              <a:ext uri="{FF2B5EF4-FFF2-40B4-BE49-F238E27FC236}">
+                <a16:creationId xmlns:a16="http://schemas.microsoft.com/office/drawing/2014/main" id="{AC896111-A6D4-C2DC-2B2F-31F0BD174885}"/>
+              </a:ext>
+            </a:extLst>
+          </p:cNvPr>
+          <p:cNvSpPr txBox="1"/>
+          <p:nvPr/>
+        </p:nvSpPr>
+        <p:spPr>
+          <a:xfrm>
+            <a:off x="492628" y="1254648"/>
+            <a:ext cx="856325" cy="369332"/>
+          </a:xfrm>
+          <a:prstGeom prst="rect">
+            <a:avLst/>
+          </a:prstGeom>
+          <a:noFill/>
+        </p:spPr>
+        <p:txBody>
+          <a:bodyPr wrap="none" rtlCol="0">
+            <a:spAutoFit/>
+          </a:bodyPr>
+          <a:lstStyle/>
+          <a:p>
+            <a:r>
+              <a:rPr lang="en-TW" dirty="0"/>
+              <a:t>Model:</a:t>
+            </a:r>
+          </a:p>
+        </p:txBody>
+      </p:sp>
+    </p:spTree>
+    <p:extLst>
+      <p:ext uri="{BB962C8B-B14F-4D97-AF65-F5344CB8AC3E}">
+        <p14:creationId xmlns:p14="http://schemas.microsoft.com/office/powerpoint/2010/main" val="721994101"/>
+      </p:ext>
+    </p:extLst>
+  </p:cSld>
+  <p:clrMapOvr>
+    <a:masterClrMapping/>
+  </p:clrMapOvr>
+  <mc:AlternateContent xmlns:mc="http://schemas.openxmlformats.org/markup-compatibility/2006">
+    <mc:Choice xmlns:p159="http://schemas.microsoft.com/office/powerpoint/2015/09/main" Requires="p159">
+      <p:transition xmlns:p14="http://schemas.microsoft.com/office/powerpoint/2010/main" spd="slow" p14:dur="2000">
+        <p159:morph option="byObject"/>
+      </p:transition>
+    </mc:Choice>
+    <mc:Fallback>
+      <p:transition spd="slow">
+        <p:fade/>
+      </p:transition>
+    </mc:Fallback>
+  </mc:AlternateContent>
+</p:sld>
+</file>
+
+<file path=ppt/slides/slide13.xml><?xml version="1.0" encoding="utf-8"?>
+<p:sld xmlns:a="http://schemas.openxmlformats.org/drawingml/2006/main" xmlns:r="http://schemas.openxmlformats.org/officeDocument/2006/relationships" xmlns:p="http://schemas.openxmlformats.org/presentationml/2006/main">
+  <p:cSld>
+    <p:spTree>
+      <p:nvGrpSpPr>
+        <p:cNvPr id="1" name=""/>
+        <p:cNvGrpSpPr/>
+        <p:nvPr/>
+      </p:nvGrpSpPr>
+      <p:grpSpPr>
+        <a:xfrm>
+          <a:off x="0" y="0"/>
+          <a:ext cx="0" cy="0"/>
+          <a:chOff x="0" y="0"/>
+          <a:chExt cx="0" cy="0"/>
+        </a:xfrm>
+      </p:grpSpPr>
+      <p:sp>
+        <p:nvSpPr>
+          <p:cNvPr id="2" name="Title 1">
+            <a:extLst>
+              <a:ext uri="{FF2B5EF4-FFF2-40B4-BE49-F238E27FC236}">
+                <a16:creationId xmlns:a16="http://schemas.microsoft.com/office/drawing/2014/main" id="{2B533BED-E48C-5E7F-2273-C55CCE98516B}"/>
+              </a:ext>
+            </a:extLst>
+          </p:cNvPr>
+          <p:cNvSpPr>
+            <a:spLocks noGrp="1"/>
+          </p:cNvSpPr>
+          <p:nvPr>
+            <p:ph type="title"/>
+          </p:nvPr>
+        </p:nvSpPr>
+        <p:spPr>
+          <a:xfrm>
+            <a:off x="390562" y="81290"/>
+            <a:ext cx="10515600" cy="1325563"/>
+          </a:xfrm>
+        </p:spPr>
+        <p:txBody>
+          <a:bodyPr/>
+          <a:lstStyle/>
+          <a:p>
+            <a:r>
+              <a:rPr lang="en-TW" b="1" dirty="0"/>
+              <a:t>Graph Attention Network - GAT</a:t>
+            </a:r>
+          </a:p>
+        </p:txBody>
+      </p:sp>
+      <p:sp>
+        <p:nvSpPr>
+          <p:cNvPr id="4" name="Slide Number Placeholder 3">
+            <a:extLst>
+              <a:ext uri="{FF2B5EF4-FFF2-40B4-BE49-F238E27FC236}">
+                <a16:creationId xmlns:a16="http://schemas.microsoft.com/office/drawing/2014/main" id="{5CD44B9F-7DE8-0932-BD70-B0BA453E653B}"/>
+              </a:ext>
+            </a:extLst>
+          </p:cNvPr>
+          <p:cNvSpPr>
+            <a:spLocks noGrp="1"/>
+          </p:cNvSpPr>
+          <p:nvPr>
+            <p:ph type="sldNum" sz="quarter" idx="12"/>
+          </p:nvPr>
+        </p:nvSpPr>
+        <p:spPr/>
+        <p:txBody>
+          <a:bodyPr/>
+          <a:lstStyle/>
+          <a:p>
+            <a:fld id="{DB156E10-B3DB-CB42-894C-E44038C8B0C4}" type="slidenum">
+              <a:rPr lang="en-TW" smtClean="0"/>
+              <a:t>13</a:t>
             </a:fld>
             <a:endParaRPr lang="en-TW"/>
           </a:p>
@@ -5738,322 +6973,18 @@
   <p:clrMapOvr>
     <a:masterClrMapping/>
   </p:clrMapOvr>
-</p:sld>
-</file>
-
-<file path=ppt/slides/slide12.xml><?xml version="1.0" encoding="utf-8"?>
-<p:sld xmlns:a="http://schemas.openxmlformats.org/drawingml/2006/main" xmlns:r="http://schemas.openxmlformats.org/officeDocument/2006/relationships" xmlns:p="http://schemas.openxmlformats.org/presentationml/2006/main">
-  <p:cSld>
-    <p:spTree>
-      <p:nvGrpSpPr>
-        <p:cNvPr id="1" name=""/>
-        <p:cNvGrpSpPr/>
-        <p:nvPr/>
-      </p:nvGrpSpPr>
-      <p:grpSpPr>
-        <a:xfrm>
-          <a:off x="0" y="0"/>
-          <a:ext cx="0" cy="0"/>
-          <a:chOff x="0" y="0"/>
-          <a:chExt cx="0" cy="0"/>
-        </a:xfrm>
-      </p:grpSpPr>
-      <p:sp>
-        <p:nvSpPr>
-          <p:cNvPr id="2" name="Title 1">
-            <a:extLst>
-              <a:ext uri="{FF2B5EF4-FFF2-40B4-BE49-F238E27FC236}">
-                <a16:creationId xmlns:a16="http://schemas.microsoft.com/office/drawing/2014/main" id="{2D1F1D5D-BC21-FE6C-199A-114DD8A93B70}"/>
-              </a:ext>
-            </a:extLst>
-          </p:cNvPr>
-          <p:cNvSpPr>
-            <a:spLocks noGrp="1"/>
-          </p:cNvSpPr>
-          <p:nvPr>
-            <p:ph type="ctrTitle"/>
-          </p:nvPr>
-        </p:nvSpPr>
-        <p:spPr>
-          <a:xfrm>
-            <a:off x="1524000" y="1566037"/>
-            <a:ext cx="9144000" cy="2387600"/>
-          </a:xfrm>
-        </p:spPr>
-        <p:txBody>
-          <a:bodyPr/>
-          <a:lstStyle/>
-          <a:p>
-            <a:pPr>
-              <a:lnSpc>
-                <a:spcPct val="110000"/>
-              </a:lnSpc>
-            </a:pPr>
-            <a:r>
-              <a:rPr lang="en-TW" b="1" dirty="0"/>
-              <a:t>TRAM</a:t>
-            </a:r>
-          </a:p>
-        </p:txBody>
-      </p:sp>
-      <p:sp>
-        <p:nvSpPr>
-          <p:cNvPr id="4" name="Slide Number Placeholder 3">
-            <a:extLst>
-              <a:ext uri="{FF2B5EF4-FFF2-40B4-BE49-F238E27FC236}">
-                <a16:creationId xmlns:a16="http://schemas.microsoft.com/office/drawing/2014/main" id="{2BC4D631-FD05-0882-9331-7401BF92027E}"/>
-              </a:ext>
-            </a:extLst>
-          </p:cNvPr>
-          <p:cNvSpPr>
-            <a:spLocks noGrp="1"/>
-          </p:cNvSpPr>
-          <p:nvPr>
-            <p:ph type="sldNum" sz="quarter" idx="12"/>
-          </p:nvPr>
-        </p:nvSpPr>
-        <p:spPr/>
-        <p:txBody>
-          <a:bodyPr/>
-          <a:lstStyle/>
-          <a:p>
-            <a:fld id="{DB156E10-B3DB-CB42-894C-E44038C8B0C4}" type="slidenum">
-              <a:rPr lang="en-TW" smtClean="0"/>
-              <a:t>12</a:t>
-            </a:fld>
-            <a:endParaRPr lang="en-TW"/>
-          </a:p>
-        </p:txBody>
-      </p:sp>
-    </p:spTree>
-    <p:extLst>
-      <p:ext uri="{BB962C8B-B14F-4D97-AF65-F5344CB8AC3E}">
-        <p14:creationId xmlns:p14="http://schemas.microsoft.com/office/powerpoint/2010/main" val="4138059411"/>
-      </p:ext>
-    </p:extLst>
-  </p:cSld>
-  <p:clrMapOvr>
-    <a:masterClrMapping/>
-  </p:clrMapOvr>
-</p:sld>
-</file>
-
-<file path=ppt/slides/slide13.xml><?xml version="1.0" encoding="utf-8"?>
-<p:sld xmlns:a="http://schemas.openxmlformats.org/drawingml/2006/main" xmlns:r="http://schemas.openxmlformats.org/officeDocument/2006/relationships" xmlns:p="http://schemas.openxmlformats.org/presentationml/2006/main">
-  <p:cSld>
-    <p:spTree>
-      <p:nvGrpSpPr>
-        <p:cNvPr id="1" name=""/>
-        <p:cNvGrpSpPr/>
-        <p:nvPr/>
-      </p:nvGrpSpPr>
-      <p:grpSpPr>
-        <a:xfrm>
-          <a:off x="0" y="0"/>
-          <a:ext cx="0" cy="0"/>
-          <a:chOff x="0" y="0"/>
-          <a:chExt cx="0" cy="0"/>
-        </a:xfrm>
-      </p:grpSpPr>
-      <p:sp>
-        <p:nvSpPr>
-          <p:cNvPr id="2" name="Title 1">
-            <a:extLst>
-              <a:ext uri="{FF2B5EF4-FFF2-40B4-BE49-F238E27FC236}">
-                <a16:creationId xmlns:a16="http://schemas.microsoft.com/office/drawing/2014/main" id="{2B533BED-E48C-5E7F-2273-C55CCE98516B}"/>
-              </a:ext>
-            </a:extLst>
-          </p:cNvPr>
-          <p:cNvSpPr>
-            <a:spLocks noGrp="1"/>
-          </p:cNvSpPr>
-          <p:nvPr>
-            <p:ph type="title"/>
-          </p:nvPr>
-        </p:nvSpPr>
-        <p:spPr>
-          <a:xfrm>
-            <a:off x="838200" y="136525"/>
-            <a:ext cx="10515600" cy="1325563"/>
-          </a:xfrm>
-        </p:spPr>
-        <p:txBody>
-          <a:bodyPr/>
-          <a:lstStyle/>
-          <a:p>
-            <a:r>
-              <a:rPr lang="en-TW" b="1" dirty="0"/>
-              <a:t>Automation</a:t>
-            </a:r>
-          </a:p>
-        </p:txBody>
-      </p:sp>
-      <p:sp>
-        <p:nvSpPr>
-          <p:cNvPr id="3" name="Content Placeholder 2">
-            <a:extLst>
-              <a:ext uri="{FF2B5EF4-FFF2-40B4-BE49-F238E27FC236}">
-                <a16:creationId xmlns:a16="http://schemas.microsoft.com/office/drawing/2014/main" id="{25B0A74B-6281-327F-44E6-1E41A778AF7E}"/>
-              </a:ext>
-            </a:extLst>
-          </p:cNvPr>
-          <p:cNvSpPr>
-            <a:spLocks noGrp="1"/>
-          </p:cNvSpPr>
-          <p:nvPr>
-            <p:ph idx="1"/>
-          </p:nvPr>
-        </p:nvSpPr>
-        <p:spPr>
-          <a:xfrm>
-            <a:off x="615302" y="4396671"/>
-            <a:ext cx="10343911" cy="2142241"/>
-          </a:xfrm>
-        </p:spPr>
-        <p:txBody>
-          <a:bodyPr>
-            <a:noAutofit/>
-          </a:bodyPr>
-          <a:lstStyle/>
-          <a:p>
-            <a:pPr lvl="1"/>
-            <a:r>
-              <a:rPr lang="en-TW" sz="2800" dirty="0"/>
-              <a:t>Successfully </a:t>
-            </a:r>
-            <a:r>
-              <a:rPr lang="en-TW" sz="2800" b="1" dirty="0"/>
-              <a:t>upload</a:t>
-            </a:r>
-            <a:r>
-              <a:rPr lang="en-TW" sz="2800" dirty="0"/>
-              <a:t> the pdf files</a:t>
-            </a:r>
-          </a:p>
-          <a:p>
-            <a:pPr lvl="1"/>
-            <a:r>
-              <a:rPr lang="en-TW" sz="2800" dirty="0"/>
-              <a:t>Successfully </a:t>
-            </a:r>
-            <a:r>
-              <a:rPr lang="en-US" sz="2800" b="1" dirty="0"/>
-              <a:t>export</a:t>
-            </a:r>
-            <a:r>
-              <a:rPr lang="en-US" sz="2800" dirty="0"/>
-              <a:t> the pdf files</a:t>
-            </a:r>
-          </a:p>
-          <a:p>
-            <a:pPr lvl="2"/>
-            <a:r>
-              <a:rPr lang="en-US" dirty="0"/>
-              <a:t>Click 3 times and scroll 1/3 of the window size</a:t>
-            </a:r>
-            <a:endParaRPr lang="en-TW" dirty="0"/>
-          </a:p>
-        </p:txBody>
-      </p:sp>
-      <p:sp>
-        <p:nvSpPr>
-          <p:cNvPr id="4" name="Slide Number Placeholder 3">
-            <a:extLst>
-              <a:ext uri="{FF2B5EF4-FFF2-40B4-BE49-F238E27FC236}">
-                <a16:creationId xmlns:a16="http://schemas.microsoft.com/office/drawing/2014/main" id="{5CD44B9F-7DE8-0932-BD70-B0BA453E653B}"/>
-              </a:ext>
-            </a:extLst>
-          </p:cNvPr>
-          <p:cNvSpPr>
-            <a:spLocks noGrp="1"/>
-          </p:cNvSpPr>
-          <p:nvPr>
-            <p:ph type="sldNum" sz="quarter" idx="12"/>
-          </p:nvPr>
-        </p:nvSpPr>
-        <p:spPr/>
-        <p:txBody>
-          <a:bodyPr/>
-          <a:lstStyle/>
-          <a:p>
-            <a:fld id="{DB156E10-B3DB-CB42-894C-E44038C8B0C4}" type="slidenum">
-              <a:rPr lang="en-TW" smtClean="0"/>
-              <a:t>13</a:t>
-            </a:fld>
-            <a:endParaRPr lang="en-TW"/>
-          </a:p>
-        </p:txBody>
-      </p:sp>
-      <p:pic>
-        <p:nvPicPr>
-          <p:cNvPr id="9" name="Picture 8">
-            <a:extLst>
-              <a:ext uri="{FF2B5EF4-FFF2-40B4-BE49-F238E27FC236}">
-                <a16:creationId xmlns:a16="http://schemas.microsoft.com/office/drawing/2014/main" id="{FC746E4E-632E-7157-26B3-2160A0BCE448}"/>
-              </a:ext>
-            </a:extLst>
-          </p:cNvPr>
-          <p:cNvPicPr>
-            <a:picLocks noChangeAspect="1"/>
-          </p:cNvPicPr>
-          <p:nvPr/>
-        </p:nvPicPr>
-        <p:blipFill>
-          <a:blip r:embed="rId3"/>
-          <a:stretch>
-            <a:fillRect/>
-          </a:stretch>
-        </p:blipFill>
-        <p:spPr>
-          <a:xfrm>
-            <a:off x="838200" y="1255877"/>
-            <a:ext cx="9898117" cy="3025691"/>
-          </a:xfrm>
-          <a:prstGeom prst="rect">
-            <a:avLst/>
-          </a:prstGeom>
-        </p:spPr>
-      </p:pic>
-      <p:pic>
-        <p:nvPicPr>
-          <p:cNvPr id="6" name="Picture 5">
-            <a:extLst>
-              <a:ext uri="{FF2B5EF4-FFF2-40B4-BE49-F238E27FC236}">
-                <a16:creationId xmlns:a16="http://schemas.microsoft.com/office/drawing/2014/main" id="{95BC6975-B6D6-3E69-C959-BBFFABE9B7CE}"/>
-              </a:ext>
-            </a:extLst>
-          </p:cNvPr>
-          <p:cNvPicPr>
-            <a:picLocks noChangeAspect="1"/>
-          </p:cNvPicPr>
-          <p:nvPr/>
-        </p:nvPicPr>
-        <p:blipFill>
-          <a:blip r:embed="rId4"/>
-          <a:stretch>
-            <a:fillRect/>
-          </a:stretch>
-        </p:blipFill>
-        <p:spPr>
-          <a:xfrm>
-            <a:off x="1853785" y="5690398"/>
-            <a:ext cx="6283206" cy="755641"/>
-          </a:xfrm>
-          <a:prstGeom prst="rect">
-            <a:avLst/>
-          </a:prstGeom>
-        </p:spPr>
-      </p:pic>
-    </p:spTree>
-    <p:extLst>
-      <p:ext uri="{BB962C8B-B14F-4D97-AF65-F5344CB8AC3E}">
-        <p14:creationId xmlns:p14="http://schemas.microsoft.com/office/powerpoint/2010/main" val="3500685752"/>
-      </p:ext>
-    </p:extLst>
-  </p:cSld>
-  <p:clrMapOvr>
-    <a:masterClrMapping/>
-  </p:clrMapOvr>
+  <mc:AlternateContent xmlns:mc="http://schemas.openxmlformats.org/markup-compatibility/2006">
+    <mc:Choice xmlns:p159="http://schemas.microsoft.com/office/powerpoint/2015/09/main" Requires="p159">
+      <p:transition xmlns:p14="http://schemas.microsoft.com/office/powerpoint/2010/main" spd="slow" p14:dur="2000">
+        <p159:morph option="byObject"/>
+      </p:transition>
+    </mc:Choice>
+    <mc:Fallback>
+      <p:transition spd="slow">
+        <p:fade/>
+      </p:transition>
+    </mc:Fallback>
+  </mc:AlternateContent>
 </p:sld>
 </file>
 
@@ -6107,7 +7038,7 @@
             </a:pPr>
             <a:r>
               <a:rPr lang="en-TW" b="1" dirty="0"/>
-              <a:t>Future Work</a:t>
+              <a:t>TRAM</a:t>
             </a:r>
           </a:p>
         </p:txBody>
@@ -6144,13 +7075,25 @@
     </p:spTree>
     <p:extLst>
       <p:ext uri="{BB962C8B-B14F-4D97-AF65-F5344CB8AC3E}">
-        <p14:creationId xmlns:p14="http://schemas.microsoft.com/office/powerpoint/2010/main" val="2029300953"/>
+        <p14:creationId xmlns:p14="http://schemas.microsoft.com/office/powerpoint/2010/main" val="4138059411"/>
       </p:ext>
     </p:extLst>
   </p:cSld>
   <p:clrMapOvr>
     <a:masterClrMapping/>
   </p:clrMapOvr>
+  <mc:AlternateContent xmlns:mc="http://schemas.openxmlformats.org/markup-compatibility/2006">
+    <mc:Choice xmlns:p159="http://schemas.microsoft.com/office/powerpoint/2015/09/main" Requires="p159">
+      <p:transition xmlns:p14="http://schemas.microsoft.com/office/powerpoint/2010/main" spd="slow" p14:dur="2000">
+        <p159:morph option="byObject"/>
+      </p:transition>
+    </mc:Choice>
+    <mc:Fallback>
+      <p:transition spd="slow">
+        <p:fade/>
+      </p:transition>
+    </mc:Fallback>
+  </mc:AlternateContent>
 </p:sld>
 </file>
 
@@ -6189,7 +7132,7 @@
         </p:nvSpPr>
         <p:spPr>
           <a:xfrm>
-            <a:off x="374904" y="197907"/>
+            <a:off x="838200" y="136525"/>
             <a:ext cx="10515600" cy="1325563"/>
           </a:xfrm>
         </p:spPr>
@@ -6199,159 +7142,164 @@
           <a:p>
             <a:r>
               <a:rPr lang="en-TW" b="1" dirty="0"/>
-              <a:t>Future Work</a:t>
-            </a:r>
-          </a:p>
-        </p:txBody>
-      </p:sp>
-      <p:sp>
-        <p:nvSpPr>
-          <p:cNvPr id="3" name="Content Placeholder 2">
-            <a:extLst>
-              <a:ext uri="{FF2B5EF4-FFF2-40B4-BE49-F238E27FC236}">
-                <a16:creationId xmlns:a16="http://schemas.microsoft.com/office/drawing/2014/main" id="{25B0A74B-6281-327F-44E6-1E41A778AF7E}"/>
-              </a:ext>
-            </a:extLst>
-          </p:cNvPr>
-          <p:cNvSpPr>
-            <a:spLocks noGrp="1"/>
-          </p:cNvSpPr>
-          <p:nvPr>
-            <p:ph idx="1"/>
-          </p:nvPr>
-        </p:nvSpPr>
-        <p:spPr>
-          <a:xfrm>
-            <a:off x="789432" y="1389358"/>
-            <a:ext cx="10800644" cy="4832880"/>
-          </a:xfrm>
-        </p:spPr>
-        <p:txBody>
-          <a:bodyPr>
-            <a:normAutofit/>
-          </a:bodyPr>
-          <a:lstStyle/>
-          <a:p>
-            <a:pPr>
-              <a:lnSpc>
-                <a:spcPct val="110000"/>
-              </a:lnSpc>
-            </a:pPr>
-            <a:r>
-              <a:rPr lang="en-TW" b="1" dirty="0"/>
-              <a:t>GNN</a:t>
-            </a:r>
-          </a:p>
-          <a:p>
-            <a:pPr lvl="1">
-              <a:lnSpc>
-                <a:spcPct val="110000"/>
-              </a:lnSpc>
-            </a:pPr>
-            <a:r>
-              <a:rPr lang="en-TW" dirty="0"/>
-              <a:t>Figure out the reason causing the currently bad performance on both GCN, GAT</a:t>
-            </a:r>
-          </a:p>
-          <a:p>
-            <a:pPr lvl="1">
-              <a:lnSpc>
-                <a:spcPct val="110000"/>
-              </a:lnSpc>
-            </a:pPr>
-            <a:r>
-              <a:rPr lang="en-TW" dirty="0"/>
-              <a:t>Read some paper about these GNN models</a:t>
-            </a:r>
-          </a:p>
-          <a:p>
-            <a:pPr lvl="1">
-              <a:lnSpc>
-                <a:spcPct val="110000"/>
-              </a:lnSpc>
-            </a:pPr>
-            <a:r>
-              <a:rPr lang="en-TW" dirty="0"/>
-              <a:t>Try the GraphSAGE</a:t>
-            </a:r>
-          </a:p>
-          <a:p>
-            <a:pPr>
-              <a:lnSpc>
-                <a:spcPct val="110000"/>
-              </a:lnSpc>
-            </a:pPr>
-            <a:r>
-              <a:rPr lang="en-TW" b="1" dirty="0"/>
-              <a:t>TRAM</a:t>
-            </a:r>
-          </a:p>
-          <a:p>
-            <a:pPr lvl="1">
-              <a:lnSpc>
-                <a:spcPct val="110000"/>
-              </a:lnSpc>
-            </a:pPr>
-            <a:r>
-              <a:rPr lang="en-TW" dirty="0"/>
-              <a:t>Try to upload and export HTML files</a:t>
-            </a:r>
-          </a:p>
-          <a:p>
-            <a:pPr lvl="1">
-              <a:lnSpc>
-                <a:spcPct val="110000"/>
-              </a:lnSpc>
-            </a:pPr>
-            <a:r>
-              <a:rPr lang="en-TW" dirty="0"/>
-              <a:t>Transfer them into labeled data</a:t>
-            </a:r>
-          </a:p>
-          <a:p>
-            <a:pPr>
-              <a:lnSpc>
-                <a:spcPct val="110000"/>
-              </a:lnSpc>
-            </a:pPr>
-            <a:r>
-              <a:rPr lang="en-TW" b="1" dirty="0"/>
-              <a:t>Graphormer </a:t>
-            </a:r>
-            <a:r>
-              <a:rPr lang="en-TW" dirty="0"/>
-              <a:t>(if available)</a:t>
-            </a:r>
-          </a:p>
-          <a:p>
-            <a:pPr lvl="1">
-              <a:lnSpc>
-                <a:spcPct val="110000"/>
-              </a:lnSpc>
-            </a:pPr>
-            <a:r>
-              <a:rPr lang="en-TW" dirty="0"/>
-              <a:t>Write the trainer (training part) </a:t>
-            </a:r>
-          </a:p>
-          <a:p>
-            <a:pPr>
-              <a:lnSpc>
-                <a:spcPct val="110000"/>
-              </a:lnSpc>
-            </a:pPr>
-            <a:endParaRPr lang="en-TW" dirty="0"/>
-          </a:p>
-          <a:p>
-            <a:pPr>
-              <a:lnSpc>
-                <a:spcPct val="110000"/>
-              </a:lnSpc>
-            </a:pPr>
-            <a:endParaRPr lang="en-TW" dirty="0"/>
-          </a:p>
-        </p:txBody>
-      </p:sp>
+              <a:t>Automation</a:t>
+            </a:r>
+          </a:p>
+        </p:txBody>
+      </p:sp>
+      <mc:AlternateContent xmlns:mc="http://schemas.openxmlformats.org/markup-compatibility/2006">
+        <mc:Choice xmlns:a14="http://schemas.microsoft.com/office/drawing/2010/main" Requires="a14">
+          <p:sp>
+            <p:nvSpPr>
+              <p:cNvPr id="3" name="Content Placeholder 2">
+                <a:extLst>
+                  <a:ext uri="{FF2B5EF4-FFF2-40B4-BE49-F238E27FC236}">
+                    <a16:creationId xmlns:a16="http://schemas.microsoft.com/office/drawing/2014/main" id="{25B0A74B-6281-327F-44E6-1E41A778AF7E}"/>
+                  </a:ext>
+                </a:extLst>
+              </p:cNvPr>
+              <p:cNvSpPr>
+                <a:spLocks noGrp="1"/>
+              </p:cNvSpPr>
+              <p:nvPr>
+                <p:ph idx="1"/>
+              </p:nvPr>
+            </p:nvSpPr>
+            <p:spPr>
+              <a:xfrm>
+                <a:off x="615302" y="4396671"/>
+                <a:ext cx="10343911" cy="2142241"/>
+              </a:xfrm>
+            </p:spPr>
+            <p:txBody>
+              <a:bodyPr>
+                <a:noAutofit/>
+              </a:bodyPr>
+              <a:lstStyle/>
+              <a:p>
+                <a:pPr lvl="1"/>
+                <a:r>
+                  <a:rPr lang="en-TW" sz="2800" dirty="0"/>
+                  <a:t>Successfully </a:t>
+                </a:r>
+                <a:r>
+                  <a:rPr lang="en-TW" sz="2800" b="1" dirty="0"/>
+                  <a:t>upload</a:t>
+                </a:r>
+                <a:r>
+                  <a:rPr lang="en-TW" sz="2800" dirty="0"/>
+                  <a:t> the pdf files</a:t>
+                </a:r>
+              </a:p>
+              <a:p>
+                <a:pPr lvl="1"/>
+                <a:r>
+                  <a:rPr lang="en-TW" sz="2800" dirty="0"/>
+                  <a:t>Successfully </a:t>
+                </a:r>
+                <a:r>
+                  <a:rPr lang="en-US" sz="2800" b="1" dirty="0"/>
+                  <a:t>export</a:t>
+                </a:r>
+                <a:r>
+                  <a:rPr lang="en-US" sz="2800" dirty="0"/>
+                  <a:t> the pdf files</a:t>
+                </a:r>
+              </a:p>
+              <a:p>
+                <a:pPr lvl="2"/>
+                <a:r>
+                  <a:rPr lang="en-US" dirty="0"/>
+                  <a:t>Click 3 times and then scroll  </a:t>
+                </a:r>
+                <a14:m>
+                  <m:oMath xmlns:m="http://schemas.openxmlformats.org/officeDocument/2006/math">
+                    <m:f>
+                      <m:fPr>
+                        <m:ctrlPr>
+                          <a:rPr lang="en-US" i="1" dirty="0" smtClean="0">
+                            <a:latin typeface="Cambria Math" panose="02040503050406030204" pitchFamily="18" charset="0"/>
+                          </a:rPr>
+                        </m:ctrlPr>
+                      </m:fPr>
+                      <m:num>
+                        <m:r>
+                          <a:rPr lang="en-US" b="0" i="1" dirty="0" smtClean="0">
+                            <a:latin typeface="Cambria Math" panose="02040503050406030204" pitchFamily="18" charset="0"/>
+                          </a:rPr>
+                          <m:t>1</m:t>
+                        </m:r>
+                      </m:num>
+                      <m:den>
+                        <m:r>
+                          <a:rPr lang="en-US" b="0" i="1" dirty="0" smtClean="0">
+                            <a:latin typeface="Cambria Math" panose="02040503050406030204" pitchFamily="18" charset="0"/>
+                          </a:rPr>
+                          <m:t>3</m:t>
+                        </m:r>
+                      </m:den>
+                    </m:f>
+                    <m:r>
+                      <a:rPr lang="en-US" b="0" i="1" dirty="0" smtClean="0">
+                        <a:latin typeface="Cambria Math" panose="02040503050406030204" pitchFamily="18" charset="0"/>
+                      </a:rPr>
+                      <m:t>  </m:t>
+                    </m:r>
+                  </m:oMath>
+                </a14:m>
+                <a:r>
+                  <a:rPr lang="en-US" dirty="0"/>
+                  <a:t>of the window size</a:t>
+                </a:r>
+                <a:endParaRPr lang="en-TW" dirty="0"/>
+              </a:p>
+            </p:txBody>
+          </p:sp>
+        </mc:Choice>
+        <mc:Fallback>
+          <p:sp>
+            <p:nvSpPr>
+              <p:cNvPr id="3" name="Content Placeholder 2">
+                <a:extLst>
+                  <a:ext uri="{FF2B5EF4-FFF2-40B4-BE49-F238E27FC236}">
+                    <a16:creationId xmlns:a16="http://schemas.microsoft.com/office/drawing/2014/main" id="{25B0A74B-6281-327F-44E6-1E41A778AF7E}"/>
+                  </a:ext>
+                </a:extLst>
+              </p:cNvPr>
+              <p:cNvSpPr>
+                <a:spLocks noGrp="1" noRot="1" noChangeAspect="1" noMove="1" noResize="1" noEditPoints="1" noAdjustHandles="1" noChangeArrowheads="1" noChangeShapeType="1" noTextEdit="1"/>
+              </p:cNvSpPr>
+              <p:nvPr>
+                <p:ph idx="1"/>
+              </p:nvPr>
+            </p:nvSpPr>
+            <p:spPr>
+              <a:xfrm>
+                <a:off x="615302" y="4396671"/>
+                <a:ext cx="10343911" cy="2142241"/>
+              </a:xfrm>
+              <a:blipFill>
+                <a:blip r:embed="rId3"/>
+                <a:stretch>
+                  <a:fillRect t="-5294"/>
+                </a:stretch>
+              </a:blipFill>
+            </p:spPr>
+            <p:txBody>
+              <a:bodyPr/>
+              <a:lstStyle/>
+              <a:p>
+                <a:r>
+                  <a:rPr lang="en-TW">
+                    <a:noFill/>
+                  </a:rPr>
+                  <a:t> </a:t>
+                </a:r>
+              </a:p>
+            </p:txBody>
+          </p:sp>
+        </mc:Fallback>
+      </mc:AlternateContent>
       <p:sp>
         <p:nvSpPr>
           <p:cNvPr id="4" name="Slide Number Placeholder 3">
@@ -6381,16 +7329,88 @@
           </a:p>
         </p:txBody>
       </p:sp>
+      <p:pic>
+        <p:nvPicPr>
+          <p:cNvPr id="9" name="Picture 8">
+            <a:extLst>
+              <a:ext uri="{FF2B5EF4-FFF2-40B4-BE49-F238E27FC236}">
+                <a16:creationId xmlns:a16="http://schemas.microsoft.com/office/drawing/2014/main" id="{FC746E4E-632E-7157-26B3-2160A0BCE448}"/>
+              </a:ext>
+            </a:extLst>
+          </p:cNvPr>
+          <p:cNvPicPr>
+            <a:picLocks noChangeAspect="1"/>
+          </p:cNvPicPr>
+          <p:nvPr/>
+        </p:nvPicPr>
+        <p:blipFill>
+          <a:blip r:embed="rId4"/>
+          <a:stretch>
+            <a:fillRect/>
+          </a:stretch>
+        </p:blipFill>
+        <p:spPr>
+          <a:xfrm>
+            <a:off x="838200" y="1255877"/>
+            <a:ext cx="9898117" cy="3025691"/>
+          </a:xfrm>
+          <a:prstGeom prst="rect">
+            <a:avLst/>
+          </a:prstGeom>
+        </p:spPr>
+      </p:pic>
+      <p:pic>
+        <p:nvPicPr>
+          <p:cNvPr id="6" name="Picture 5">
+            <a:extLst>
+              <a:ext uri="{FF2B5EF4-FFF2-40B4-BE49-F238E27FC236}">
+                <a16:creationId xmlns:a16="http://schemas.microsoft.com/office/drawing/2014/main" id="{95BC6975-B6D6-3E69-C959-BBFFABE9B7CE}"/>
+              </a:ext>
+            </a:extLst>
+          </p:cNvPr>
+          <p:cNvPicPr>
+            <a:picLocks noChangeAspect="1"/>
+          </p:cNvPicPr>
+          <p:nvPr/>
+        </p:nvPicPr>
+        <p:blipFill>
+          <a:blip r:embed="rId5"/>
+          <a:stretch>
+            <a:fillRect/>
+          </a:stretch>
+        </p:blipFill>
+        <p:spPr>
+          <a:xfrm>
+            <a:off x="1847463" y="5829222"/>
+            <a:ext cx="6283206" cy="755641"/>
+          </a:xfrm>
+          <a:prstGeom prst="rect">
+            <a:avLst/>
+          </a:prstGeom>
+        </p:spPr>
+      </p:pic>
     </p:spTree>
     <p:extLst>
       <p:ext uri="{BB962C8B-B14F-4D97-AF65-F5344CB8AC3E}">
-        <p14:creationId xmlns:p14="http://schemas.microsoft.com/office/powerpoint/2010/main" val="2421199054"/>
+        <p14:creationId xmlns:p14="http://schemas.microsoft.com/office/powerpoint/2010/main" val="3500685752"/>
       </p:ext>
     </p:extLst>
   </p:cSld>
   <p:clrMapOvr>
     <a:masterClrMapping/>
   </p:clrMapOvr>
+  <mc:AlternateContent xmlns:mc="http://schemas.openxmlformats.org/markup-compatibility/2006">
+    <mc:Choice xmlns:p159="http://schemas.microsoft.com/office/powerpoint/2015/09/main" Requires="p159">
+      <p:transition xmlns:p14="http://schemas.microsoft.com/office/powerpoint/2010/main" spd="slow" p14:dur="2000">
+        <p159:morph option="byObject"/>
+      </p:transition>
+    </mc:Choice>
+    <mc:Fallback>
+      <p:transition spd="slow">
+        <p:fade/>
+      </p:transition>
+    </mc:Fallback>
+  </mc:AlternateContent>
 </p:sld>
 </file>
 
@@ -6413,6 +7433,44 @@
       </p:grpSpPr>
       <p:sp>
         <p:nvSpPr>
+          <p:cNvPr id="2" name="Title 1">
+            <a:extLst>
+              <a:ext uri="{FF2B5EF4-FFF2-40B4-BE49-F238E27FC236}">
+                <a16:creationId xmlns:a16="http://schemas.microsoft.com/office/drawing/2014/main" id="{2D1F1D5D-BC21-FE6C-199A-114DD8A93B70}"/>
+              </a:ext>
+            </a:extLst>
+          </p:cNvPr>
+          <p:cNvSpPr>
+            <a:spLocks noGrp="1"/>
+          </p:cNvSpPr>
+          <p:nvPr>
+            <p:ph type="ctrTitle"/>
+          </p:nvPr>
+        </p:nvSpPr>
+        <p:spPr>
+          <a:xfrm>
+            <a:off x="1524000" y="1566037"/>
+            <a:ext cx="9144000" cy="2387600"/>
+          </a:xfrm>
+        </p:spPr>
+        <p:txBody>
+          <a:bodyPr/>
+          <a:lstStyle/>
+          <a:p>
+            <a:pPr>
+              <a:lnSpc>
+                <a:spcPct val="110000"/>
+              </a:lnSpc>
+            </a:pPr>
+            <a:r>
+              <a:rPr lang="en-TW" b="1" dirty="0"/>
+              <a:t>Future Work</a:t>
+            </a:r>
+          </a:p>
+        </p:txBody>
+      </p:sp>
+      <p:sp>
+        <p:nvSpPr>
           <p:cNvPr id="4" name="Slide Number Placeholder 3">
             <a:extLst>
               <a:ext uri="{FF2B5EF4-FFF2-40B4-BE49-F238E27FC236}">
@@ -6440,49 +7498,28 @@
           </a:p>
         </p:txBody>
       </p:sp>
-      <p:sp>
-        <p:nvSpPr>
-          <p:cNvPr id="5" name="Title 4">
-            <a:extLst>
-              <a:ext uri="{FF2B5EF4-FFF2-40B4-BE49-F238E27FC236}">
-                <a16:creationId xmlns:a16="http://schemas.microsoft.com/office/drawing/2014/main" id="{FD89D94C-6796-FFAC-888D-5EC2B2407BC6}"/>
-              </a:ext>
-            </a:extLst>
-          </p:cNvPr>
-          <p:cNvSpPr>
-            <a:spLocks noGrp="1"/>
-          </p:cNvSpPr>
-          <p:nvPr>
-            <p:ph type="ctrTitle"/>
-          </p:nvPr>
-        </p:nvSpPr>
-        <p:spPr>
-          <a:xfrm>
-            <a:off x="1524000" y="1484970"/>
-            <a:ext cx="9144000" cy="2387600"/>
-          </a:xfrm>
-        </p:spPr>
-        <p:txBody>
-          <a:bodyPr/>
-          <a:lstStyle/>
-          <a:p>
-            <a:r>
-              <a:rPr lang="en-TW" b="1" dirty="0"/>
-              <a:t>Thanks!!</a:t>
-            </a:r>
-          </a:p>
-        </p:txBody>
-      </p:sp>
     </p:spTree>
     <p:extLst>
       <p:ext uri="{BB962C8B-B14F-4D97-AF65-F5344CB8AC3E}">
-        <p14:creationId xmlns:p14="http://schemas.microsoft.com/office/powerpoint/2010/main" val="2872018066"/>
+        <p14:creationId xmlns:p14="http://schemas.microsoft.com/office/powerpoint/2010/main" val="2029300953"/>
       </p:ext>
     </p:extLst>
   </p:cSld>
   <p:clrMapOvr>
     <a:masterClrMapping/>
   </p:clrMapOvr>
+  <mc:AlternateContent xmlns:mc="http://schemas.openxmlformats.org/markup-compatibility/2006">
+    <mc:Choice xmlns:p159="http://schemas.microsoft.com/office/powerpoint/2015/09/main" Requires="p159">
+      <p:transition xmlns:p14="http://schemas.microsoft.com/office/powerpoint/2010/main" spd="slow" p14:dur="2000">
+        <p159:morph option="byObject"/>
+      </p:transition>
+    </mc:Choice>
+    <mc:Fallback>
+      <p:transition spd="slow">
+        <p:fade/>
+      </p:transition>
+    </mc:Fallback>
+  </mc:AlternateContent>
 </p:sld>
 </file>
 
@@ -6505,10 +7542,202 @@
       </p:grpSpPr>
       <p:sp>
         <p:nvSpPr>
+          <p:cNvPr id="2" name="Title 1">
+            <a:extLst>
+              <a:ext uri="{FF2B5EF4-FFF2-40B4-BE49-F238E27FC236}">
+                <a16:creationId xmlns:a16="http://schemas.microsoft.com/office/drawing/2014/main" id="{2B533BED-E48C-5E7F-2273-C55CCE98516B}"/>
+              </a:ext>
+            </a:extLst>
+          </p:cNvPr>
+          <p:cNvSpPr>
+            <a:spLocks noGrp="1"/>
+          </p:cNvSpPr>
+          <p:nvPr>
+            <p:ph type="title"/>
+          </p:nvPr>
+        </p:nvSpPr>
+        <p:spPr>
+          <a:xfrm>
+            <a:off x="374904" y="197907"/>
+            <a:ext cx="10515600" cy="1325563"/>
+          </a:xfrm>
+        </p:spPr>
+        <p:txBody>
+          <a:bodyPr/>
+          <a:lstStyle/>
+          <a:p>
+            <a:r>
+              <a:rPr lang="en-TW" b="1" dirty="0"/>
+              <a:t>Future Work</a:t>
+            </a:r>
+          </a:p>
+        </p:txBody>
+      </p:sp>
+      <p:sp>
+        <p:nvSpPr>
+          <p:cNvPr id="3" name="Content Placeholder 2">
+            <a:extLst>
+              <a:ext uri="{FF2B5EF4-FFF2-40B4-BE49-F238E27FC236}">
+                <a16:creationId xmlns:a16="http://schemas.microsoft.com/office/drawing/2014/main" id="{25B0A74B-6281-327F-44E6-1E41A778AF7E}"/>
+              </a:ext>
+            </a:extLst>
+          </p:cNvPr>
+          <p:cNvSpPr>
+            <a:spLocks noGrp="1"/>
+          </p:cNvSpPr>
+          <p:nvPr>
+            <p:ph idx="1"/>
+          </p:nvPr>
+        </p:nvSpPr>
+        <p:spPr>
+          <a:xfrm>
+            <a:off x="789432" y="1389358"/>
+            <a:ext cx="10800644" cy="4832880"/>
+          </a:xfrm>
+        </p:spPr>
+        <p:txBody>
+          <a:bodyPr>
+            <a:normAutofit lnSpcReduction="10000"/>
+          </a:bodyPr>
+          <a:lstStyle/>
+          <a:p>
+            <a:pPr>
+              <a:lnSpc>
+                <a:spcPct val="110000"/>
+              </a:lnSpc>
+            </a:pPr>
+            <a:r>
+              <a:rPr lang="en-TW" b="1" dirty="0"/>
+              <a:t>GNN</a:t>
+            </a:r>
+          </a:p>
+          <a:p>
+            <a:pPr lvl="1">
+              <a:lnSpc>
+                <a:spcPct val="110000"/>
+              </a:lnSpc>
+            </a:pPr>
+            <a:r>
+              <a:rPr lang="en-TW" dirty="0"/>
+              <a:t>Figure out the reason causing the currently bad performance on both GCN, GAT</a:t>
+            </a:r>
+          </a:p>
+          <a:p>
+            <a:pPr lvl="1">
+              <a:lnSpc>
+                <a:spcPct val="110000"/>
+              </a:lnSpc>
+            </a:pPr>
+            <a:r>
+              <a:rPr lang="en-TW" dirty="0"/>
+              <a:t>Read some paper about these GNN models</a:t>
+            </a:r>
+          </a:p>
+          <a:p>
+            <a:pPr lvl="1">
+              <a:lnSpc>
+                <a:spcPct val="110000"/>
+              </a:lnSpc>
+            </a:pPr>
+            <a:r>
+              <a:rPr lang="en-TW" dirty="0"/>
+              <a:t>Try the GraphSAGE</a:t>
+            </a:r>
+          </a:p>
+          <a:p>
+            <a:pPr>
+              <a:lnSpc>
+                <a:spcPct val="110000"/>
+              </a:lnSpc>
+            </a:pPr>
+            <a:r>
+              <a:rPr lang="en-TW" b="1" dirty="0"/>
+              <a:t>TRAM</a:t>
+            </a:r>
+          </a:p>
+          <a:p>
+            <a:pPr lvl="1">
+              <a:lnSpc>
+                <a:spcPct val="110000"/>
+              </a:lnSpc>
+            </a:pPr>
+            <a:r>
+              <a:rPr lang="en-TW" dirty="0"/>
+              <a:t>Delete.py</a:t>
+            </a:r>
+          </a:p>
+          <a:p>
+            <a:pPr lvl="1">
+              <a:lnSpc>
+                <a:spcPct val="110000"/>
+              </a:lnSpc>
+            </a:pPr>
+            <a:r>
+              <a:rPr lang="en-TW" dirty="0"/>
+              <a:t>Try to upload and export HTML files</a:t>
+            </a:r>
+          </a:p>
+          <a:p>
+            <a:pPr lvl="1">
+              <a:lnSpc>
+                <a:spcPct val="110000"/>
+              </a:lnSpc>
+            </a:pPr>
+            <a:r>
+              <a:rPr lang="en-TW" dirty="0"/>
+              <a:t>Transfer them into labeled data</a:t>
+            </a:r>
+          </a:p>
+          <a:p>
+            <a:pPr>
+              <a:lnSpc>
+                <a:spcPct val="110000"/>
+              </a:lnSpc>
+            </a:pPr>
+            <a:r>
+              <a:rPr lang="en-TW" b="1" dirty="0"/>
+              <a:t>Graphormer </a:t>
+            </a:r>
+            <a:r>
+              <a:rPr lang="en-TW" dirty="0"/>
+              <a:t>(if available)</a:t>
+            </a:r>
+          </a:p>
+          <a:p>
+            <a:pPr lvl="1">
+              <a:lnSpc>
+                <a:spcPct val="110000"/>
+              </a:lnSpc>
+            </a:pPr>
+            <a:r>
+              <a:rPr lang="en-TW" dirty="0"/>
+              <a:t>Write the trainer (training part) </a:t>
+            </a:r>
+          </a:p>
+          <a:p>
+            <a:pPr>
+              <a:lnSpc>
+                <a:spcPct val="110000"/>
+              </a:lnSpc>
+            </a:pPr>
+            <a:endParaRPr lang="en-TW" dirty="0"/>
+          </a:p>
+          <a:p>
+            <a:pPr>
+              <a:lnSpc>
+                <a:spcPct val="110000"/>
+              </a:lnSpc>
+            </a:pPr>
+            <a:endParaRPr lang="en-TW" dirty="0"/>
+          </a:p>
+        </p:txBody>
+      </p:sp>
+      <p:sp>
+        <p:nvSpPr>
           <p:cNvPr id="4" name="Slide Number Placeholder 3">
             <a:extLst>
               <a:ext uri="{FF2B5EF4-FFF2-40B4-BE49-F238E27FC236}">
-                <a16:creationId xmlns:a16="http://schemas.microsoft.com/office/drawing/2014/main" id="{2BC4D631-FD05-0882-9331-7401BF92027E}"/>
+                <a16:creationId xmlns:a16="http://schemas.microsoft.com/office/drawing/2014/main" id="{5CD44B9F-7DE8-0932-BD70-B0BA453E653B}"/>
               </a:ext>
             </a:extLst>
           </p:cNvPr>
@@ -6527,6 +7756,181 @@
             <a:fld id="{DB156E10-B3DB-CB42-894C-E44038C8B0C4}" type="slidenum">
               <a:rPr lang="en-TW" smtClean="0"/>
               <a:t>17</a:t>
+            </a:fld>
+            <a:endParaRPr lang="en-TW"/>
+          </a:p>
+        </p:txBody>
+      </p:sp>
+    </p:spTree>
+    <p:extLst>
+      <p:ext uri="{BB962C8B-B14F-4D97-AF65-F5344CB8AC3E}">
+        <p14:creationId xmlns:p14="http://schemas.microsoft.com/office/powerpoint/2010/main" val="2421199054"/>
+      </p:ext>
+    </p:extLst>
+  </p:cSld>
+  <p:clrMapOvr>
+    <a:masterClrMapping/>
+  </p:clrMapOvr>
+  <mc:AlternateContent xmlns:mc="http://schemas.openxmlformats.org/markup-compatibility/2006">
+    <mc:Choice xmlns:p159="http://schemas.microsoft.com/office/powerpoint/2015/09/main" Requires="p159">
+      <p:transition xmlns:p14="http://schemas.microsoft.com/office/powerpoint/2010/main" spd="slow" p14:dur="2000">
+        <p159:morph option="byObject"/>
+      </p:transition>
+    </mc:Choice>
+    <mc:Fallback>
+      <p:transition spd="slow">
+        <p:fade/>
+      </p:transition>
+    </mc:Fallback>
+  </mc:AlternateContent>
+</p:sld>
+</file>
+
+<file path=ppt/slides/slide18.xml><?xml version="1.0" encoding="utf-8"?>
+<p:sld xmlns:a="http://schemas.openxmlformats.org/drawingml/2006/main" xmlns:r="http://schemas.openxmlformats.org/officeDocument/2006/relationships" xmlns:p="http://schemas.openxmlformats.org/presentationml/2006/main">
+  <p:cSld>
+    <p:spTree>
+      <p:nvGrpSpPr>
+        <p:cNvPr id="1" name=""/>
+        <p:cNvGrpSpPr/>
+        <p:nvPr/>
+      </p:nvGrpSpPr>
+      <p:grpSpPr>
+        <a:xfrm>
+          <a:off x="0" y="0"/>
+          <a:ext cx="0" cy="0"/>
+          <a:chOff x="0" y="0"/>
+          <a:chExt cx="0" cy="0"/>
+        </a:xfrm>
+      </p:grpSpPr>
+      <p:sp>
+        <p:nvSpPr>
+          <p:cNvPr id="4" name="Slide Number Placeholder 3">
+            <a:extLst>
+              <a:ext uri="{FF2B5EF4-FFF2-40B4-BE49-F238E27FC236}">
+                <a16:creationId xmlns:a16="http://schemas.microsoft.com/office/drawing/2014/main" id="{2BC4D631-FD05-0882-9331-7401BF92027E}"/>
+              </a:ext>
+            </a:extLst>
+          </p:cNvPr>
+          <p:cNvSpPr>
+            <a:spLocks noGrp="1"/>
+          </p:cNvSpPr>
+          <p:nvPr>
+            <p:ph type="sldNum" sz="quarter" idx="12"/>
+          </p:nvPr>
+        </p:nvSpPr>
+        <p:spPr/>
+        <p:txBody>
+          <a:bodyPr/>
+          <a:lstStyle/>
+          <a:p>
+            <a:fld id="{DB156E10-B3DB-CB42-894C-E44038C8B0C4}" type="slidenum">
+              <a:rPr lang="en-TW" smtClean="0"/>
+              <a:t>18</a:t>
+            </a:fld>
+            <a:endParaRPr lang="en-TW"/>
+          </a:p>
+        </p:txBody>
+      </p:sp>
+      <p:sp>
+        <p:nvSpPr>
+          <p:cNvPr id="5" name="Title 4">
+            <a:extLst>
+              <a:ext uri="{FF2B5EF4-FFF2-40B4-BE49-F238E27FC236}">
+                <a16:creationId xmlns:a16="http://schemas.microsoft.com/office/drawing/2014/main" id="{FD89D94C-6796-FFAC-888D-5EC2B2407BC6}"/>
+              </a:ext>
+            </a:extLst>
+          </p:cNvPr>
+          <p:cNvSpPr>
+            <a:spLocks noGrp="1"/>
+          </p:cNvSpPr>
+          <p:nvPr>
+            <p:ph type="ctrTitle"/>
+          </p:nvPr>
+        </p:nvSpPr>
+        <p:spPr>
+          <a:xfrm>
+            <a:off x="1524000" y="1484970"/>
+            <a:ext cx="9144000" cy="2387600"/>
+          </a:xfrm>
+        </p:spPr>
+        <p:txBody>
+          <a:bodyPr/>
+          <a:lstStyle/>
+          <a:p>
+            <a:r>
+              <a:rPr lang="en-TW" b="1" dirty="0"/>
+              <a:t>Thanks!!</a:t>
+            </a:r>
+          </a:p>
+        </p:txBody>
+      </p:sp>
+    </p:spTree>
+    <p:extLst>
+      <p:ext uri="{BB962C8B-B14F-4D97-AF65-F5344CB8AC3E}">
+        <p14:creationId xmlns:p14="http://schemas.microsoft.com/office/powerpoint/2010/main" val="2872018066"/>
+      </p:ext>
+    </p:extLst>
+  </p:cSld>
+  <p:clrMapOvr>
+    <a:masterClrMapping/>
+  </p:clrMapOvr>
+  <mc:AlternateContent xmlns:mc="http://schemas.openxmlformats.org/markup-compatibility/2006">
+    <mc:Choice xmlns:p159="http://schemas.microsoft.com/office/powerpoint/2015/09/main" Requires="p159">
+      <p:transition xmlns:p14="http://schemas.microsoft.com/office/powerpoint/2010/main" spd="slow" p14:dur="2000">
+        <p159:morph option="byObject"/>
+      </p:transition>
+    </mc:Choice>
+    <mc:Fallback>
+      <p:transition spd="slow">
+        <p:fade/>
+      </p:transition>
+    </mc:Fallback>
+  </mc:AlternateContent>
+</p:sld>
+</file>
+
+<file path=ppt/slides/slide19.xml><?xml version="1.0" encoding="utf-8"?>
+<p:sld xmlns:a="http://schemas.openxmlformats.org/drawingml/2006/main" xmlns:r="http://schemas.openxmlformats.org/officeDocument/2006/relationships" xmlns:p="http://schemas.openxmlformats.org/presentationml/2006/main">
+  <p:cSld>
+    <p:spTree>
+      <p:nvGrpSpPr>
+        <p:cNvPr id="1" name=""/>
+        <p:cNvGrpSpPr/>
+        <p:nvPr/>
+      </p:nvGrpSpPr>
+      <p:grpSpPr>
+        <a:xfrm>
+          <a:off x="0" y="0"/>
+          <a:ext cx="0" cy="0"/>
+          <a:chOff x="0" y="0"/>
+          <a:chExt cx="0" cy="0"/>
+        </a:xfrm>
+      </p:grpSpPr>
+      <p:sp>
+        <p:nvSpPr>
+          <p:cNvPr id="4" name="Slide Number Placeholder 3">
+            <a:extLst>
+              <a:ext uri="{FF2B5EF4-FFF2-40B4-BE49-F238E27FC236}">
+                <a16:creationId xmlns:a16="http://schemas.microsoft.com/office/drawing/2014/main" id="{2BC4D631-FD05-0882-9331-7401BF92027E}"/>
+              </a:ext>
+            </a:extLst>
+          </p:cNvPr>
+          <p:cNvSpPr>
+            <a:spLocks noGrp="1"/>
+          </p:cNvSpPr>
+          <p:nvPr>
+            <p:ph type="sldNum" sz="quarter" idx="12"/>
+          </p:nvPr>
+        </p:nvSpPr>
+        <p:spPr/>
+        <p:txBody>
+          <a:bodyPr/>
+          <a:lstStyle/>
+          <a:p>
+            <a:fld id="{DB156E10-B3DB-CB42-894C-E44038C8B0C4}" type="slidenum">
+              <a:rPr lang="en-TW" smtClean="0"/>
+              <a:t>19</a:t>
             </a:fld>
             <a:endParaRPr lang="en-TW"/>
           </a:p>
@@ -6609,6 +8013,18 @@
   <p:clrMapOvr>
     <a:masterClrMapping/>
   </p:clrMapOvr>
+  <mc:AlternateContent xmlns:mc="http://schemas.openxmlformats.org/markup-compatibility/2006">
+    <mc:Choice xmlns:p159="http://schemas.microsoft.com/office/powerpoint/2015/09/main" Requires="p159">
+      <p:transition xmlns:p14="http://schemas.microsoft.com/office/powerpoint/2010/main" spd="slow" p14:dur="2000">
+        <p159:morph option="byObject"/>
+      </p:transition>
+    </mc:Choice>
+    <mc:Fallback>
+      <p:transition spd="slow">
+        <p:fade/>
+      </p:transition>
+    </mc:Fallback>
+  </mc:AlternateContent>
 </p:sld>
 </file>
 
@@ -6718,7 +8134,7 @@
               </a:lnSpc>
             </a:pPr>
             <a:r>
-              <a:rPr lang="en-TW" b="1" dirty="0"/>
+              <a:rPr lang="en-TW" dirty="0"/>
               <a:t>GAT </a:t>
             </a:r>
           </a:p>
@@ -6729,7 +8145,7 @@
               </a:lnSpc>
             </a:pPr>
             <a:r>
-              <a:rPr lang="en-TW" b="1" dirty="0"/>
+              <a:rPr lang="en-TW" dirty="0"/>
               <a:t>GCN</a:t>
             </a:r>
           </a:p>
@@ -6812,6 +8228,18 @@
   <p:clrMapOvr>
     <a:masterClrMapping/>
   </p:clrMapOvr>
+  <mc:AlternateContent xmlns:mc="http://schemas.openxmlformats.org/markup-compatibility/2006">
+    <mc:Choice xmlns:p159="http://schemas.microsoft.com/office/powerpoint/2015/09/main" Requires="p159">
+      <p:transition xmlns:p14="http://schemas.microsoft.com/office/powerpoint/2010/main" spd="slow" p14:dur="2000">
+        <p159:morph option="byObject"/>
+      </p:transition>
+    </mc:Choice>
+    <mc:Fallback>
+      <p:transition spd="slow">
+        <p:fade/>
+      </p:transition>
+    </mc:Fallback>
+  </mc:AlternateContent>
 </p:sld>
 </file>
 
@@ -6909,6 +8337,18 @@
   <p:clrMapOvr>
     <a:masterClrMapping/>
   </p:clrMapOvr>
+  <mc:AlternateContent xmlns:mc="http://schemas.openxmlformats.org/markup-compatibility/2006">
+    <mc:Choice xmlns:p159="http://schemas.microsoft.com/office/powerpoint/2015/09/main" Requires="p159">
+      <p:transition xmlns:p14="http://schemas.microsoft.com/office/powerpoint/2010/main" spd="slow" p14:dur="2000">
+        <p159:morph option="byObject"/>
+      </p:transition>
+    </mc:Choice>
+    <mc:Fallback>
+      <p:transition spd="slow">
+        <p:fade/>
+      </p:transition>
+    </mc:Fallback>
+  </mc:AlternateContent>
 </p:sld>
 </file>
 
@@ -7063,13 +8503,6 @@
               <a:rPr lang="en-US" dirty="0"/>
               <a:t>: diamond</a:t>
             </a:r>
-          </a:p>
-          <a:p>
-            <a:pPr>
-              <a:lnSpc>
-                <a:spcPct val="110000"/>
-              </a:lnSpc>
-            </a:pPr>
             <a:endParaRPr lang="en-TW" dirty="0">
               <a:sym typeface="Wingdings" pitchFamily="2" charset="2"/>
             </a:endParaRPr>
@@ -7271,7 +8704,7 @@
         </p:blipFill>
         <p:spPr>
           <a:xfrm>
-            <a:off x="3116756" y="5257687"/>
+            <a:off x="1483028" y="4738359"/>
             <a:ext cx="5359400" cy="1409700"/>
           </a:xfrm>
           <a:prstGeom prst="rect">
@@ -7289,6 +8722,18 @@
   <p:clrMapOvr>
     <a:masterClrMapping/>
   </p:clrMapOvr>
+  <mc:AlternateContent xmlns:mc="http://schemas.openxmlformats.org/markup-compatibility/2006">
+    <mc:Choice xmlns:p159="http://schemas.microsoft.com/office/powerpoint/2015/09/main" Requires="p159">
+      <p:transition xmlns:p14="http://schemas.microsoft.com/office/powerpoint/2010/main" spd="slow" p14:dur="2000">
+        <p159:morph option="byObject"/>
+      </p:transition>
+    </mc:Choice>
+    <mc:Fallback>
+      <p:transition spd="slow">
+        <p:fade/>
+      </p:transition>
+    </mc:Fallback>
+  </mc:AlternateContent>
 </p:sld>
 </file>
 
@@ -7483,6 +8928,18 @@
   <p:clrMapOvr>
     <a:masterClrMapping/>
   </p:clrMapOvr>
+  <mc:AlternateContent xmlns:mc="http://schemas.openxmlformats.org/markup-compatibility/2006">
+    <mc:Choice xmlns:p159="http://schemas.microsoft.com/office/powerpoint/2015/09/main" Requires="p159">
+      <p:transition xmlns:p14="http://schemas.microsoft.com/office/powerpoint/2010/main" spd="slow" p14:dur="2000">
+        <p159:morph option="byObject"/>
+      </p:transition>
+    </mc:Choice>
+    <mc:Fallback>
+      <p:transition spd="slow">
+        <p:fade/>
+      </p:transition>
+    </mc:Fallback>
+  </mc:AlternateContent>
 </p:sld>
 </file>
 
@@ -7508,36 +8965,70 @@
           <p:cNvPr id="2" name="Title 1">
             <a:extLst>
               <a:ext uri="{FF2B5EF4-FFF2-40B4-BE49-F238E27FC236}">
-                <a16:creationId xmlns:a16="http://schemas.microsoft.com/office/drawing/2014/main" id="{2D1F1D5D-BC21-FE6C-199A-114DD8A93B70}"/>
-              </a:ext>
-            </a:extLst>
-          </p:cNvPr>
-          <p:cNvSpPr>
-            <a:spLocks noGrp="1"/>
-          </p:cNvSpPr>
-          <p:nvPr>
-            <p:ph type="ctrTitle"/>
+                <a16:creationId xmlns:a16="http://schemas.microsoft.com/office/drawing/2014/main" id="{3CD19673-87E3-F155-70D6-C4176996AE62}"/>
+              </a:ext>
+            </a:extLst>
+          </p:cNvPr>
+          <p:cNvSpPr>
+            <a:spLocks noGrp="1"/>
+          </p:cNvSpPr>
+          <p:nvPr>
+            <p:ph type="title"/>
           </p:nvPr>
         </p:nvSpPr>
         <p:spPr>
           <a:xfrm>
-            <a:off x="1524000" y="1566037"/>
-            <a:ext cx="9144000" cy="2387600"/>
+            <a:off x="443121" y="89398"/>
+            <a:ext cx="10515600" cy="1325563"/>
           </a:xfrm>
         </p:spPr>
         <p:txBody>
           <a:bodyPr/>
           <a:lstStyle/>
           <a:p>
-            <a:pPr>
+            <a:r>
+              <a:rPr lang="en-TW" b="1" dirty="0"/>
+              <a:t>Graph</a:t>
+            </a:r>
+            <a:endParaRPr lang="en-TW" dirty="0"/>
+          </a:p>
+        </p:txBody>
+      </p:sp>
+      <p:sp>
+        <p:nvSpPr>
+          <p:cNvPr id="3" name="Content Placeholder 2">
+            <a:extLst>
+              <a:ext uri="{FF2B5EF4-FFF2-40B4-BE49-F238E27FC236}">
+                <a16:creationId xmlns:a16="http://schemas.microsoft.com/office/drawing/2014/main" id="{B2F97F4C-A696-D3C3-AB2B-F5D8B5959A58}"/>
+              </a:ext>
+            </a:extLst>
+          </p:cNvPr>
+          <p:cNvSpPr>
+            <a:spLocks noGrp="1"/>
+          </p:cNvSpPr>
+          <p:nvPr>
+            <p:ph idx="1"/>
+          </p:nvPr>
+        </p:nvSpPr>
+        <p:spPr>
+          <a:xfrm>
+            <a:off x="3425952" y="3974592"/>
+            <a:ext cx="927617" cy="1190627"/>
+          </a:xfrm>
+        </p:spPr>
+        <p:txBody>
+          <a:bodyPr>
+            <a:normAutofit/>
+          </a:bodyPr>
+          <a:lstStyle/>
+          <a:p>
+            <a:pPr marL="0" indent="0">
               <a:lnSpc>
                 <a:spcPct val="110000"/>
               </a:lnSpc>
+              <a:buNone/>
             </a:pPr>
-            <a:r>
-              <a:rPr lang="en-TW" b="1" dirty="0"/>
-              <a:t>GNN</a:t>
-            </a:r>
+            <a:endParaRPr lang="en-US" sz="2000" dirty="0"/>
           </a:p>
         </p:txBody>
       </p:sp>
@@ -7546,7 +9037,7 @@
           <p:cNvPr id="4" name="Slide Number Placeholder 3">
             <a:extLst>
               <a:ext uri="{FF2B5EF4-FFF2-40B4-BE49-F238E27FC236}">
-                <a16:creationId xmlns:a16="http://schemas.microsoft.com/office/drawing/2014/main" id="{2BC4D631-FD05-0882-9331-7401BF92027E}"/>
+                <a16:creationId xmlns:a16="http://schemas.microsoft.com/office/drawing/2014/main" id="{BADFCDC4-2B6D-0898-DA05-192201896320}"/>
               </a:ext>
             </a:extLst>
           </p:cNvPr>
@@ -7570,16 +9061,88 @@
           </a:p>
         </p:txBody>
       </p:sp>
+      <p:pic>
+        <p:nvPicPr>
+          <p:cNvPr id="5" name="Picture 4">
+            <a:extLst>
+              <a:ext uri="{FF2B5EF4-FFF2-40B4-BE49-F238E27FC236}">
+                <a16:creationId xmlns:a16="http://schemas.microsoft.com/office/drawing/2014/main" id="{8227C1A4-B5F2-1ACE-A2B4-2D10E4E39418}"/>
+              </a:ext>
+            </a:extLst>
+          </p:cNvPr>
+          <p:cNvPicPr>
+            <a:picLocks noChangeAspect="1"/>
+          </p:cNvPicPr>
+          <p:nvPr/>
+        </p:nvPicPr>
+        <p:blipFill>
+          <a:blip r:embed="rId3"/>
+          <a:stretch>
+            <a:fillRect/>
+          </a:stretch>
+        </p:blipFill>
+        <p:spPr>
+          <a:xfrm>
+            <a:off x="6412992" y="1665694"/>
+            <a:ext cx="5608319" cy="1607697"/>
+          </a:xfrm>
+          <a:prstGeom prst="rect">
+            <a:avLst/>
+          </a:prstGeom>
+        </p:spPr>
+      </p:pic>
+      <p:pic>
+        <p:nvPicPr>
+          <p:cNvPr id="7" name="Picture 6">
+            <a:extLst>
+              <a:ext uri="{FF2B5EF4-FFF2-40B4-BE49-F238E27FC236}">
+                <a16:creationId xmlns:a16="http://schemas.microsoft.com/office/drawing/2014/main" id="{8A036444-253E-617B-C33E-08C1B0F65814}"/>
+              </a:ext>
+            </a:extLst>
+          </p:cNvPr>
+          <p:cNvPicPr>
+            <a:picLocks noChangeAspect="1"/>
+          </p:cNvPicPr>
+          <p:nvPr/>
+        </p:nvPicPr>
+        <p:blipFill>
+          <a:blip r:embed="rId4"/>
+          <a:stretch>
+            <a:fillRect/>
+          </a:stretch>
+        </p:blipFill>
+        <p:spPr>
+          <a:xfrm>
+            <a:off x="8510015" y="227038"/>
+            <a:ext cx="3168759" cy="1401783"/>
+          </a:xfrm>
+          <a:prstGeom prst="rect">
+            <a:avLst/>
+          </a:prstGeom>
+        </p:spPr>
+      </p:pic>
     </p:spTree>
     <p:extLst>
       <p:ext uri="{BB962C8B-B14F-4D97-AF65-F5344CB8AC3E}">
-        <p14:creationId xmlns:p14="http://schemas.microsoft.com/office/powerpoint/2010/main" val="1317249024"/>
+        <p14:creationId xmlns:p14="http://schemas.microsoft.com/office/powerpoint/2010/main" val="891730055"/>
       </p:ext>
     </p:extLst>
   </p:cSld>
   <p:clrMapOvr>
     <a:masterClrMapping/>
   </p:clrMapOvr>
+  <mc:AlternateContent xmlns:mc="http://schemas.openxmlformats.org/markup-compatibility/2006">
+    <mc:Choice xmlns:p159="http://schemas.microsoft.com/office/powerpoint/2015/09/main" Requires="p159">
+      <p:transition xmlns:p14="http://schemas.microsoft.com/office/powerpoint/2010/main" spd="slow" p14:dur="2000">
+        <p159:morph option="byObject"/>
+      </p:transition>
+    </mc:Choice>
+    <mc:Fallback>
+      <p:transition spd="slow">
+        <p:fade/>
+      </p:transition>
+    </mc:Fallback>
+  </mc:AlternateContent>
 </p:sld>
 </file>
 
@@ -7605,6 +9168,115 @@
           <p:cNvPr id="2" name="Title 1">
             <a:extLst>
               <a:ext uri="{FF2B5EF4-FFF2-40B4-BE49-F238E27FC236}">
+                <a16:creationId xmlns:a16="http://schemas.microsoft.com/office/drawing/2014/main" id="{2D1F1D5D-BC21-FE6C-199A-114DD8A93B70}"/>
+              </a:ext>
+            </a:extLst>
+          </p:cNvPr>
+          <p:cNvSpPr>
+            <a:spLocks noGrp="1"/>
+          </p:cNvSpPr>
+          <p:nvPr>
+            <p:ph type="ctrTitle"/>
+          </p:nvPr>
+        </p:nvSpPr>
+        <p:spPr>
+          <a:xfrm>
+            <a:off x="1524000" y="1566037"/>
+            <a:ext cx="9144000" cy="2387600"/>
+          </a:xfrm>
+        </p:spPr>
+        <p:txBody>
+          <a:bodyPr/>
+          <a:lstStyle/>
+          <a:p>
+            <a:pPr>
+              <a:lnSpc>
+                <a:spcPct val="110000"/>
+              </a:lnSpc>
+            </a:pPr>
+            <a:r>
+              <a:rPr lang="en-TW" b="1" dirty="0"/>
+              <a:t>GNN</a:t>
+            </a:r>
+          </a:p>
+        </p:txBody>
+      </p:sp>
+      <p:sp>
+        <p:nvSpPr>
+          <p:cNvPr id="4" name="Slide Number Placeholder 3">
+            <a:extLst>
+              <a:ext uri="{FF2B5EF4-FFF2-40B4-BE49-F238E27FC236}">
+                <a16:creationId xmlns:a16="http://schemas.microsoft.com/office/drawing/2014/main" id="{2BC4D631-FD05-0882-9331-7401BF92027E}"/>
+              </a:ext>
+            </a:extLst>
+          </p:cNvPr>
+          <p:cNvSpPr>
+            <a:spLocks noGrp="1"/>
+          </p:cNvSpPr>
+          <p:nvPr>
+            <p:ph type="sldNum" sz="quarter" idx="12"/>
+          </p:nvPr>
+        </p:nvSpPr>
+        <p:spPr/>
+        <p:txBody>
+          <a:bodyPr/>
+          <a:lstStyle/>
+          <a:p>
+            <a:fld id="{DB156E10-B3DB-CB42-894C-E44038C8B0C4}" type="slidenum">
+              <a:rPr lang="en-TW" smtClean="0"/>
+              <a:t>7</a:t>
+            </a:fld>
+            <a:endParaRPr lang="en-TW"/>
+          </a:p>
+        </p:txBody>
+      </p:sp>
+    </p:spTree>
+    <p:extLst>
+      <p:ext uri="{BB962C8B-B14F-4D97-AF65-F5344CB8AC3E}">
+        <p14:creationId xmlns:p14="http://schemas.microsoft.com/office/powerpoint/2010/main" val="1317249024"/>
+      </p:ext>
+    </p:extLst>
+  </p:cSld>
+  <p:clrMapOvr>
+    <a:masterClrMapping/>
+  </p:clrMapOvr>
+  <mc:AlternateContent xmlns:mc="http://schemas.openxmlformats.org/markup-compatibility/2006">
+    <mc:Choice xmlns:p159="http://schemas.microsoft.com/office/powerpoint/2015/09/main" Requires="p159">
+      <p:transition xmlns:p14="http://schemas.microsoft.com/office/powerpoint/2010/main" spd="slow" p14:dur="2000">
+        <p159:morph option="byObject"/>
+      </p:transition>
+    </mc:Choice>
+    <mc:Fallback>
+      <p:transition spd="slow">
+        <p:fade/>
+      </p:transition>
+    </mc:Fallback>
+  </mc:AlternateContent>
+</p:sld>
+</file>
+
+<file path=ppt/slides/slide8.xml><?xml version="1.0" encoding="utf-8"?>
+<p:sld xmlns:a="http://schemas.openxmlformats.org/drawingml/2006/main" xmlns:r="http://schemas.openxmlformats.org/officeDocument/2006/relationships" xmlns:p="http://schemas.openxmlformats.org/presentationml/2006/main">
+  <p:cSld>
+    <p:spTree>
+      <p:nvGrpSpPr>
+        <p:cNvPr id="1" name=""/>
+        <p:cNvGrpSpPr/>
+        <p:nvPr/>
+      </p:nvGrpSpPr>
+      <p:grpSpPr>
+        <a:xfrm>
+          <a:off x="0" y="0"/>
+          <a:ext cx="0" cy="0"/>
+          <a:chOff x="0" y="0"/>
+          <a:chExt cx="0" cy="0"/>
+        </a:xfrm>
+      </p:grpSpPr>
+      <p:sp>
+        <p:nvSpPr>
+          <p:cNvPr id="2" name="Title 1">
+            <a:extLst>
+              <a:ext uri="{FF2B5EF4-FFF2-40B4-BE49-F238E27FC236}">
                 <a16:creationId xmlns:a16="http://schemas.microsoft.com/office/drawing/2014/main" id="{2B533BED-E48C-5E7F-2273-C55CCE98516B}"/>
               </a:ext>
             </a:extLst>
@@ -7656,7 +9328,7 @@
           <a:p>
             <a:fld id="{DB156E10-B3DB-CB42-894C-E44038C8B0C4}" type="slidenum">
               <a:rPr lang="en-TW" smtClean="0"/>
-              <a:t>7</a:t>
+              <a:t>8</a:t>
             </a:fld>
             <a:endParaRPr lang="en-TW"/>
           </a:p>
@@ -7917,10 +9589,22 @@
   <p:clrMapOvr>
     <a:masterClrMapping/>
   </p:clrMapOvr>
+  <mc:AlternateContent xmlns:mc="http://schemas.openxmlformats.org/markup-compatibility/2006">
+    <mc:Choice xmlns:p159="http://schemas.microsoft.com/office/powerpoint/2015/09/main" Requires="p159">
+      <p:transition xmlns:p14="http://schemas.microsoft.com/office/powerpoint/2010/main" spd="slow" p14:dur="2000">
+        <p159:morph option="byObject"/>
+      </p:transition>
+    </mc:Choice>
+    <mc:Fallback>
+      <p:transition spd="slow">
+        <p:fade/>
+      </p:transition>
+    </mc:Fallback>
+  </mc:AlternateContent>
 </p:sld>
 </file>
 
-<file path=ppt/slides/slide8.xml><?xml version="1.0" encoding="utf-8"?>
+<file path=ppt/slides/slide9.xml><?xml version="1.0" encoding="utf-8"?>
 <p:sld xmlns:a="http://schemas.openxmlformats.org/drawingml/2006/main" xmlns:r="http://schemas.openxmlformats.org/officeDocument/2006/relationships" xmlns:p="http://schemas.openxmlformats.org/presentationml/2006/main">
   <p:cSld>
     <p:spTree>
@@ -7993,7 +9677,7 @@
           <a:p>
             <a:fld id="{DB156E10-B3DB-CB42-894C-E44038C8B0C4}" type="slidenum">
               <a:rPr lang="en-TW" smtClean="0"/>
-              <a:t>8</a:t>
+              <a:t>9</a:t>
             </a:fld>
             <a:endParaRPr lang="en-TW"/>
           </a:p>
@@ -8180,7 +9864,7 @@
             </a:pPr>
             <a:r>
               <a:rPr lang="en-US" sz="2400" dirty="0"/>
-              <a:t>We have the maps record the:</a:t>
+              <a:t>We have the maps recording the:</a:t>
             </a:r>
           </a:p>
           <a:p>
@@ -8334,6 +10018,18 @@
   <p:clrMapOvr>
     <a:masterClrMapping/>
   </p:clrMapOvr>
+  <mc:AlternateContent xmlns:mc="http://schemas.openxmlformats.org/markup-compatibility/2006">
+    <mc:Choice xmlns:p159="http://schemas.microsoft.com/office/powerpoint/2015/09/main" Requires="p159">
+      <p:transition xmlns:p14="http://schemas.microsoft.com/office/powerpoint/2010/main" spd="slow" p14:dur="2000">
+        <p159:morph option="byObject"/>
+      </p:transition>
+    </mc:Choice>
+    <mc:Fallback>
+      <p:transition spd="slow">
+        <p:fade/>
+      </p:transition>
+    </mc:Fallback>
+  </mc:AlternateContent>
   <p:timing>
     <p:tnLst>
       <p:par>
@@ -8455,588 +10151,6 @@
     </p:tnLst>
     <p:bldLst>
       <p:bldP spid="10" grpId="0" animBg="1"/>
-    </p:bldLst>
-  </p:timing>
-</p:sld>
-</file>
-
-<file path=ppt/slides/slide9.xml><?xml version="1.0" encoding="utf-8"?>
-<p:sld xmlns:a="http://schemas.openxmlformats.org/drawingml/2006/main" xmlns:r="http://schemas.openxmlformats.org/officeDocument/2006/relationships" xmlns:p="http://schemas.openxmlformats.org/presentationml/2006/main">
-  <p:cSld>
-    <p:spTree>
-      <p:nvGrpSpPr>
-        <p:cNvPr id="1" name=""/>
-        <p:cNvGrpSpPr/>
-        <p:nvPr/>
-      </p:nvGrpSpPr>
-      <p:grpSpPr>
-        <a:xfrm>
-          <a:off x="0" y="0"/>
-          <a:ext cx="0" cy="0"/>
-          <a:chOff x="0" y="0"/>
-          <a:chExt cx="0" cy="0"/>
-        </a:xfrm>
-      </p:grpSpPr>
-      <p:sp>
-        <p:nvSpPr>
-          <p:cNvPr id="2" name="Title 1">
-            <a:extLst>
-              <a:ext uri="{FF2B5EF4-FFF2-40B4-BE49-F238E27FC236}">
-                <a16:creationId xmlns:a16="http://schemas.microsoft.com/office/drawing/2014/main" id="{2B533BED-E48C-5E7F-2273-C55CCE98516B}"/>
-              </a:ext>
-            </a:extLst>
-          </p:cNvPr>
-          <p:cNvSpPr>
-            <a:spLocks noGrp="1"/>
-          </p:cNvSpPr>
-          <p:nvPr>
-            <p:ph type="title"/>
-          </p:nvPr>
-        </p:nvSpPr>
-        <p:spPr>
-          <a:xfrm>
-            <a:off x="363668" y="89416"/>
-            <a:ext cx="10515600" cy="1325563"/>
-          </a:xfrm>
-        </p:spPr>
-        <p:txBody>
-          <a:bodyPr/>
-          <a:lstStyle/>
-          <a:p>
-            <a:r>
-              <a:rPr lang="en-TW" b="1" dirty="0"/>
-              <a:t>Graph Convolutional Network - GCN</a:t>
-            </a:r>
-          </a:p>
-        </p:txBody>
-      </p:sp>
-      <p:sp>
-        <p:nvSpPr>
-          <p:cNvPr id="4" name="Slide Number Placeholder 3">
-            <a:extLst>
-              <a:ext uri="{FF2B5EF4-FFF2-40B4-BE49-F238E27FC236}">
-                <a16:creationId xmlns:a16="http://schemas.microsoft.com/office/drawing/2014/main" id="{5CD44B9F-7DE8-0932-BD70-B0BA453E653B}"/>
-              </a:ext>
-            </a:extLst>
-          </p:cNvPr>
-          <p:cNvSpPr>
-            <a:spLocks noGrp="1"/>
-          </p:cNvSpPr>
-          <p:nvPr>
-            <p:ph type="sldNum" sz="quarter" idx="12"/>
-          </p:nvPr>
-        </p:nvSpPr>
-        <p:spPr/>
-        <p:txBody>
-          <a:bodyPr/>
-          <a:lstStyle/>
-          <a:p>
-            <a:fld id="{DB156E10-B3DB-CB42-894C-E44038C8B0C4}" type="slidenum">
-              <a:rPr lang="en-TW" smtClean="0"/>
-              <a:t>9</a:t>
-            </a:fld>
-            <a:endParaRPr lang="en-TW"/>
-          </a:p>
-        </p:txBody>
-      </p:sp>
-      <p:pic>
-        <p:nvPicPr>
-          <p:cNvPr id="10" name="Content Placeholder 9">
-            <a:extLst>
-              <a:ext uri="{FF2B5EF4-FFF2-40B4-BE49-F238E27FC236}">
-                <a16:creationId xmlns:a16="http://schemas.microsoft.com/office/drawing/2014/main" id="{2E075D65-603F-E7BD-FF0A-E28275FB4462}"/>
-              </a:ext>
-            </a:extLst>
-          </p:cNvPr>
-          <p:cNvPicPr>
-            <a:picLocks noGrp="1" noChangeAspect="1"/>
-          </p:cNvPicPr>
-          <p:nvPr>
-            <p:ph idx="1"/>
-          </p:nvPr>
-        </p:nvPicPr>
-        <p:blipFill rotWithShape="1">
-          <a:blip r:embed="rId3"/>
-          <a:srcRect t="28717" r="-802"/>
-          <a:stretch/>
-        </p:blipFill>
-        <p:spPr>
-          <a:xfrm>
-            <a:off x="6390975" y="2904613"/>
-            <a:ext cx="4642785" cy="1812843"/>
-          </a:xfrm>
-        </p:spPr>
-      </p:pic>
-      <p:sp>
-        <p:nvSpPr>
-          <p:cNvPr id="15" name="TextBox 14">
-            <a:extLst>
-              <a:ext uri="{FF2B5EF4-FFF2-40B4-BE49-F238E27FC236}">
-                <a16:creationId xmlns:a16="http://schemas.microsoft.com/office/drawing/2014/main" id="{6FD493DF-B104-2035-8CD7-9859B3500D0C}"/>
-              </a:ext>
-            </a:extLst>
-          </p:cNvPr>
-          <p:cNvSpPr txBox="1"/>
-          <p:nvPr/>
-        </p:nvSpPr>
-        <p:spPr>
-          <a:xfrm>
-            <a:off x="709757" y="1377750"/>
-            <a:ext cx="856325" cy="369332"/>
-          </a:xfrm>
-          <a:prstGeom prst="rect">
-            <a:avLst/>
-          </a:prstGeom>
-          <a:noFill/>
-        </p:spPr>
-        <p:txBody>
-          <a:bodyPr wrap="none" rtlCol="0">
-            <a:spAutoFit/>
-          </a:bodyPr>
-          <a:lstStyle/>
-          <a:p>
-            <a:r>
-              <a:rPr lang="en-TW" dirty="0"/>
-              <a:t>Model:</a:t>
-            </a:r>
-          </a:p>
-        </p:txBody>
-      </p:sp>
-      <p:sp>
-        <p:nvSpPr>
-          <p:cNvPr id="16" name="TextBox 15">
-            <a:extLst>
-              <a:ext uri="{FF2B5EF4-FFF2-40B4-BE49-F238E27FC236}">
-                <a16:creationId xmlns:a16="http://schemas.microsoft.com/office/drawing/2014/main" id="{CC1A12C0-2602-E5B4-8576-C720FB9E8447}"/>
-              </a:ext>
-            </a:extLst>
-          </p:cNvPr>
-          <p:cNvSpPr txBox="1"/>
-          <p:nvPr/>
-        </p:nvSpPr>
-        <p:spPr>
-          <a:xfrm>
-            <a:off x="6283399" y="1342175"/>
-            <a:ext cx="825034" cy="369332"/>
-          </a:xfrm>
-          <a:prstGeom prst="rect">
-            <a:avLst/>
-          </a:prstGeom>
-          <a:noFill/>
-        </p:spPr>
-        <p:txBody>
-          <a:bodyPr wrap="none" rtlCol="0">
-            <a:spAutoFit/>
-          </a:bodyPr>
-          <a:lstStyle/>
-          <a:p>
-            <a:r>
-              <a:rPr lang="en-TW" dirty="0"/>
-              <a:t>Result:</a:t>
-            </a:r>
-          </a:p>
-        </p:txBody>
-      </p:sp>
-      <p:sp>
-        <p:nvSpPr>
-          <p:cNvPr id="17" name="TextBox 16">
-            <a:extLst>
-              <a:ext uri="{FF2B5EF4-FFF2-40B4-BE49-F238E27FC236}">
-                <a16:creationId xmlns:a16="http://schemas.microsoft.com/office/drawing/2014/main" id="{70D95ADF-1DB1-CF1A-7B38-B4DED6AA3FE2}"/>
-              </a:ext>
-            </a:extLst>
-          </p:cNvPr>
-          <p:cNvSpPr txBox="1"/>
-          <p:nvPr/>
-        </p:nvSpPr>
-        <p:spPr>
-          <a:xfrm>
-            <a:off x="787680" y="4481862"/>
-            <a:ext cx="3646768" cy="923330"/>
-          </a:xfrm>
-          <a:prstGeom prst="rect">
-            <a:avLst/>
-          </a:prstGeom>
-          <a:noFill/>
-        </p:spPr>
-        <p:txBody>
-          <a:bodyPr wrap="none" rtlCol="0">
-            <a:spAutoFit/>
-          </a:bodyPr>
-          <a:lstStyle/>
-          <a:p>
-            <a:pPr marL="285750" indent="-285750">
-              <a:buFont typeface="Arial" panose="020B0604020202020204" pitchFamily="34" charset="0"/>
-              <a:buChar char="•"/>
-            </a:pPr>
-            <a:r>
-              <a:rPr lang="en-TW" dirty="0"/>
-              <a:t>Use the </a:t>
-            </a:r>
-            <a:r>
-              <a:rPr lang="en-TW" b="1" dirty="0"/>
-              <a:t>old</a:t>
-            </a:r>
-            <a:r>
-              <a:rPr lang="en-TW" dirty="0"/>
-              <a:t> verison of the dataset</a:t>
-            </a:r>
-          </a:p>
-          <a:p>
-            <a:pPr marL="285750" indent="-285750">
-              <a:buFont typeface="Arial" panose="020B0604020202020204" pitchFamily="34" charset="0"/>
-              <a:buChar char="•"/>
-            </a:pPr>
-            <a:r>
-              <a:rPr lang="en-TW" dirty="0"/>
-              <a:t>Use </a:t>
-            </a:r>
-            <a:r>
-              <a:rPr lang="en-TW" b="1" dirty="0"/>
-              <a:t>DGL</a:t>
-            </a:r>
-            <a:r>
-              <a:rPr lang="en-TW" dirty="0"/>
-              <a:t> to be our library</a:t>
-            </a:r>
-          </a:p>
-          <a:p>
-            <a:pPr marL="285750" indent="-285750">
-              <a:buFont typeface="Arial" panose="020B0604020202020204" pitchFamily="34" charset="0"/>
-              <a:buChar char="•"/>
-            </a:pPr>
-            <a:r>
-              <a:rPr lang="en-US" dirty="0"/>
-              <a:t>DGL d</a:t>
-            </a:r>
-            <a:r>
-              <a:rPr lang="en-TW" dirty="0"/>
-              <a:t>ata format:</a:t>
-            </a:r>
-          </a:p>
-        </p:txBody>
-      </p:sp>
-      <p:pic>
-        <p:nvPicPr>
-          <p:cNvPr id="19" name="Picture 18">
-            <a:extLst>
-              <a:ext uri="{FF2B5EF4-FFF2-40B4-BE49-F238E27FC236}">
-                <a16:creationId xmlns:a16="http://schemas.microsoft.com/office/drawing/2014/main" id="{C357EE74-8DFB-BD2B-AEEC-4E638001D509}"/>
-              </a:ext>
-            </a:extLst>
-          </p:cNvPr>
-          <p:cNvPicPr>
-            <a:picLocks noChangeAspect="1"/>
-          </p:cNvPicPr>
-          <p:nvPr/>
-        </p:nvPicPr>
-        <p:blipFill>
-          <a:blip r:embed="rId4"/>
-          <a:stretch>
-            <a:fillRect/>
-          </a:stretch>
-        </p:blipFill>
-        <p:spPr>
-          <a:xfrm>
-            <a:off x="787680" y="1828699"/>
-            <a:ext cx="5340360" cy="2578105"/>
-          </a:xfrm>
-          <a:prstGeom prst="rect">
-            <a:avLst/>
-          </a:prstGeom>
-        </p:spPr>
-      </p:pic>
-      <p:sp>
-        <p:nvSpPr>
-          <p:cNvPr id="20" name="Oval 19">
-            <a:extLst>
-              <a:ext uri="{FF2B5EF4-FFF2-40B4-BE49-F238E27FC236}">
-                <a16:creationId xmlns:a16="http://schemas.microsoft.com/office/drawing/2014/main" id="{3C01F5AC-DBC1-6FBD-403E-69E9F481E06E}"/>
-              </a:ext>
-            </a:extLst>
-          </p:cNvPr>
-          <p:cNvSpPr/>
-          <p:nvPr/>
-        </p:nvSpPr>
-        <p:spPr>
-          <a:xfrm>
-            <a:off x="1379032" y="2208928"/>
-            <a:ext cx="2756647" cy="219327"/>
-          </a:xfrm>
-          <a:prstGeom prst="ellipse">
-            <a:avLst/>
-          </a:prstGeom>
-          <a:solidFill>
-            <a:schemeClr val="accent5">
-              <a:alpha val="50000"/>
-            </a:schemeClr>
-          </a:solidFill>
-          <a:ln>
-            <a:noFill/>
-          </a:ln>
-        </p:spPr>
-        <p:style>
-          <a:lnRef idx="0">
-            <a:scrgbClr r="0" g="0" b="0"/>
-          </a:lnRef>
-          <a:fillRef idx="0">
-            <a:scrgbClr r="0" g="0" b="0"/>
-          </a:fillRef>
-          <a:effectRef idx="0">
-            <a:scrgbClr r="0" g="0" b="0"/>
-          </a:effectRef>
-          <a:fontRef idx="minor">
-            <a:schemeClr val="lt1"/>
-          </a:fontRef>
-        </p:style>
-        <p:txBody>
-          <a:bodyPr rtlCol="0" anchor="ctr"/>
-          <a:lstStyle/>
-          <a:p>
-            <a:pPr algn="ctr"/>
-            <a:endParaRPr lang="en-TW"/>
-          </a:p>
-        </p:txBody>
-      </p:sp>
-      <p:pic>
-        <p:nvPicPr>
-          <p:cNvPr id="22" name="Picture 21">
-            <a:extLst>
-              <a:ext uri="{FF2B5EF4-FFF2-40B4-BE49-F238E27FC236}">
-                <a16:creationId xmlns:a16="http://schemas.microsoft.com/office/drawing/2014/main" id="{2D69830F-596E-1291-E501-39B14D8B03FB}"/>
-              </a:ext>
-            </a:extLst>
-          </p:cNvPr>
-          <p:cNvPicPr>
-            <a:picLocks noChangeAspect="1"/>
-          </p:cNvPicPr>
-          <p:nvPr/>
-        </p:nvPicPr>
-        <p:blipFill>
-          <a:blip r:embed="rId5"/>
-          <a:stretch>
-            <a:fillRect/>
-          </a:stretch>
-        </p:blipFill>
-        <p:spPr>
-          <a:xfrm>
-            <a:off x="1137919" y="5435622"/>
-            <a:ext cx="9670835" cy="1220151"/>
-          </a:xfrm>
-          <a:prstGeom prst="rect">
-            <a:avLst/>
-          </a:prstGeom>
-        </p:spPr>
-      </p:pic>
-      <p:sp>
-        <p:nvSpPr>
-          <p:cNvPr id="23" name="TextBox 22">
-            <a:extLst>
-              <a:ext uri="{FF2B5EF4-FFF2-40B4-BE49-F238E27FC236}">
-                <a16:creationId xmlns:a16="http://schemas.microsoft.com/office/drawing/2014/main" id="{50806CC1-35A7-5B5B-031D-6D78F04D5AEF}"/>
-              </a:ext>
-            </a:extLst>
-          </p:cNvPr>
-          <p:cNvSpPr txBox="1"/>
-          <p:nvPr/>
-        </p:nvSpPr>
-        <p:spPr>
-          <a:xfrm>
-            <a:off x="6390975" y="4710462"/>
-            <a:ext cx="5083123" cy="369332"/>
-          </a:xfrm>
-          <a:prstGeom prst="rect">
-            <a:avLst/>
-          </a:prstGeom>
-          <a:noFill/>
-        </p:spPr>
-        <p:txBody>
-          <a:bodyPr wrap="none" rtlCol="0">
-            <a:spAutoFit/>
-          </a:bodyPr>
-          <a:lstStyle/>
-          <a:p>
-            <a:pPr marL="285750" indent="-285750">
-              <a:buFont typeface="Arial" panose="020B0604020202020204" pitchFamily="34" charset="0"/>
-              <a:buChar char="•"/>
-            </a:pPr>
-            <a:r>
-              <a:rPr lang="en-TW" dirty="0"/>
-              <a:t>GAT applied on the old data has the similar result</a:t>
-            </a:r>
-          </a:p>
-        </p:txBody>
-      </p:sp>
-      <p:pic>
-        <p:nvPicPr>
-          <p:cNvPr id="25" name="Picture 24">
-            <a:extLst>
-              <a:ext uri="{FF2B5EF4-FFF2-40B4-BE49-F238E27FC236}">
-                <a16:creationId xmlns:a16="http://schemas.microsoft.com/office/drawing/2014/main" id="{E0EAF99B-3460-2F10-E1F6-BF9E8D3FE5EE}"/>
-              </a:ext>
-            </a:extLst>
-          </p:cNvPr>
-          <p:cNvPicPr>
-            <a:picLocks noChangeAspect="1"/>
-          </p:cNvPicPr>
-          <p:nvPr/>
-        </p:nvPicPr>
-        <p:blipFill>
-          <a:blip r:embed="rId6"/>
-          <a:stretch>
-            <a:fillRect/>
-          </a:stretch>
-        </p:blipFill>
-        <p:spPr>
-          <a:xfrm>
-            <a:off x="6390974" y="1763376"/>
-            <a:ext cx="4642785" cy="1089368"/>
-          </a:xfrm>
-          <a:prstGeom prst="rect">
-            <a:avLst/>
-          </a:prstGeom>
-        </p:spPr>
-      </p:pic>
-      <p:sp>
-        <p:nvSpPr>
-          <p:cNvPr id="27" name="Oval 26">
-            <a:extLst>
-              <a:ext uri="{FF2B5EF4-FFF2-40B4-BE49-F238E27FC236}">
-                <a16:creationId xmlns:a16="http://schemas.microsoft.com/office/drawing/2014/main" id="{C6C6D121-95AE-DC20-F0B8-386109DBACAE}"/>
-              </a:ext>
-            </a:extLst>
-          </p:cNvPr>
-          <p:cNvSpPr/>
-          <p:nvPr/>
-        </p:nvSpPr>
-        <p:spPr>
-          <a:xfrm>
-            <a:off x="6390974" y="2318591"/>
-            <a:ext cx="607234" cy="985441"/>
-          </a:xfrm>
-          <a:prstGeom prst="ellipse">
-            <a:avLst/>
-          </a:prstGeom>
-          <a:noFill/>
-          <a:ln w="9525" cap="flat" cmpd="sng" algn="ctr">
-            <a:solidFill>
-              <a:schemeClr val="accent2"/>
-            </a:solidFill>
-            <a:prstDash val="solid"/>
-            <a:round/>
-            <a:headEnd type="none" w="med" len="med"/>
-            <a:tailEnd type="none" w="med" len="med"/>
-          </a:ln>
-        </p:spPr>
-        <p:style>
-          <a:lnRef idx="0">
-            <a:scrgbClr r="0" g="0" b="0"/>
-          </a:lnRef>
-          <a:fillRef idx="0">
-            <a:scrgbClr r="0" g="0" b="0"/>
-          </a:fillRef>
-          <a:effectRef idx="0">
-            <a:scrgbClr r="0" g="0" b="0"/>
-          </a:effectRef>
-          <a:fontRef idx="minor">
-            <a:schemeClr val="accent2"/>
-          </a:fontRef>
-        </p:style>
-        <p:txBody>
-          <a:bodyPr rtlCol="0" anchor="ctr"/>
-          <a:lstStyle/>
-          <a:p>
-            <a:pPr algn="ctr"/>
-            <a:endParaRPr lang="en-TW"/>
-          </a:p>
-        </p:txBody>
-      </p:sp>
-    </p:spTree>
-    <p:extLst>
-      <p:ext uri="{BB962C8B-B14F-4D97-AF65-F5344CB8AC3E}">
-        <p14:creationId xmlns:p14="http://schemas.microsoft.com/office/powerpoint/2010/main" val="1736761719"/>
-      </p:ext>
-    </p:extLst>
-  </p:cSld>
-  <p:clrMapOvr>
-    <a:masterClrMapping/>
-  </p:clrMapOvr>
-  <p:timing>
-    <p:tnLst>
-      <p:par>
-        <p:cTn id="1" dur="indefinite" restart="never" nodeType="tmRoot">
-          <p:childTnLst>
-            <p:seq concurrent="1" nextAc="seek">
-              <p:cTn id="2" dur="indefinite" nodeType="mainSeq">
-                <p:childTnLst>
-                  <p:par>
-                    <p:cTn id="3" fill="hold">
-                      <p:stCondLst>
-                        <p:cond delay="indefinite"/>
-                      </p:stCondLst>
-                      <p:childTnLst>
-                        <p:par>
-                          <p:cTn id="4" fill="hold">
-                            <p:stCondLst>
-                              <p:cond delay="0"/>
-                            </p:stCondLst>
-                            <p:childTnLst>
-                              <p:par>
-                                <p:cTn id="5" presetID="1" presetClass="entr" presetSubtype="0" fill="hold" grpId="0" nodeType="clickEffect">
-                                  <p:stCondLst>
-                                    <p:cond delay="0"/>
-                                  </p:stCondLst>
-                                  <p:childTnLst>
-                                    <p:set>
-                                      <p:cBhvr>
-                                        <p:cTn id="6" dur="1" fill="hold">
-                                          <p:stCondLst>
-                                            <p:cond delay="0"/>
-                                          </p:stCondLst>
-                                        </p:cTn>
-                                        <p:tgtEl>
-                                          <p:spTgt spid="27"/>
-                                        </p:tgtEl>
-                                        <p:attrNameLst>
-                                          <p:attrName>style.visibility</p:attrName>
-                                        </p:attrNameLst>
-                                      </p:cBhvr>
-                                      <p:to>
-                                        <p:strVal val="visible"/>
-                                      </p:to>
-                                    </p:set>
-                                  </p:childTnLst>
-                                </p:cTn>
-                              </p:par>
-                            </p:childTnLst>
-                          </p:cTn>
-                        </p:par>
-                      </p:childTnLst>
-                    </p:cTn>
-                  </p:par>
-                </p:childTnLst>
-              </p:cTn>
-              <p:prevCondLst>
-                <p:cond evt="onPrev" delay="0">
-                  <p:tgtEl>
-                    <p:sldTgt/>
-                  </p:tgtEl>
-                </p:cond>
-              </p:prevCondLst>
-              <p:nextCondLst>
-                <p:cond evt="onNext" delay="0">
-                  <p:tgtEl>
-                    <p:sldTgt/>
-                  </p:tgtEl>
-                </p:cond>
-              </p:nextCondLst>
-            </p:seq>
-          </p:childTnLst>
-        </p:cTn>
-      </p:par>
-    </p:tnLst>
-    <p:bldLst>
-      <p:bldP spid="27" grpId="0" animBg="1"/>
     </p:bldLst>
   </p:timing>
 </p:sld>
